--- a/RS/RS_Presentacion.pptx
+++ b/RS/RS_Presentacion.pptx
@@ -5,7 +5,7 @@
     <p:sldMasterId id="2147483648" r:id="rId1"/>
   </p:sldMasterIdLst>
   <p:notesMasterIdLst>
-    <p:notesMasterId r:id="rId14"/>
+    <p:notesMasterId r:id="rId23"/>
   </p:notesMasterIdLst>
   <p:sldIdLst>
     <p:sldId id="257" r:id="rId2"/>
@@ -17,9 +17,18 @@
     <p:sldId id="281" r:id="rId8"/>
     <p:sldId id="284" r:id="rId9"/>
     <p:sldId id="285" r:id="rId10"/>
-    <p:sldId id="264" r:id="rId11"/>
-    <p:sldId id="268" r:id="rId12"/>
-    <p:sldId id="267" r:id="rId13"/>
+    <p:sldId id="286" r:id="rId11"/>
+    <p:sldId id="295" r:id="rId12"/>
+    <p:sldId id="287" r:id="rId13"/>
+    <p:sldId id="291" r:id="rId14"/>
+    <p:sldId id="288" r:id="rId15"/>
+    <p:sldId id="293" r:id="rId16"/>
+    <p:sldId id="294" r:id="rId17"/>
+    <p:sldId id="292" r:id="rId18"/>
+    <p:sldId id="264" r:id="rId19"/>
+    <p:sldId id="296" r:id="rId20"/>
+    <p:sldId id="268" r:id="rId21"/>
+    <p:sldId id="267" r:id="rId22"/>
   </p:sldIdLst>
   <p:sldSz cx="12192000" cy="6858000"/>
   <p:notesSz cx="6858000" cy="9144000"/>
@@ -137,10 +146,22 @@
 </p:presentation>
 </file>
 
+<file path=ppt/commentAuthors.xml><?xml version="1.0" encoding="utf-8"?>
+<p:cmAuthorLst xmlns:a="http://schemas.openxmlformats.org/drawingml/2006/main" xmlns:r="http://schemas.openxmlformats.org/officeDocument/2006/relationships" xmlns:p="http://schemas.openxmlformats.org/presentationml/2006/main">
+  <p:cmAuthor id="1" name="ANGEL FRAGUA BAEZA" initials="AFB" lastIdx="1" clrIdx="0">
+    <p:extLst>
+      <p:ext uri="{19B8F6BF-5375-455C-9EA6-DF929625EA0E}">
+        <p15:presenceInfo xmlns:p15="http://schemas.microsoft.com/office/powerpoint/2012/main" userId="ANGEL FRAGUA BAEZA" providerId="None"/>
+      </p:ext>
+    </p:extLst>
+  </p:cmAuthor>
+</p:cmAuthorLst>
+</file>
+
 <file path=ppt/revisionInfo.xml><?xml version="1.0" encoding="utf-8"?>
 <p1510:revInfo xmlns:a="http://schemas.openxmlformats.org/drawingml/2006/main" xmlns:r="http://schemas.openxmlformats.org/officeDocument/2006/relationships" xmlns:p1510="http://schemas.microsoft.com/office/powerpoint/2015/10/main">
   <p1510:revLst>
-    <p1510:client id="{626E1DC1-F94C-4F10-9278-A26E2A05164D}" v="591" dt="2021-11-01T18:40:14.975"/>
+    <p1510:client id="{626E1DC1-F94C-4F10-9278-A26E2A05164D}" v="691" dt="2021-11-02T14:20:25.475"/>
   </p1510:revLst>
 </p1510:revInfo>
 </file>
@@ -149,8 +170,8 @@
 <pc:chgInfo xmlns:a="http://schemas.openxmlformats.org/drawingml/2006/main" xmlns:r="http://schemas.openxmlformats.org/officeDocument/2006/relationships" xmlns:ac="http://schemas.microsoft.com/office/drawing/2013/main/command" xmlns:pc="http://schemas.microsoft.com/office/powerpoint/2013/main/command">
   <pc:docChgLst>
     <pc:chgData name="ANGEL FRAGUA BAEZA" userId="3d57da32-733d-4ce0-9afd-6737e8645227" providerId="ADAL" clId="{626E1DC1-F94C-4F10-9278-A26E2A05164D}"/>
-    <pc:docChg chg="undo custSel addSld delSld modSld sldOrd">
-      <pc:chgData name="ANGEL FRAGUA BAEZA" userId="3d57da32-733d-4ce0-9afd-6737e8645227" providerId="ADAL" clId="{626E1DC1-F94C-4F10-9278-A26E2A05164D}" dt="2021-11-01T18:47:15.858" v="4728" actId="20577"/>
+    <pc:docChg chg="undo redo custSel addSld delSld modSld sldOrd">
+      <pc:chgData name="ANGEL FRAGUA BAEZA" userId="3d57da32-733d-4ce0-9afd-6737e8645227" providerId="ADAL" clId="{626E1DC1-F94C-4F10-9278-A26E2A05164D}" dt="2021-11-02T14:20:29.296" v="7280" actId="20577"/>
       <pc:docMkLst>
         <pc:docMk/>
       </pc:docMkLst>
@@ -224,20 +245,28 @@
           </ac:picMkLst>
         </pc:picChg>
       </pc:sldChg>
-      <pc:sldChg chg="modSp mod">
-        <pc:chgData name="ANGEL FRAGUA BAEZA" userId="3d57da32-733d-4ce0-9afd-6737e8645227" providerId="ADAL" clId="{626E1DC1-F94C-4F10-9278-A26E2A05164D}" dt="2021-11-01T17:17:55.521" v="1377" actId="20577"/>
+      <pc:sldChg chg="addSp delSp modSp mod">
+        <pc:chgData name="ANGEL FRAGUA BAEZA" userId="3d57da32-733d-4ce0-9afd-6737e8645227" providerId="ADAL" clId="{626E1DC1-F94C-4F10-9278-A26E2A05164D}" dt="2021-11-02T13:56:01.197" v="6710"/>
         <pc:sldMkLst>
           <pc:docMk/>
           <pc:sldMk cId="675170061" sldId="264"/>
         </pc:sldMkLst>
         <pc:spChg chg="mod">
-          <ac:chgData name="ANGEL FRAGUA BAEZA" userId="3d57da32-733d-4ce0-9afd-6737e8645227" providerId="ADAL" clId="{626E1DC1-F94C-4F10-9278-A26E2A05164D}" dt="2021-11-01T17:17:55.521" v="1377" actId="20577"/>
+          <ac:chgData name="ANGEL FRAGUA BAEZA" userId="3d57da32-733d-4ce0-9afd-6737e8645227" providerId="ADAL" clId="{626E1DC1-F94C-4F10-9278-A26E2A05164D}" dt="2021-11-02T11:58:25.601" v="5558" actId="20577"/>
           <ac:spMkLst>
             <pc:docMk/>
             <pc:sldMk cId="675170061" sldId="264"/>
             <ac:spMk id="3" creationId="{19A6E88C-3FA0-4CCB-88C1-BFFB28F58D91}"/>
           </ac:spMkLst>
         </pc:spChg>
+        <pc:picChg chg="add del mod">
+          <ac:chgData name="ANGEL FRAGUA BAEZA" userId="3d57da32-733d-4ce0-9afd-6737e8645227" providerId="ADAL" clId="{626E1DC1-F94C-4F10-9278-A26E2A05164D}" dt="2021-11-02T13:56:01.197" v="6710"/>
+          <ac:picMkLst>
+            <pc:docMk/>
+            <pc:sldMk cId="675170061" sldId="264"/>
+            <ac:picMk id="5" creationId="{70B0EA63-A99E-4195-BB4B-6BB0E545D6BF}"/>
+          </ac:picMkLst>
+        </pc:picChg>
       </pc:sldChg>
       <pc:sldChg chg="delSp mod">
         <pc:chgData name="ANGEL FRAGUA BAEZA" userId="3d57da32-733d-4ce0-9afd-6737e8645227" providerId="ADAL" clId="{626E1DC1-F94C-4F10-9278-A26E2A05164D}" dt="2021-11-01T16:22:13.894" v="121" actId="478"/>
@@ -554,7 +583,7 @@
         </pc:sldMkLst>
       </pc:sldChg>
       <pc:sldChg chg="addSp delSp modSp add mod ord">
-        <pc:chgData name="ANGEL FRAGUA BAEZA" userId="3d57da32-733d-4ce0-9afd-6737e8645227" providerId="ADAL" clId="{626E1DC1-F94C-4F10-9278-A26E2A05164D}" dt="2021-11-01T18:47:15.858" v="4728" actId="20577"/>
+        <pc:chgData name="ANGEL FRAGUA BAEZA" userId="3d57da32-733d-4ce0-9afd-6737e8645227" providerId="ADAL" clId="{626E1DC1-F94C-4F10-9278-A26E2A05164D}" dt="2021-11-02T14:15:57.890" v="7253" actId="20577"/>
         <pc:sldMkLst>
           <pc:docMk/>
           <pc:sldMk cId="883324585" sldId="283"/>
@@ -568,7 +597,7 @@
           </ac:spMkLst>
         </pc:spChg>
         <pc:spChg chg="mod">
-          <ac:chgData name="ANGEL FRAGUA BAEZA" userId="3d57da32-733d-4ce0-9afd-6737e8645227" providerId="ADAL" clId="{626E1DC1-F94C-4F10-9278-A26E2A05164D}" dt="2021-11-01T18:47:15.858" v="4728" actId="20577"/>
+          <ac:chgData name="ANGEL FRAGUA BAEZA" userId="3d57da32-733d-4ce0-9afd-6737e8645227" providerId="ADAL" clId="{626E1DC1-F94C-4F10-9278-A26E2A05164D}" dt="2021-11-02T14:15:57.890" v="7253" actId="20577"/>
           <ac:spMkLst>
             <pc:docMk/>
             <pc:sldMk cId="883324585" sldId="283"/>
@@ -616,7 +645,7 @@
         </pc:sldMkLst>
       </pc:sldChg>
       <pc:sldChg chg="addSp delSp modSp add mod">
-        <pc:chgData name="ANGEL FRAGUA BAEZA" userId="3d57da32-733d-4ce0-9afd-6737e8645227" providerId="ADAL" clId="{626E1DC1-F94C-4F10-9278-A26E2A05164D}" dt="2021-11-01T18:40:02.508" v="4235" actId="21"/>
+        <pc:chgData name="ANGEL FRAGUA BAEZA" userId="3d57da32-733d-4ce0-9afd-6737e8645227" providerId="ADAL" clId="{626E1DC1-F94C-4F10-9278-A26E2A05164D}" dt="2021-11-02T12:18:04.744" v="6001" actId="403"/>
         <pc:sldMkLst>
           <pc:docMk/>
           <pc:sldMk cId="1524189185" sldId="284"/>
@@ -630,7 +659,7 @@
           </ac:spMkLst>
         </pc:spChg>
         <pc:spChg chg="mod">
-          <ac:chgData name="ANGEL FRAGUA BAEZA" userId="3d57da32-733d-4ce0-9afd-6737e8645227" providerId="ADAL" clId="{626E1DC1-F94C-4F10-9278-A26E2A05164D}" dt="2021-11-01T18:39:06.643" v="4231" actId="20577"/>
+          <ac:chgData name="ANGEL FRAGUA BAEZA" userId="3d57da32-733d-4ce0-9afd-6737e8645227" providerId="ADAL" clId="{626E1DC1-F94C-4F10-9278-A26E2A05164D}" dt="2021-11-02T12:18:04.744" v="6001" actId="403"/>
           <ac:spMkLst>
             <pc:docMk/>
             <pc:sldMk cId="1524189185" sldId="284"/>
@@ -732,6 +761,29 @@
           </ac:picMkLst>
         </pc:picChg>
       </pc:sldChg>
+      <pc:sldChg chg="modSp add mod">
+        <pc:chgData name="ANGEL FRAGUA BAEZA" userId="3d57da32-733d-4ce0-9afd-6737e8645227" providerId="ADAL" clId="{626E1DC1-F94C-4F10-9278-A26E2A05164D}" dt="2021-11-02T12:06:07.516" v="5949" actId="20577"/>
+        <pc:sldMkLst>
+          <pc:docMk/>
+          <pc:sldMk cId="703349903" sldId="286"/>
+        </pc:sldMkLst>
+        <pc:spChg chg="mod">
+          <ac:chgData name="ANGEL FRAGUA BAEZA" userId="3d57da32-733d-4ce0-9afd-6737e8645227" providerId="ADAL" clId="{626E1DC1-F94C-4F10-9278-A26E2A05164D}" dt="2021-11-02T11:42:41.331" v="4772" actId="14100"/>
+          <ac:spMkLst>
+            <pc:docMk/>
+            <pc:sldMk cId="703349903" sldId="286"/>
+            <ac:spMk id="2" creationId="{82368C42-4E80-46CB-A4E0-75FF66F48165}"/>
+          </ac:spMkLst>
+        </pc:spChg>
+        <pc:spChg chg="mod">
+          <ac:chgData name="ANGEL FRAGUA BAEZA" userId="3d57da32-733d-4ce0-9afd-6737e8645227" providerId="ADAL" clId="{626E1DC1-F94C-4F10-9278-A26E2A05164D}" dt="2021-11-02T12:06:07.516" v="5949" actId="20577"/>
+          <ac:spMkLst>
+            <pc:docMk/>
+            <pc:sldMk cId="703349903" sldId="286"/>
+            <ac:spMk id="3" creationId="{0D7EE13E-8160-40F2-BAC7-4E9FF9E7C7B7}"/>
+          </ac:spMkLst>
+        </pc:spChg>
+      </pc:sldChg>
       <pc:sldChg chg="del">
         <pc:chgData name="ANGEL FRAGUA BAEZA" userId="3d57da32-733d-4ce0-9afd-6737e8645227" providerId="ADAL" clId="{626E1DC1-F94C-4F10-9278-A26E2A05164D}" dt="2021-11-01T16:22:00.583" v="119" actId="2696"/>
         <pc:sldMkLst>
@@ -746,12 +798,130 @@
           <pc:sldMk cId="1638772484" sldId="287"/>
         </pc:sldMkLst>
       </pc:sldChg>
+      <pc:sldChg chg="addSp delSp modSp add mod">
+        <pc:chgData name="ANGEL FRAGUA BAEZA" userId="3d57da32-733d-4ce0-9afd-6737e8645227" providerId="ADAL" clId="{626E1DC1-F94C-4F10-9278-A26E2A05164D}" dt="2021-11-02T12:06:22.502" v="5950" actId="14100"/>
+        <pc:sldMkLst>
+          <pc:docMk/>
+          <pc:sldMk cId="2739960654" sldId="287"/>
+        </pc:sldMkLst>
+        <pc:spChg chg="mod">
+          <ac:chgData name="ANGEL FRAGUA BAEZA" userId="3d57da32-733d-4ce0-9afd-6737e8645227" providerId="ADAL" clId="{626E1DC1-F94C-4F10-9278-A26E2A05164D}" dt="2021-11-02T11:58:46.134" v="5569" actId="403"/>
+          <ac:spMkLst>
+            <pc:docMk/>
+            <pc:sldMk cId="2739960654" sldId="287"/>
+            <ac:spMk id="2" creationId="{82368C42-4E80-46CB-A4E0-75FF66F48165}"/>
+          </ac:spMkLst>
+        </pc:spChg>
+        <pc:spChg chg="del mod">
+          <ac:chgData name="ANGEL FRAGUA BAEZA" userId="3d57da32-733d-4ce0-9afd-6737e8645227" providerId="ADAL" clId="{626E1DC1-F94C-4F10-9278-A26E2A05164D}" dt="2021-11-02T11:54:16.524" v="5400" actId="478"/>
+          <ac:spMkLst>
+            <pc:docMk/>
+            <pc:sldMk cId="2739960654" sldId="287"/>
+            <ac:spMk id="3" creationId="{0D7EE13E-8160-40F2-BAC7-4E9FF9E7C7B7}"/>
+          </ac:spMkLst>
+        </pc:spChg>
+        <pc:spChg chg="add mod">
+          <ac:chgData name="ANGEL FRAGUA BAEZA" userId="3d57da32-733d-4ce0-9afd-6737e8645227" providerId="ADAL" clId="{626E1DC1-F94C-4F10-9278-A26E2A05164D}" dt="2021-11-02T12:01:12.345" v="5678" actId="20577"/>
+          <ac:spMkLst>
+            <pc:docMk/>
+            <pc:sldMk cId="2739960654" sldId="287"/>
+            <ac:spMk id="11" creationId="{396ECD86-7319-4480-93A5-D093E4CA3E0C}"/>
+          </ac:spMkLst>
+        </pc:spChg>
+        <pc:spChg chg="add mod">
+          <ac:chgData name="ANGEL FRAGUA BAEZA" userId="3d57da32-733d-4ce0-9afd-6737e8645227" providerId="ADAL" clId="{626E1DC1-F94C-4F10-9278-A26E2A05164D}" dt="2021-11-02T12:06:22.502" v="5950" actId="14100"/>
+          <ac:spMkLst>
+            <pc:docMk/>
+            <pc:sldMk cId="2739960654" sldId="287"/>
+            <ac:spMk id="12" creationId="{57B6B333-AE18-4EFE-85BB-CCC942A573C4}"/>
+          </ac:spMkLst>
+        </pc:spChg>
+        <pc:picChg chg="add mod">
+          <ac:chgData name="ANGEL FRAGUA BAEZA" userId="3d57da32-733d-4ce0-9afd-6737e8645227" providerId="ADAL" clId="{626E1DC1-F94C-4F10-9278-A26E2A05164D}" dt="2021-11-02T11:57:07.537" v="5435" actId="14826"/>
+          <ac:picMkLst>
+            <pc:docMk/>
+            <pc:sldMk cId="2739960654" sldId="287"/>
+            <ac:picMk id="6" creationId="{4A8A8ECA-E18D-41B6-86AE-0A1F51922E41}"/>
+          </ac:picMkLst>
+        </pc:picChg>
+        <pc:picChg chg="add mod">
+          <ac:chgData name="ANGEL FRAGUA BAEZA" userId="3d57da32-733d-4ce0-9afd-6737e8645227" providerId="ADAL" clId="{626E1DC1-F94C-4F10-9278-A26E2A05164D}" dt="2021-11-02T11:56:30.545" v="5434" actId="14826"/>
+          <ac:picMkLst>
+            <pc:docMk/>
+            <pc:sldMk cId="2739960654" sldId="287"/>
+            <ac:picMk id="8" creationId="{BC929A2F-38EF-4146-AAEF-BD6F3ABEF1AF}"/>
+          </ac:picMkLst>
+        </pc:picChg>
+        <pc:picChg chg="add del mod">
+          <ac:chgData name="ANGEL FRAGUA BAEZA" userId="3d57da32-733d-4ce0-9afd-6737e8645227" providerId="ADAL" clId="{626E1DC1-F94C-4F10-9278-A26E2A05164D}" dt="2021-11-02T11:55:32.470" v="5424" actId="478"/>
+          <ac:picMkLst>
+            <pc:docMk/>
+            <pc:sldMk cId="2739960654" sldId="287"/>
+            <ac:picMk id="10" creationId="{45B118F2-AE39-49CC-AB92-C47B58A1C83C}"/>
+          </ac:picMkLst>
+        </pc:picChg>
+      </pc:sldChg>
       <pc:sldChg chg="del">
         <pc:chgData name="ANGEL FRAGUA BAEZA" userId="3d57da32-733d-4ce0-9afd-6737e8645227" providerId="ADAL" clId="{626E1DC1-F94C-4F10-9278-A26E2A05164D}" dt="2021-11-01T16:22:00.583" v="119" actId="2696"/>
         <pc:sldMkLst>
           <pc:docMk/>
           <pc:sldMk cId="703929044" sldId="288"/>
         </pc:sldMkLst>
+      </pc:sldChg>
+      <pc:sldChg chg="addSp delSp modSp add mod">
+        <pc:chgData name="ANGEL FRAGUA BAEZA" userId="3d57da32-733d-4ce0-9afd-6737e8645227" providerId="ADAL" clId="{626E1DC1-F94C-4F10-9278-A26E2A05164D}" dt="2021-11-02T12:08:59.081" v="5956" actId="14826"/>
+        <pc:sldMkLst>
+          <pc:docMk/>
+          <pc:sldMk cId="1187272634" sldId="288"/>
+        </pc:sldMkLst>
+        <pc:spChg chg="mod">
+          <ac:chgData name="ANGEL FRAGUA BAEZA" userId="3d57da32-733d-4ce0-9afd-6737e8645227" providerId="ADAL" clId="{626E1DC1-F94C-4F10-9278-A26E2A05164D}" dt="2021-11-02T11:58:54.259" v="5571" actId="403"/>
+          <ac:spMkLst>
+            <pc:docMk/>
+            <pc:sldMk cId="1187272634" sldId="288"/>
+            <ac:spMk id="2" creationId="{82368C42-4E80-46CB-A4E0-75FF66F48165}"/>
+          </ac:spMkLst>
+        </pc:spChg>
+        <pc:spChg chg="del">
+          <ac:chgData name="ANGEL FRAGUA BAEZA" userId="3d57da32-733d-4ce0-9afd-6737e8645227" providerId="ADAL" clId="{626E1DC1-F94C-4F10-9278-A26E2A05164D}" dt="2021-11-02T12:08:28.093" v="5954" actId="478"/>
+          <ac:spMkLst>
+            <pc:docMk/>
+            <pc:sldMk cId="1187272634" sldId="288"/>
+            <ac:spMk id="3" creationId="{0D7EE13E-8160-40F2-BAC7-4E9FF9E7C7B7}"/>
+          </ac:spMkLst>
+        </pc:spChg>
+        <pc:spChg chg="add mod">
+          <ac:chgData name="ANGEL FRAGUA BAEZA" userId="3d57da32-733d-4ce0-9afd-6737e8645227" providerId="ADAL" clId="{626E1DC1-F94C-4F10-9278-A26E2A05164D}" dt="2021-11-02T12:08:20.153" v="5953"/>
+          <ac:spMkLst>
+            <pc:docMk/>
+            <pc:sldMk cId="1187272634" sldId="288"/>
+            <ac:spMk id="7" creationId="{1CC46EDD-9C40-489F-B787-82AEFA1FB307}"/>
+          </ac:spMkLst>
+        </pc:spChg>
+        <pc:spChg chg="add mod">
+          <ac:chgData name="ANGEL FRAGUA BAEZA" userId="3d57da32-733d-4ce0-9afd-6737e8645227" providerId="ADAL" clId="{626E1DC1-F94C-4F10-9278-A26E2A05164D}" dt="2021-11-02T12:08:20.153" v="5953"/>
+          <ac:spMkLst>
+            <pc:docMk/>
+            <pc:sldMk cId="1187272634" sldId="288"/>
+            <ac:spMk id="8" creationId="{B6F30033-FB1C-4E9F-A847-D2FA771F666C}"/>
+          </ac:spMkLst>
+        </pc:spChg>
+        <pc:picChg chg="add mod">
+          <ac:chgData name="ANGEL FRAGUA BAEZA" userId="3d57da32-733d-4ce0-9afd-6737e8645227" providerId="ADAL" clId="{626E1DC1-F94C-4F10-9278-A26E2A05164D}" dt="2021-11-02T12:08:47.255" v="5955" actId="14826"/>
+          <ac:picMkLst>
+            <pc:docMk/>
+            <pc:sldMk cId="1187272634" sldId="288"/>
+            <ac:picMk id="5" creationId="{0C3AE422-8247-469F-B2E5-B0A094FF9580}"/>
+          </ac:picMkLst>
+        </pc:picChg>
+        <pc:picChg chg="add mod">
+          <ac:chgData name="ANGEL FRAGUA BAEZA" userId="3d57da32-733d-4ce0-9afd-6737e8645227" providerId="ADAL" clId="{626E1DC1-F94C-4F10-9278-A26E2A05164D}" dt="2021-11-02T12:08:59.081" v="5956" actId="14826"/>
+          <ac:picMkLst>
+            <pc:docMk/>
+            <pc:sldMk cId="1187272634" sldId="288"/>
+            <ac:picMk id="6" creationId="{16F4B4C3-3047-492A-8028-699C65509223}"/>
+          </ac:picMkLst>
+        </pc:picChg>
       </pc:sldChg>
       <pc:sldChg chg="del">
         <pc:chgData name="ANGEL FRAGUA BAEZA" userId="3d57da32-733d-4ce0-9afd-6737e8645227" providerId="ADAL" clId="{626E1DC1-F94C-4F10-9278-A26E2A05164D}" dt="2021-11-01T16:22:00.583" v="119" actId="2696"/>
@@ -760,12 +930,81 @@
           <pc:sldMk cId="2186603690" sldId="289"/>
         </pc:sldMkLst>
       </pc:sldChg>
+      <pc:sldChg chg="modSp add del mod">
+        <pc:chgData name="ANGEL FRAGUA BAEZA" userId="3d57da32-733d-4ce0-9afd-6737e8645227" providerId="ADAL" clId="{626E1DC1-F94C-4F10-9278-A26E2A05164D}" dt="2021-11-02T12:16:25.311" v="5988" actId="47"/>
+        <pc:sldMkLst>
+          <pc:docMk/>
+          <pc:sldMk cId="3697195232" sldId="289"/>
+        </pc:sldMkLst>
+        <pc:spChg chg="mod">
+          <ac:chgData name="ANGEL FRAGUA BAEZA" userId="3d57da32-733d-4ce0-9afd-6737e8645227" providerId="ADAL" clId="{626E1DC1-F94C-4F10-9278-A26E2A05164D}" dt="2021-11-02T11:58:57.639" v="5572" actId="403"/>
+          <ac:spMkLst>
+            <pc:docMk/>
+            <pc:sldMk cId="3697195232" sldId="289"/>
+            <ac:spMk id="2" creationId="{82368C42-4E80-46CB-A4E0-75FF66F48165}"/>
+          </ac:spMkLst>
+        </pc:spChg>
+      </pc:sldChg>
+      <pc:sldChg chg="delSp modSp add del mod ord">
+        <pc:chgData name="ANGEL FRAGUA BAEZA" userId="3d57da32-733d-4ce0-9afd-6737e8645227" providerId="ADAL" clId="{626E1DC1-F94C-4F10-9278-A26E2A05164D}" dt="2021-11-02T11:56:08.260" v="5433" actId="47"/>
+        <pc:sldMkLst>
+          <pc:docMk/>
+          <pc:sldMk cId="123907000" sldId="290"/>
+        </pc:sldMkLst>
+        <pc:picChg chg="mod">
+          <ac:chgData name="ANGEL FRAGUA BAEZA" userId="3d57da32-733d-4ce0-9afd-6737e8645227" providerId="ADAL" clId="{626E1DC1-F94C-4F10-9278-A26E2A05164D}" dt="2021-11-02T11:55:17.021" v="5420" actId="1076"/>
+          <ac:picMkLst>
+            <pc:docMk/>
+            <pc:sldMk cId="123907000" sldId="290"/>
+            <ac:picMk id="6" creationId="{4A8A8ECA-E18D-41B6-86AE-0A1F51922E41}"/>
+          </ac:picMkLst>
+        </pc:picChg>
+        <pc:picChg chg="del">
+          <ac:chgData name="ANGEL FRAGUA BAEZA" userId="3d57da32-733d-4ce0-9afd-6737e8645227" providerId="ADAL" clId="{626E1DC1-F94C-4F10-9278-A26E2A05164D}" dt="2021-11-02T11:55:23.457" v="5421" actId="478"/>
+          <ac:picMkLst>
+            <pc:docMk/>
+            <pc:sldMk cId="123907000" sldId="290"/>
+            <ac:picMk id="8" creationId="{BC929A2F-38EF-4146-AAEF-BD6F3ABEF1AF}"/>
+          </ac:picMkLst>
+        </pc:picChg>
+        <pc:picChg chg="mod">
+          <ac:chgData name="ANGEL FRAGUA BAEZA" userId="3d57da32-733d-4ce0-9afd-6737e8645227" providerId="ADAL" clId="{626E1DC1-F94C-4F10-9278-A26E2A05164D}" dt="2021-11-02T11:55:14.904" v="5419" actId="1076"/>
+          <ac:picMkLst>
+            <pc:docMk/>
+            <pc:sldMk cId="123907000" sldId="290"/>
+            <ac:picMk id="10" creationId="{45B118F2-AE39-49CC-AB92-C47B58A1C83C}"/>
+          </ac:picMkLst>
+        </pc:picChg>
+      </pc:sldChg>
       <pc:sldChg chg="del">
         <pc:chgData name="ANGEL FRAGUA BAEZA" userId="3d57da32-733d-4ce0-9afd-6737e8645227" providerId="ADAL" clId="{626E1DC1-F94C-4F10-9278-A26E2A05164D}" dt="2021-11-01T16:22:00.583" v="119" actId="2696"/>
         <pc:sldMkLst>
           <pc:docMk/>
           <pc:sldMk cId="1462622030" sldId="290"/>
         </pc:sldMkLst>
+      </pc:sldChg>
+      <pc:sldChg chg="addSp modSp add mod">
+        <pc:chgData name="ANGEL FRAGUA BAEZA" userId="3d57da32-733d-4ce0-9afd-6737e8645227" providerId="ADAL" clId="{626E1DC1-F94C-4F10-9278-A26E2A05164D}" dt="2021-11-02T12:15:58.219" v="5978" actId="20577"/>
+        <pc:sldMkLst>
+          <pc:docMk/>
+          <pc:sldMk cId="2084495786" sldId="291"/>
+        </pc:sldMkLst>
+        <pc:spChg chg="mod">
+          <ac:chgData name="ANGEL FRAGUA BAEZA" userId="3d57da32-733d-4ce0-9afd-6737e8645227" providerId="ADAL" clId="{626E1DC1-F94C-4F10-9278-A26E2A05164D}" dt="2021-11-02T12:15:58.219" v="5978" actId="20577"/>
+          <ac:spMkLst>
+            <pc:docMk/>
+            <pc:sldMk cId="2084495786" sldId="291"/>
+            <ac:spMk id="2" creationId="{82368C42-4E80-46CB-A4E0-75FF66F48165}"/>
+          </ac:spMkLst>
+        </pc:spChg>
+        <pc:spChg chg="add mod">
+          <ac:chgData name="ANGEL FRAGUA BAEZA" userId="3d57da32-733d-4ce0-9afd-6737e8645227" providerId="ADAL" clId="{626E1DC1-F94C-4F10-9278-A26E2A05164D}" dt="2021-11-02T12:06:48.701" v="5952" actId="1076"/>
+          <ac:spMkLst>
+            <pc:docMk/>
+            <pc:sldMk cId="2084495786" sldId="291"/>
+            <ac:spMk id="7" creationId="{674B680D-1216-4F31-8754-7822EBC94CDC}"/>
+          </ac:spMkLst>
+        </pc:spChg>
       </pc:sldChg>
       <pc:sldChg chg="del">
         <pc:chgData name="ANGEL FRAGUA BAEZA" userId="3d57da32-733d-4ce0-9afd-6737e8645227" providerId="ADAL" clId="{626E1DC1-F94C-4F10-9278-A26E2A05164D}" dt="2021-11-01T16:22:00.583" v="119" actId="2696"/>
@@ -774,12 +1013,383 @@
           <pc:sldMk cId="3976612664" sldId="291"/>
         </pc:sldMkLst>
       </pc:sldChg>
+      <pc:sldChg chg="addSp delSp modSp add mod">
+        <pc:chgData name="ANGEL FRAGUA BAEZA" userId="3d57da32-733d-4ce0-9afd-6737e8645227" providerId="ADAL" clId="{626E1DC1-F94C-4F10-9278-A26E2A05164D}" dt="2021-11-02T13:46:48.937" v="6520" actId="1076"/>
+        <pc:sldMkLst>
+          <pc:docMk/>
+          <pc:sldMk cId="848113142" sldId="292"/>
+        </pc:sldMkLst>
+        <pc:spChg chg="mod">
+          <ac:chgData name="ANGEL FRAGUA BAEZA" userId="3d57da32-733d-4ce0-9afd-6737e8645227" providerId="ADAL" clId="{626E1DC1-F94C-4F10-9278-A26E2A05164D}" dt="2021-11-02T13:35:15.501" v="6374" actId="14100"/>
+          <ac:spMkLst>
+            <pc:docMk/>
+            <pc:sldMk cId="848113142" sldId="292"/>
+            <ac:spMk id="2" creationId="{82368C42-4E80-46CB-A4E0-75FF66F48165}"/>
+          </ac:spMkLst>
+        </pc:spChg>
+        <pc:spChg chg="del">
+          <ac:chgData name="ANGEL FRAGUA BAEZA" userId="3d57da32-733d-4ce0-9afd-6737e8645227" providerId="ADAL" clId="{626E1DC1-F94C-4F10-9278-A26E2A05164D}" dt="2021-11-02T13:32:55.365" v="6338" actId="478"/>
+          <ac:spMkLst>
+            <pc:docMk/>
+            <pc:sldMk cId="848113142" sldId="292"/>
+            <ac:spMk id="3" creationId="{0D7EE13E-8160-40F2-BAC7-4E9FF9E7C7B7}"/>
+          </ac:spMkLst>
+        </pc:spChg>
+        <pc:spChg chg="add mod">
+          <ac:chgData name="ANGEL FRAGUA BAEZA" userId="3d57da32-733d-4ce0-9afd-6737e8645227" providerId="ADAL" clId="{626E1DC1-F94C-4F10-9278-A26E2A05164D}" dt="2021-11-02T13:46:48.937" v="6520" actId="1076"/>
+          <ac:spMkLst>
+            <pc:docMk/>
+            <pc:sldMk cId="848113142" sldId="292"/>
+            <ac:spMk id="15" creationId="{CC2187E0-1776-4D0E-A3B9-377B6DCA3BB1}"/>
+          </ac:spMkLst>
+        </pc:spChg>
+        <pc:spChg chg="add mod">
+          <ac:chgData name="ANGEL FRAGUA BAEZA" userId="3d57da32-733d-4ce0-9afd-6737e8645227" providerId="ADAL" clId="{626E1DC1-F94C-4F10-9278-A26E2A05164D}" dt="2021-11-02T13:46:33.925" v="6518" actId="1076"/>
+          <ac:spMkLst>
+            <pc:docMk/>
+            <pc:sldMk cId="848113142" sldId="292"/>
+            <ac:spMk id="16" creationId="{4F2805CB-4851-418B-91D3-71704D51B6F1}"/>
+          </ac:spMkLst>
+        </pc:spChg>
+        <pc:spChg chg="add mod">
+          <ac:chgData name="ANGEL FRAGUA BAEZA" userId="3d57da32-733d-4ce0-9afd-6737e8645227" providerId="ADAL" clId="{626E1DC1-F94C-4F10-9278-A26E2A05164D}" dt="2021-11-02T13:46:36.585" v="6519" actId="1076"/>
+          <ac:spMkLst>
+            <pc:docMk/>
+            <pc:sldMk cId="848113142" sldId="292"/>
+            <ac:spMk id="17" creationId="{070C12BF-4120-4467-85A0-F6D9EEAF9746}"/>
+          </ac:spMkLst>
+        </pc:spChg>
+        <pc:spChg chg="add mod">
+          <ac:chgData name="ANGEL FRAGUA BAEZA" userId="3d57da32-733d-4ce0-9afd-6737e8645227" providerId="ADAL" clId="{626E1DC1-F94C-4F10-9278-A26E2A05164D}" dt="2021-11-02T13:42:52.429" v="6484" actId="1076"/>
+          <ac:spMkLst>
+            <pc:docMk/>
+            <pc:sldMk cId="848113142" sldId="292"/>
+            <ac:spMk id="18" creationId="{6A7E27A3-B6C6-4563-8CDF-5B288298EB9B}"/>
+          </ac:spMkLst>
+        </pc:spChg>
+        <pc:picChg chg="add del mod">
+          <ac:chgData name="ANGEL FRAGUA BAEZA" userId="3d57da32-733d-4ce0-9afd-6737e8645227" providerId="ADAL" clId="{626E1DC1-F94C-4F10-9278-A26E2A05164D}" dt="2021-11-02T13:33:36.728" v="6352" actId="478"/>
+          <ac:picMkLst>
+            <pc:docMk/>
+            <pc:sldMk cId="848113142" sldId="292"/>
+            <ac:picMk id="6" creationId="{F69E2E40-2C4F-4284-B0A3-985B27402385}"/>
+          </ac:picMkLst>
+        </pc:picChg>
+        <pc:picChg chg="add del mod">
+          <ac:chgData name="ANGEL FRAGUA BAEZA" userId="3d57da32-733d-4ce0-9afd-6737e8645227" providerId="ADAL" clId="{626E1DC1-F94C-4F10-9278-A26E2A05164D}" dt="2021-11-02T13:33:36.035" v="6351" actId="478"/>
+          <ac:picMkLst>
+            <pc:docMk/>
+            <pc:sldMk cId="848113142" sldId="292"/>
+            <ac:picMk id="8" creationId="{15C72348-5637-436F-AA31-7FC3F60FC4D9}"/>
+          </ac:picMkLst>
+        </pc:picChg>
+        <pc:picChg chg="add del mod">
+          <ac:chgData name="ANGEL FRAGUA BAEZA" userId="3d57da32-733d-4ce0-9afd-6737e8645227" providerId="ADAL" clId="{626E1DC1-F94C-4F10-9278-A26E2A05164D}" dt="2021-11-02T13:33:35.568" v="6350" actId="478"/>
+          <ac:picMkLst>
+            <pc:docMk/>
+            <pc:sldMk cId="848113142" sldId="292"/>
+            <ac:picMk id="10" creationId="{08B434A8-068A-48FA-972F-6E5F89915DF8}"/>
+          </ac:picMkLst>
+        </pc:picChg>
+        <pc:picChg chg="add mod modCrop">
+          <ac:chgData name="ANGEL FRAGUA BAEZA" userId="3d57da32-733d-4ce0-9afd-6737e8645227" providerId="ADAL" clId="{626E1DC1-F94C-4F10-9278-A26E2A05164D}" dt="2021-11-02T13:44:55.907" v="6503" actId="14100"/>
+          <ac:picMkLst>
+            <pc:docMk/>
+            <pc:sldMk cId="848113142" sldId="292"/>
+            <ac:picMk id="12" creationId="{1CD449F5-6F1B-4202-A549-4F0FDD989C47}"/>
+          </ac:picMkLst>
+        </pc:picChg>
+        <pc:picChg chg="add mod modCrop">
+          <ac:chgData name="ANGEL FRAGUA BAEZA" userId="3d57da32-733d-4ce0-9afd-6737e8645227" providerId="ADAL" clId="{626E1DC1-F94C-4F10-9278-A26E2A05164D}" dt="2021-11-02T13:46:11.552" v="6516" actId="14100"/>
+          <ac:picMkLst>
+            <pc:docMk/>
+            <pc:sldMk cId="848113142" sldId="292"/>
+            <ac:picMk id="13" creationId="{556B36E5-35DD-43AF-854B-9B87AA89A571}"/>
+          </ac:picMkLst>
+        </pc:picChg>
+        <pc:picChg chg="add mod modCrop">
+          <ac:chgData name="ANGEL FRAGUA BAEZA" userId="3d57da32-733d-4ce0-9afd-6737e8645227" providerId="ADAL" clId="{626E1DC1-F94C-4F10-9278-A26E2A05164D}" dt="2021-11-02T13:46:21.451" v="6517" actId="1076"/>
+          <ac:picMkLst>
+            <pc:docMk/>
+            <pc:sldMk cId="848113142" sldId="292"/>
+            <ac:picMk id="14" creationId="{4F75ED10-BC63-4C64-9158-EBB9F61B2BC9}"/>
+          </ac:picMkLst>
+        </pc:picChg>
+      </pc:sldChg>
       <pc:sldChg chg="del">
         <pc:chgData name="ANGEL FRAGUA BAEZA" userId="3d57da32-733d-4ce0-9afd-6737e8645227" providerId="ADAL" clId="{626E1DC1-F94C-4F10-9278-A26E2A05164D}" dt="2021-11-01T16:22:00.583" v="119" actId="2696"/>
         <pc:sldMkLst>
           <pc:docMk/>
           <pc:sldMk cId="2339632756" sldId="292"/>
         </pc:sldMkLst>
+      </pc:sldChg>
+      <pc:sldChg chg="modSp add mod">
+        <pc:chgData name="ANGEL FRAGUA BAEZA" userId="3d57da32-733d-4ce0-9afd-6737e8645227" providerId="ADAL" clId="{626E1DC1-F94C-4F10-9278-A26E2A05164D}" dt="2021-11-02T12:16:05.850" v="5987" actId="20577"/>
+        <pc:sldMkLst>
+          <pc:docMk/>
+          <pc:sldMk cId="387612994" sldId="293"/>
+        </pc:sldMkLst>
+        <pc:spChg chg="mod">
+          <ac:chgData name="ANGEL FRAGUA BAEZA" userId="3d57da32-733d-4ce0-9afd-6737e8645227" providerId="ADAL" clId="{626E1DC1-F94C-4F10-9278-A26E2A05164D}" dt="2021-11-02T12:16:05.850" v="5987" actId="20577"/>
+          <ac:spMkLst>
+            <pc:docMk/>
+            <pc:sldMk cId="387612994" sldId="293"/>
+            <ac:spMk id="2" creationId="{82368C42-4E80-46CB-A4E0-75FF66F48165}"/>
+          </ac:spMkLst>
+        </pc:spChg>
+        <pc:picChg chg="mod">
+          <ac:chgData name="ANGEL FRAGUA BAEZA" userId="3d57da32-733d-4ce0-9afd-6737e8645227" providerId="ADAL" clId="{626E1DC1-F94C-4F10-9278-A26E2A05164D}" dt="2021-11-02T12:09:59.647" v="5959" actId="14826"/>
+          <ac:picMkLst>
+            <pc:docMk/>
+            <pc:sldMk cId="387612994" sldId="293"/>
+            <ac:picMk id="6" creationId="{4A8A8ECA-E18D-41B6-86AE-0A1F51922E41}"/>
+          </ac:picMkLst>
+        </pc:picChg>
+        <pc:picChg chg="mod">
+          <ac:chgData name="ANGEL FRAGUA BAEZA" userId="3d57da32-733d-4ce0-9afd-6737e8645227" providerId="ADAL" clId="{626E1DC1-F94C-4F10-9278-A26E2A05164D}" dt="2021-11-02T12:10:22.503" v="5960" actId="14826"/>
+          <ac:picMkLst>
+            <pc:docMk/>
+            <pc:sldMk cId="387612994" sldId="293"/>
+            <ac:picMk id="8" creationId="{BC929A2F-38EF-4146-AAEF-BD6F3ABEF1AF}"/>
+          </ac:picMkLst>
+        </pc:picChg>
+      </pc:sldChg>
+      <pc:sldChg chg="addSp delSp modSp add mod">
+        <pc:chgData name="ANGEL FRAGUA BAEZA" userId="3d57da32-733d-4ce0-9afd-6737e8645227" providerId="ADAL" clId="{626E1DC1-F94C-4F10-9278-A26E2A05164D}" dt="2021-11-02T12:16:30.217" v="5997" actId="20577"/>
+        <pc:sldMkLst>
+          <pc:docMk/>
+          <pc:sldMk cId="1753503321" sldId="294"/>
+        </pc:sldMkLst>
+        <pc:spChg chg="mod">
+          <ac:chgData name="ANGEL FRAGUA BAEZA" userId="3d57da32-733d-4ce0-9afd-6737e8645227" providerId="ADAL" clId="{626E1DC1-F94C-4F10-9278-A26E2A05164D}" dt="2021-11-02T12:16:30.217" v="5997" actId="20577"/>
+          <ac:spMkLst>
+            <pc:docMk/>
+            <pc:sldMk cId="1753503321" sldId="294"/>
+            <ac:spMk id="2" creationId="{82368C42-4E80-46CB-A4E0-75FF66F48165}"/>
+          </ac:spMkLst>
+        </pc:spChg>
+        <pc:spChg chg="del">
+          <ac:chgData name="ANGEL FRAGUA BAEZA" userId="3d57da32-733d-4ce0-9afd-6737e8645227" providerId="ADAL" clId="{626E1DC1-F94C-4F10-9278-A26E2A05164D}" dt="2021-11-02T12:15:14.805" v="5965" actId="478"/>
+          <ac:spMkLst>
+            <pc:docMk/>
+            <pc:sldMk cId="1753503321" sldId="294"/>
+            <ac:spMk id="7" creationId="{1CC46EDD-9C40-489F-B787-82AEFA1FB307}"/>
+          </ac:spMkLst>
+        </pc:spChg>
+        <pc:spChg chg="del">
+          <ac:chgData name="ANGEL FRAGUA BAEZA" userId="3d57da32-733d-4ce0-9afd-6737e8645227" providerId="ADAL" clId="{626E1DC1-F94C-4F10-9278-A26E2A05164D}" dt="2021-11-02T12:15:16.032" v="5966" actId="478"/>
+          <ac:spMkLst>
+            <pc:docMk/>
+            <pc:sldMk cId="1753503321" sldId="294"/>
+            <ac:spMk id="8" creationId="{B6F30033-FB1C-4E9F-A847-D2FA771F666C}"/>
+          </ac:spMkLst>
+        </pc:spChg>
+        <pc:spChg chg="add mod">
+          <ac:chgData name="ANGEL FRAGUA BAEZA" userId="3d57da32-733d-4ce0-9afd-6737e8645227" providerId="ADAL" clId="{626E1DC1-F94C-4F10-9278-A26E2A05164D}" dt="2021-11-02T12:15:17.287" v="5967"/>
+          <ac:spMkLst>
+            <pc:docMk/>
+            <pc:sldMk cId="1753503321" sldId="294"/>
+            <ac:spMk id="9" creationId="{B11377C1-9505-40A3-BD48-AF4C78F31459}"/>
+          </ac:spMkLst>
+        </pc:spChg>
+        <pc:picChg chg="mod">
+          <ac:chgData name="ANGEL FRAGUA BAEZA" userId="3d57da32-733d-4ce0-9afd-6737e8645227" providerId="ADAL" clId="{626E1DC1-F94C-4F10-9278-A26E2A05164D}" dt="2021-11-02T12:14:43.089" v="5963" actId="14826"/>
+          <ac:picMkLst>
+            <pc:docMk/>
+            <pc:sldMk cId="1753503321" sldId="294"/>
+            <ac:picMk id="5" creationId="{0C3AE422-8247-469F-B2E5-B0A094FF9580}"/>
+          </ac:picMkLst>
+        </pc:picChg>
+        <pc:picChg chg="mod">
+          <ac:chgData name="ANGEL FRAGUA BAEZA" userId="3d57da32-733d-4ce0-9afd-6737e8645227" providerId="ADAL" clId="{626E1DC1-F94C-4F10-9278-A26E2A05164D}" dt="2021-11-02T12:14:58.989" v="5964" actId="14826"/>
+          <ac:picMkLst>
+            <pc:docMk/>
+            <pc:sldMk cId="1753503321" sldId="294"/>
+            <ac:picMk id="6" creationId="{16F4B4C3-3047-492A-8028-699C65509223}"/>
+          </ac:picMkLst>
+        </pc:picChg>
+      </pc:sldChg>
+      <pc:sldChg chg="addSp delSp modSp add mod ord">
+        <pc:chgData name="ANGEL FRAGUA BAEZA" userId="3d57da32-733d-4ce0-9afd-6737e8645227" providerId="ADAL" clId="{626E1DC1-F94C-4F10-9278-A26E2A05164D}" dt="2021-11-02T13:41:35.334" v="6468" actId="1076"/>
+        <pc:sldMkLst>
+          <pc:docMk/>
+          <pc:sldMk cId="1658518193" sldId="295"/>
+        </pc:sldMkLst>
+        <pc:spChg chg="mod">
+          <ac:chgData name="ANGEL FRAGUA BAEZA" userId="3d57da32-733d-4ce0-9afd-6737e8645227" providerId="ADAL" clId="{626E1DC1-F94C-4F10-9278-A26E2A05164D}" dt="2021-11-02T13:31:59.123" v="6325" actId="20577"/>
+          <ac:spMkLst>
+            <pc:docMk/>
+            <pc:sldMk cId="1658518193" sldId="295"/>
+            <ac:spMk id="2" creationId="{82368C42-4E80-46CB-A4E0-75FF66F48165}"/>
+          </ac:spMkLst>
+        </pc:spChg>
+        <pc:spChg chg="add del mod">
+          <ac:chgData name="ANGEL FRAGUA BAEZA" userId="3d57da32-733d-4ce0-9afd-6737e8645227" providerId="ADAL" clId="{626E1DC1-F94C-4F10-9278-A26E2A05164D}" dt="2021-11-02T12:41:31.186" v="6096"/>
+          <ac:spMkLst>
+            <pc:docMk/>
+            <pc:sldMk cId="1658518193" sldId="295"/>
+            <ac:spMk id="5" creationId="{888436D1-8FA4-4986-9861-62CA0C26CA2D}"/>
+          </ac:spMkLst>
+        </pc:spChg>
+        <pc:spChg chg="add del mod">
+          <ac:chgData name="ANGEL FRAGUA BAEZA" userId="3d57da32-733d-4ce0-9afd-6737e8645227" providerId="ADAL" clId="{626E1DC1-F94C-4F10-9278-A26E2A05164D}" dt="2021-11-02T13:30:37.496" v="6288" actId="478"/>
+          <ac:spMkLst>
+            <pc:docMk/>
+            <pc:sldMk cId="1658518193" sldId="295"/>
+            <ac:spMk id="9" creationId="{674FB89A-5A59-413C-9087-3F4F3CF14BE9}"/>
+          </ac:spMkLst>
+        </pc:spChg>
+        <pc:spChg chg="del">
+          <ac:chgData name="ANGEL FRAGUA BAEZA" userId="3d57da32-733d-4ce0-9afd-6737e8645227" providerId="ADAL" clId="{626E1DC1-F94C-4F10-9278-A26E2A05164D}" dt="2021-11-02T12:35:17.999" v="6027" actId="478"/>
+          <ac:spMkLst>
+            <pc:docMk/>
+            <pc:sldMk cId="1658518193" sldId="295"/>
+            <ac:spMk id="11" creationId="{396ECD86-7319-4480-93A5-D093E4CA3E0C}"/>
+          </ac:spMkLst>
+        </pc:spChg>
+        <pc:spChg chg="del">
+          <ac:chgData name="ANGEL FRAGUA BAEZA" userId="3d57da32-733d-4ce0-9afd-6737e8645227" providerId="ADAL" clId="{626E1DC1-F94C-4F10-9278-A26E2A05164D}" dt="2021-11-02T12:35:16.314" v="6026" actId="478"/>
+          <ac:spMkLst>
+            <pc:docMk/>
+            <pc:sldMk cId="1658518193" sldId="295"/>
+            <ac:spMk id="12" creationId="{57B6B333-AE18-4EFE-85BB-CCC942A573C4}"/>
+          </ac:spMkLst>
+        </pc:spChg>
+        <pc:spChg chg="add mod">
+          <ac:chgData name="ANGEL FRAGUA BAEZA" userId="3d57da32-733d-4ce0-9afd-6737e8645227" providerId="ADAL" clId="{626E1DC1-F94C-4F10-9278-A26E2A05164D}" dt="2021-11-02T13:41:35.334" v="6468" actId="1076"/>
+          <ac:spMkLst>
+            <pc:docMk/>
+            <pc:sldMk cId="1658518193" sldId="295"/>
+            <ac:spMk id="15" creationId="{0999E85F-95E3-4613-BC59-DBF9FA58AC62}"/>
+          </ac:spMkLst>
+        </pc:spChg>
+        <pc:spChg chg="add mod">
+          <ac:chgData name="ANGEL FRAGUA BAEZA" userId="3d57da32-733d-4ce0-9afd-6737e8645227" providerId="ADAL" clId="{626E1DC1-F94C-4F10-9278-A26E2A05164D}" dt="2021-11-02T13:40:38.256" v="6441" actId="14100"/>
+          <ac:spMkLst>
+            <pc:docMk/>
+            <pc:sldMk cId="1658518193" sldId="295"/>
+            <ac:spMk id="18" creationId="{BF6B5835-424F-42B0-B43B-14787294365D}"/>
+          </ac:spMkLst>
+        </pc:spChg>
+        <pc:spChg chg="add mod">
+          <ac:chgData name="ANGEL FRAGUA BAEZA" userId="3d57da32-733d-4ce0-9afd-6737e8645227" providerId="ADAL" clId="{626E1DC1-F94C-4F10-9278-A26E2A05164D}" dt="2021-11-02T13:41:27.212" v="6467" actId="1076"/>
+          <ac:spMkLst>
+            <pc:docMk/>
+            <pc:sldMk cId="1658518193" sldId="295"/>
+            <ac:spMk id="19" creationId="{6C6B9B6B-F1DF-466F-8BDA-B31622A585C7}"/>
+          </ac:spMkLst>
+        </pc:spChg>
+        <pc:spChg chg="add mod">
+          <ac:chgData name="ANGEL FRAGUA BAEZA" userId="3d57da32-733d-4ce0-9afd-6737e8645227" providerId="ADAL" clId="{626E1DC1-F94C-4F10-9278-A26E2A05164D}" dt="2021-11-02T13:40:56.562" v="6454" actId="14100"/>
+          <ac:spMkLst>
+            <pc:docMk/>
+            <pc:sldMk cId="1658518193" sldId="295"/>
+            <ac:spMk id="20" creationId="{C5421A06-1B54-4D42-9F2B-CEF339144203}"/>
+          </ac:spMkLst>
+        </pc:spChg>
+        <pc:picChg chg="del">
+          <ac:chgData name="ANGEL FRAGUA BAEZA" userId="3d57da32-733d-4ce0-9afd-6737e8645227" providerId="ADAL" clId="{626E1DC1-F94C-4F10-9278-A26E2A05164D}" dt="2021-11-02T12:35:14.434" v="6024" actId="478"/>
+          <ac:picMkLst>
+            <pc:docMk/>
+            <pc:sldMk cId="1658518193" sldId="295"/>
+            <ac:picMk id="6" creationId="{4A8A8ECA-E18D-41B6-86AE-0A1F51922E41}"/>
+          </ac:picMkLst>
+        </pc:picChg>
+        <pc:picChg chg="del">
+          <ac:chgData name="ANGEL FRAGUA BAEZA" userId="3d57da32-733d-4ce0-9afd-6737e8645227" providerId="ADAL" clId="{626E1DC1-F94C-4F10-9278-A26E2A05164D}" dt="2021-11-02T12:35:14.914" v="6025" actId="478"/>
+          <ac:picMkLst>
+            <pc:docMk/>
+            <pc:sldMk cId="1658518193" sldId="295"/>
+            <ac:picMk id="8" creationId="{BC929A2F-38EF-4146-AAEF-BD6F3ABEF1AF}"/>
+          </ac:picMkLst>
+        </pc:picChg>
+        <pc:picChg chg="add mod modCrop">
+          <ac:chgData name="ANGEL FRAGUA BAEZA" userId="3d57da32-733d-4ce0-9afd-6737e8645227" providerId="ADAL" clId="{626E1DC1-F94C-4F10-9278-A26E2A05164D}" dt="2021-11-02T13:31:25.120" v="6319" actId="14100"/>
+          <ac:picMkLst>
+            <pc:docMk/>
+            <pc:sldMk cId="1658518193" sldId="295"/>
+            <ac:picMk id="10" creationId="{40926291-0EBC-4E49-AE59-1EC76D90DE51}"/>
+          </ac:picMkLst>
+        </pc:picChg>
+        <pc:picChg chg="add del mod modCrop">
+          <ac:chgData name="ANGEL FRAGUA BAEZA" userId="3d57da32-733d-4ce0-9afd-6737e8645227" providerId="ADAL" clId="{626E1DC1-F94C-4F10-9278-A26E2A05164D}" dt="2021-11-02T13:28:42.719" v="6258" actId="1076"/>
+          <ac:picMkLst>
+            <pc:docMk/>
+            <pc:sldMk cId="1658518193" sldId="295"/>
+            <ac:picMk id="14" creationId="{B63DA0E2-9DD5-4D16-A056-6BEE66417B61}"/>
+          </ac:picMkLst>
+        </pc:picChg>
+        <pc:picChg chg="add mod modCrop">
+          <ac:chgData name="ANGEL FRAGUA BAEZA" userId="3d57da32-733d-4ce0-9afd-6737e8645227" providerId="ADAL" clId="{626E1DC1-F94C-4F10-9278-A26E2A05164D}" dt="2021-11-02T13:31:46.866" v="6321" actId="732"/>
+          <ac:picMkLst>
+            <pc:docMk/>
+            <pc:sldMk cId="1658518193" sldId="295"/>
+            <ac:picMk id="17" creationId="{26DEFC71-2567-4C4C-9088-AE3B94010F06}"/>
+          </ac:picMkLst>
+        </pc:picChg>
+      </pc:sldChg>
+      <pc:sldChg chg="addSp modSp add mod addCm delCm">
+        <pc:chgData name="ANGEL FRAGUA BAEZA" userId="3d57da32-733d-4ce0-9afd-6737e8645227" providerId="ADAL" clId="{626E1DC1-F94C-4F10-9278-A26E2A05164D}" dt="2021-11-02T14:20:29.296" v="7280" actId="20577"/>
+        <pc:sldMkLst>
+          <pc:docMk/>
+          <pc:sldMk cId="522478590" sldId="296"/>
+        </pc:sldMkLst>
+        <pc:spChg chg="mod">
+          <ac:chgData name="ANGEL FRAGUA BAEZA" userId="3d57da32-733d-4ce0-9afd-6737e8645227" providerId="ADAL" clId="{626E1DC1-F94C-4F10-9278-A26E2A05164D}" dt="2021-11-02T13:20:14.857" v="6146" actId="20577"/>
+          <ac:spMkLst>
+            <pc:docMk/>
+            <pc:sldMk cId="522478590" sldId="296"/>
+            <ac:spMk id="2" creationId="{816F1A01-9436-41B4-A6F9-8991C94DC209}"/>
+          </ac:spMkLst>
+        </pc:spChg>
+        <pc:spChg chg="mod">
+          <ac:chgData name="ANGEL FRAGUA BAEZA" userId="3d57da32-733d-4ce0-9afd-6737e8645227" providerId="ADAL" clId="{626E1DC1-F94C-4F10-9278-A26E2A05164D}" dt="2021-11-02T14:13:02.097" v="7186" actId="20577"/>
+          <ac:spMkLst>
+            <pc:docMk/>
+            <pc:sldMk cId="522478590" sldId="296"/>
+            <ac:spMk id="3" creationId="{19A6E88C-3FA0-4CCB-88C1-BFFB28F58D91}"/>
+          </ac:spMkLst>
+        </pc:spChg>
+        <pc:spChg chg="add mod">
+          <ac:chgData name="ANGEL FRAGUA BAEZA" userId="3d57da32-733d-4ce0-9afd-6737e8645227" providerId="ADAL" clId="{626E1DC1-F94C-4F10-9278-A26E2A05164D}" dt="2021-11-02T14:20:23.957" v="7276" actId="1076"/>
+          <ac:spMkLst>
+            <pc:docMk/>
+            <pc:sldMk cId="522478590" sldId="296"/>
+            <ac:spMk id="10" creationId="{CC1D3F00-DA3B-4256-A58A-3312479F6A80}"/>
+          </ac:spMkLst>
+        </pc:spChg>
+        <pc:spChg chg="add mod">
+          <ac:chgData name="ANGEL FRAGUA BAEZA" userId="3d57da32-733d-4ce0-9afd-6737e8645227" providerId="ADAL" clId="{626E1DC1-F94C-4F10-9278-A26E2A05164D}" dt="2021-11-02T14:20:29.296" v="7280" actId="20577"/>
+          <ac:spMkLst>
+            <pc:docMk/>
+            <pc:sldMk cId="522478590" sldId="296"/>
+            <ac:spMk id="11" creationId="{DC1555BB-B342-417F-A4CE-AD131E98E84B}"/>
+          </ac:spMkLst>
+        </pc:spChg>
+        <pc:picChg chg="add mod">
+          <ac:chgData name="ANGEL FRAGUA BAEZA" userId="3d57da32-733d-4ce0-9afd-6737e8645227" providerId="ADAL" clId="{626E1DC1-F94C-4F10-9278-A26E2A05164D}" dt="2021-11-02T13:56:09.581" v="6714" actId="1035"/>
+          <ac:picMkLst>
+            <pc:docMk/>
+            <pc:sldMk cId="522478590" sldId="296"/>
+            <ac:picMk id="5" creationId="{7F2A4A35-3826-405D-9548-387FD7CB0796}"/>
+          </ac:picMkLst>
+        </pc:picChg>
+        <pc:cxnChg chg="add mod">
+          <ac:chgData name="ANGEL FRAGUA BAEZA" userId="3d57da32-733d-4ce0-9afd-6737e8645227" providerId="ADAL" clId="{626E1DC1-F94C-4F10-9278-A26E2A05164D}" dt="2021-11-02T14:19:06.718" v="7258" actId="1582"/>
+          <ac:cxnSpMkLst>
+            <pc:docMk/>
+            <pc:sldMk cId="522478590" sldId="296"/>
+            <ac:cxnSpMk id="7" creationId="{8EA400B9-ED99-4AD5-B34A-0CEE529E886A}"/>
+          </ac:cxnSpMkLst>
+        </pc:cxnChg>
+        <pc:cxnChg chg="add mod">
+          <ac:chgData name="ANGEL FRAGUA BAEZA" userId="3d57da32-733d-4ce0-9afd-6737e8645227" providerId="ADAL" clId="{626E1DC1-F94C-4F10-9278-A26E2A05164D}" dt="2021-11-02T14:19:22.035" v="7261" actId="14100"/>
+          <ac:cxnSpMkLst>
+            <pc:docMk/>
+            <pc:sldMk cId="522478590" sldId="296"/>
+            <ac:cxnSpMk id="8" creationId="{434631B5-0658-4FA9-AF79-2C0B282D9401}"/>
+          </ac:cxnSpMkLst>
+        </pc:cxnChg>
       </pc:sldChg>
     </pc:docChg>
   </pc:docChgLst>
@@ -970,7 +1580,7 @@
           <a:p>
             <a:fld id="{06576479-3BF1-4AD3-8098-DDB23B2E6DE5}" type="datetimeFigureOut">
               <a:rPr lang="es-ES" smtClean="0"/>
-              <a:t>01/11/2021</a:t>
+              <a:t>02/11/2021</a:t>
             </a:fld>
             <a:endParaRPr lang="es-ES"/>
           </a:p>
@@ -1345,6 +1955,90 @@
 </p:notes>
 </file>
 
+<file path=ppt/notesSlides/notesSlide2.xml><?xml version="1.0" encoding="utf-8"?>
+<p:notes xmlns:a="http://schemas.openxmlformats.org/drawingml/2006/main" xmlns:r="http://schemas.openxmlformats.org/officeDocument/2006/relationships" xmlns:p="http://schemas.openxmlformats.org/presentationml/2006/main">
+  <p:cSld>
+    <p:spTree>
+      <p:nvGrpSpPr>
+        <p:cNvPr id="1" name=""/>
+        <p:cNvGrpSpPr/>
+        <p:nvPr/>
+      </p:nvGrpSpPr>
+      <p:grpSpPr>
+        <a:xfrm>
+          <a:off x="0" y="0"/>
+          <a:ext cx="0" cy="0"/>
+          <a:chOff x="0" y="0"/>
+          <a:chExt cx="0" cy="0"/>
+        </a:xfrm>
+      </p:grpSpPr>
+      <p:sp>
+        <p:nvSpPr>
+          <p:cNvPr id="2" name="Marcador de imagen de diapositiva 1"/>
+          <p:cNvSpPr>
+            <a:spLocks noGrp="1" noRot="1" noChangeAspect="1"/>
+          </p:cNvSpPr>
+          <p:nvPr>
+            <p:ph type="sldImg"/>
+          </p:nvPr>
+        </p:nvSpPr>
+        <p:spPr/>
+      </p:sp>
+      <p:sp>
+        <p:nvSpPr>
+          <p:cNvPr id="3" name="Marcador de notas 2"/>
+          <p:cNvSpPr>
+            <a:spLocks noGrp="1"/>
+          </p:cNvSpPr>
+          <p:nvPr>
+            <p:ph type="body" idx="1"/>
+          </p:nvPr>
+        </p:nvSpPr>
+        <p:spPr/>
+        <p:txBody>
+          <a:bodyPr/>
+          <a:lstStyle/>
+          <a:p>
+            <a:endParaRPr lang="es-ES" dirty="0"/>
+          </a:p>
+        </p:txBody>
+      </p:sp>
+      <p:sp>
+        <p:nvSpPr>
+          <p:cNvPr id="4" name="Marcador de número de diapositiva 3"/>
+          <p:cNvSpPr>
+            <a:spLocks noGrp="1"/>
+          </p:cNvSpPr>
+          <p:nvPr>
+            <p:ph type="sldNum" sz="quarter" idx="5"/>
+          </p:nvPr>
+        </p:nvSpPr>
+        <p:spPr/>
+        <p:txBody>
+          <a:bodyPr/>
+          <a:lstStyle/>
+          <a:p>
+            <a:fld id="{02FF7AFF-5529-4200-A9B5-7B5B6421A957}" type="slidenum">
+              <a:rPr lang="es-ES" smtClean="0"/>
+              <a:t>11</a:t>
+            </a:fld>
+            <a:endParaRPr lang="es-ES"/>
+          </a:p>
+        </p:txBody>
+      </p:sp>
+    </p:spTree>
+    <p:extLst>
+      <p:ext uri="{BB962C8B-B14F-4D97-AF65-F5344CB8AC3E}">
+        <p14:creationId xmlns:p14="http://schemas.microsoft.com/office/powerpoint/2010/main" val="2133185980"/>
+      </p:ext>
+    </p:extLst>
+  </p:cSld>
+  <p:clrMapOvr>
+    <a:masterClrMapping/>
+  </p:clrMapOvr>
+</p:notes>
+</file>
+
 <file path=ppt/slideLayouts/slideLayout1.xml><?xml version="1.0" encoding="utf-8"?>
 <p:sldLayout xmlns:a="http://schemas.openxmlformats.org/drawingml/2006/main" xmlns:r="http://schemas.openxmlformats.org/officeDocument/2006/relationships" xmlns:p="http://schemas.openxmlformats.org/presentationml/2006/main" type="title" preserve="1">
   <p:cSld name="Diapositiva de título">
@@ -1492,7 +2186,7 @@
           <a:p>
             <a:fld id="{B27B418C-9903-4AE1-9A76-1AC1546E5B95}" type="datetime1">
               <a:rPr lang="es-ES" smtClean="0"/>
-              <a:t>01/11/2021</a:t>
+              <a:t>02/11/2021</a:t>
             </a:fld>
             <a:endParaRPr lang="es-ES"/>
           </a:p>
@@ -1690,7 +2384,7 @@
           <a:p>
             <a:fld id="{519342AB-9CF7-42E9-8A11-F5EBBEA14DC5}" type="datetime1">
               <a:rPr lang="es-ES" smtClean="0"/>
-              <a:t>01/11/2021</a:t>
+              <a:t>02/11/2021</a:t>
             </a:fld>
             <a:endParaRPr lang="es-ES"/>
           </a:p>
@@ -1898,7 +2592,7 @@
           <a:p>
             <a:fld id="{FEE2B974-A523-4541-9CF9-E19E873FDA70}" type="datetime1">
               <a:rPr lang="es-ES" smtClean="0"/>
-              <a:t>01/11/2021</a:t>
+              <a:t>02/11/2021</a:t>
             </a:fld>
             <a:endParaRPr lang="es-ES"/>
           </a:p>
@@ -2096,7 +2790,7 @@
           <a:p>
             <a:fld id="{F672120F-E12A-4236-B2F3-309F8D4554AF}" type="datetime1">
               <a:rPr lang="es-ES" smtClean="0"/>
-              <a:t>01/11/2021</a:t>
+              <a:t>02/11/2021</a:t>
             </a:fld>
             <a:endParaRPr lang="es-ES"/>
           </a:p>
@@ -2371,7 +3065,7 @@
           <a:p>
             <a:fld id="{A4E96D8D-DEE4-41E0-9F29-775FC3CB1674}" type="datetime1">
               <a:rPr lang="es-ES" smtClean="0"/>
-              <a:t>01/11/2021</a:t>
+              <a:t>02/11/2021</a:t>
             </a:fld>
             <a:endParaRPr lang="es-ES"/>
           </a:p>
@@ -2636,7 +3330,7 @@
           <a:p>
             <a:fld id="{72A8902D-62EC-4431-95F7-81EAFD5643B1}" type="datetime1">
               <a:rPr lang="es-ES" smtClean="0"/>
-              <a:t>01/11/2021</a:t>
+              <a:t>02/11/2021</a:t>
             </a:fld>
             <a:endParaRPr lang="es-ES"/>
           </a:p>
@@ -3048,7 +3742,7 @@
           <a:p>
             <a:fld id="{6F8FA923-61A1-4A31-95BA-337DA2F89BE1}" type="datetime1">
               <a:rPr lang="es-ES" smtClean="0"/>
-              <a:t>01/11/2021</a:t>
+              <a:t>02/11/2021</a:t>
             </a:fld>
             <a:endParaRPr lang="es-ES"/>
           </a:p>
@@ -3189,7 +3883,7 @@
           <a:p>
             <a:fld id="{85D095DF-7178-4F80-B91B-54EF8045CF0B}" type="datetime1">
               <a:rPr lang="es-ES" smtClean="0"/>
-              <a:t>01/11/2021</a:t>
+              <a:t>02/11/2021</a:t>
             </a:fld>
             <a:endParaRPr lang="es-ES"/>
           </a:p>
@@ -3302,7 +3996,7 @@
           <a:p>
             <a:fld id="{F433142E-3A7B-4613-997D-55AED35E5048}" type="datetime1">
               <a:rPr lang="es-ES" smtClean="0"/>
-              <a:t>01/11/2021</a:t>
+              <a:t>02/11/2021</a:t>
             </a:fld>
             <a:endParaRPr lang="es-ES"/>
           </a:p>
@@ -3613,7 +4307,7 @@
           <a:p>
             <a:fld id="{AB3961B2-17B5-435B-95EA-BD7D10FF85F4}" type="datetime1">
               <a:rPr lang="es-ES" smtClean="0"/>
-              <a:t>01/11/2021</a:t>
+              <a:t>02/11/2021</a:t>
             </a:fld>
             <a:endParaRPr lang="es-ES"/>
           </a:p>
@@ -3901,7 +4595,7 @@
           <a:p>
             <a:fld id="{98C86BFA-9DF6-4225-AD5D-F3248DF6524D}" type="datetime1">
               <a:rPr lang="es-ES" smtClean="0"/>
-              <a:t>01/11/2021</a:t>
+              <a:t>02/11/2021</a:t>
             </a:fld>
             <a:endParaRPr lang="es-ES"/>
           </a:p>
@@ -4145,7 +4839,7 @@
           <a:p>
             <a:fld id="{D593BFD4-0FCF-43E5-A2D8-CD91912F7966}" type="datetime1">
               <a:rPr lang="es-ES" smtClean="0"/>
-              <a:t>01/11/2021</a:t>
+              <a:t>02/11/2021</a:t>
             </a:fld>
             <a:endParaRPr lang="es-ES"/>
           </a:p>
@@ -4957,6 +5651,2403 @@
           <p:cNvPr id="2" name="Título 1">
             <a:extLst>
               <a:ext uri="{FF2B5EF4-FFF2-40B4-BE49-F238E27FC236}">
+                <a16:creationId xmlns:a16="http://schemas.microsoft.com/office/drawing/2014/main" id="{82368C42-4E80-46CB-A4E0-75FF66F48165}"/>
+              </a:ext>
+            </a:extLst>
+          </p:cNvPr>
+          <p:cNvSpPr>
+            <a:spLocks noGrp="1"/>
+          </p:cNvSpPr>
+          <p:nvPr>
+            <p:ph type="title"/>
+          </p:nvPr>
+        </p:nvSpPr>
+        <p:spPr>
+          <a:xfrm>
+            <a:off x="838200" y="365125"/>
+            <a:ext cx="11353800" cy="1325563"/>
+          </a:xfrm>
+        </p:spPr>
+        <p:txBody>
+          <a:bodyPr/>
+          <a:lstStyle/>
+          <a:p>
+            <a:r>
+              <a:rPr lang="es-ES" b="1" dirty="0">
+                <a:solidFill>
+                  <a:srgbClr val="00B050"/>
+                </a:solidFill>
+                <a:latin typeface="Tw Cen MT" panose="020B0602020104020603" pitchFamily="34" charset="0"/>
+              </a:rPr>
+              <a:t>Implementación. </a:t>
+            </a:r>
+            <a:r>
+              <a:rPr lang="es-ES" sz="4000" b="1" dirty="0">
+                <a:solidFill>
+                  <a:srgbClr val="00B050"/>
+                </a:solidFill>
+                <a:latin typeface="Tw Cen MT" panose="020B0602020104020603" pitchFamily="34" charset="0"/>
+              </a:rPr>
+              <a:t>Estimación mejores parámetros</a:t>
+            </a:r>
+            <a:endParaRPr lang="es-ES" b="1" dirty="0">
+              <a:solidFill>
+                <a:srgbClr val="00B050"/>
+              </a:solidFill>
+              <a:latin typeface="Tw Cen MT" panose="020B0602020104020603" pitchFamily="34" charset="0"/>
+            </a:endParaRPr>
+          </a:p>
+        </p:txBody>
+      </p:sp>
+      <p:sp>
+        <p:nvSpPr>
+          <p:cNvPr id="3" name="Marcador de contenido 2">
+            <a:extLst>
+              <a:ext uri="{FF2B5EF4-FFF2-40B4-BE49-F238E27FC236}">
+                <a16:creationId xmlns:a16="http://schemas.microsoft.com/office/drawing/2014/main" id="{0D7EE13E-8160-40F2-BAC7-4E9FF9E7C7B7}"/>
+              </a:ext>
+            </a:extLst>
+          </p:cNvPr>
+          <p:cNvSpPr>
+            <a:spLocks noGrp="1"/>
+          </p:cNvSpPr>
+          <p:nvPr>
+            <p:ph idx="1"/>
+          </p:nvPr>
+        </p:nvSpPr>
+        <p:spPr>
+          <a:xfrm>
+            <a:off x="838199" y="1825625"/>
+            <a:ext cx="11084859" cy="4351338"/>
+          </a:xfrm>
+        </p:spPr>
+        <p:txBody>
+          <a:bodyPr vert="horz" lIns="91440" tIns="45720" rIns="91440" bIns="45720" rtlCol="0" anchor="t">
+            <a:normAutofit/>
+          </a:bodyPr>
+          <a:lstStyle/>
+          <a:p>
+            <a:pPr algn="just"/>
+            <a:r>
+              <a:rPr lang="es-ES" sz="3200" dirty="0">
+                <a:latin typeface="Tw Cen MT" panose="020B0602020104020603" pitchFamily="34" charset="0"/>
+              </a:rPr>
+              <a:t>El </a:t>
+            </a:r>
+            <a:r>
+              <a:rPr lang="es-ES" sz="3200" dirty="0" err="1">
+                <a:latin typeface="Tw Cen MT" panose="020B0602020104020603" pitchFamily="34" charset="0"/>
+              </a:rPr>
+              <a:t>framework</a:t>
+            </a:r>
+            <a:r>
+              <a:rPr lang="es-ES" sz="3200" dirty="0">
+                <a:latin typeface="Tw Cen MT" panose="020B0602020104020603" pitchFamily="34" charset="0"/>
+              </a:rPr>
+              <a:t> cuenta con una función de estimación llamada </a:t>
+            </a:r>
+            <a:r>
+              <a:rPr lang="es-ES" sz="3200" b="1" i="1" dirty="0">
+                <a:latin typeface="Tw Cen MT" panose="020B0602020104020603" pitchFamily="34" charset="0"/>
+              </a:rPr>
+              <a:t>auto</a:t>
+            </a:r>
+            <a:r>
+              <a:rPr lang="es-ES" sz="3200" dirty="0">
+                <a:latin typeface="Tw Cen MT" panose="020B0602020104020603" pitchFamily="34" charset="0"/>
+              </a:rPr>
+              <a:t>.</a:t>
+            </a:r>
+            <a:endParaRPr lang="es-ES" dirty="0">
+              <a:latin typeface="Tw Cen MT" panose="020B0602020104020603" pitchFamily="34" charset="0"/>
+            </a:endParaRPr>
+          </a:p>
+          <a:p>
+            <a:pPr algn="just"/>
+            <a:r>
+              <a:rPr lang="es-ES" sz="3200" dirty="0">
+                <a:latin typeface="Tw Cen MT" panose="020B0602020104020603" pitchFamily="34" charset="0"/>
+              </a:rPr>
+              <a:t>Ejecuta el método de recocido simulado múltiples veces:</a:t>
+            </a:r>
+          </a:p>
+          <a:p>
+            <a:pPr marL="971550" lvl="1" indent="-514350" algn="just">
+              <a:buFont typeface="+mj-lt"/>
+              <a:buAutoNum type="arabicPeriod"/>
+            </a:pPr>
+            <a:r>
+              <a:rPr lang="es-ES" sz="2800" dirty="0" err="1">
+                <a:latin typeface="Tw Cen MT" panose="020B0602020104020603" pitchFamily="34" charset="0"/>
+              </a:rPr>
+              <a:t>Tmax</a:t>
+            </a:r>
+            <a:r>
+              <a:rPr lang="es-ES" sz="2800" dirty="0">
+                <a:latin typeface="Tw Cen MT" panose="020B0602020104020603" pitchFamily="34" charset="0"/>
+              </a:rPr>
+              <a:t> con una aceptación de soluciones cercana al 98%</a:t>
+            </a:r>
+          </a:p>
+          <a:p>
+            <a:pPr marL="971550" lvl="1" indent="-514350" algn="just">
+              <a:buFont typeface="+mj-lt"/>
+              <a:buAutoNum type="arabicPeriod"/>
+            </a:pPr>
+            <a:r>
+              <a:rPr lang="es-ES" sz="2800" dirty="0" err="1">
+                <a:latin typeface="Tw Cen MT" panose="020B0602020104020603" pitchFamily="34" charset="0"/>
+              </a:rPr>
+              <a:t>Tmin</a:t>
+            </a:r>
+            <a:r>
+              <a:rPr lang="es-ES" sz="2800" dirty="0">
+                <a:latin typeface="Tw Cen MT" panose="020B0602020104020603" pitchFamily="34" charset="0"/>
+              </a:rPr>
+              <a:t> con una mejora de soluciones mayor al 0%</a:t>
+            </a:r>
+          </a:p>
+          <a:p>
+            <a:pPr algn="just"/>
+            <a:r>
+              <a:rPr lang="es-ES" sz="3200" dirty="0">
+                <a:latin typeface="Tw Cen MT" panose="020B0602020104020603" pitchFamily="34" charset="0"/>
+              </a:rPr>
+              <a:t>Estima el número de iteraciones máximas para que el tiempo de ejecución del algoritmo sea menor al establecido. Las pruebas las hemos realizado con tiempo máximo de </a:t>
+            </a:r>
+            <a:r>
+              <a:rPr lang="es-ES" sz="3200" b="1" dirty="0">
+                <a:latin typeface="Tw Cen MT" panose="020B0602020104020603" pitchFamily="34" charset="0"/>
+              </a:rPr>
+              <a:t>2 minutos</a:t>
+            </a:r>
+            <a:r>
+              <a:rPr lang="es-ES" sz="3200" dirty="0">
+                <a:latin typeface="Tw Cen MT" panose="020B0602020104020603" pitchFamily="34" charset="0"/>
+              </a:rPr>
+              <a:t>.</a:t>
+            </a:r>
+          </a:p>
+        </p:txBody>
+      </p:sp>
+      <p:sp>
+        <p:nvSpPr>
+          <p:cNvPr id="4" name="Marcador de número de diapositiva 3">
+            <a:extLst>
+              <a:ext uri="{FF2B5EF4-FFF2-40B4-BE49-F238E27FC236}">
+                <a16:creationId xmlns:a16="http://schemas.microsoft.com/office/drawing/2014/main" id="{E3D38F79-488F-4F02-9EDD-95813B61925E}"/>
+              </a:ext>
+            </a:extLst>
+          </p:cNvPr>
+          <p:cNvSpPr>
+            <a:spLocks noGrp="1"/>
+          </p:cNvSpPr>
+          <p:nvPr>
+            <p:ph type="sldNum" sz="quarter" idx="12"/>
+          </p:nvPr>
+        </p:nvSpPr>
+        <p:spPr/>
+        <p:txBody>
+          <a:bodyPr/>
+          <a:lstStyle/>
+          <a:p>
+            <a:fld id="{272F2F88-97BC-4F31-BD69-5E536280A547}" type="slidenum">
+              <a:rPr lang="es-ES" smtClean="0"/>
+              <a:t>10</a:t>
+            </a:fld>
+            <a:endParaRPr lang="es-ES"/>
+          </a:p>
+        </p:txBody>
+      </p:sp>
+    </p:spTree>
+    <p:extLst>
+      <p:ext uri="{BB962C8B-B14F-4D97-AF65-F5344CB8AC3E}">
+        <p14:creationId xmlns:p14="http://schemas.microsoft.com/office/powerpoint/2010/main" val="703349903"/>
+      </p:ext>
+    </p:extLst>
+  </p:cSld>
+  <p:clrMapOvr>
+    <a:masterClrMapping/>
+  </p:clrMapOvr>
+</p:sld>
+</file>
+
+<file path=ppt/slides/slide11.xml><?xml version="1.0" encoding="utf-8"?>
+<p:sld xmlns:a="http://schemas.openxmlformats.org/drawingml/2006/main" xmlns:r="http://schemas.openxmlformats.org/officeDocument/2006/relationships" xmlns:p="http://schemas.openxmlformats.org/presentationml/2006/main">
+  <p:cSld>
+    <p:spTree>
+      <p:nvGrpSpPr>
+        <p:cNvPr id="1" name=""/>
+        <p:cNvGrpSpPr/>
+        <p:nvPr/>
+      </p:nvGrpSpPr>
+      <p:grpSpPr>
+        <a:xfrm>
+          <a:off x="0" y="0"/>
+          <a:ext cx="0" cy="0"/>
+          <a:chOff x="0" y="0"/>
+          <a:chExt cx="0" cy="0"/>
+        </a:xfrm>
+      </p:grpSpPr>
+      <p:sp>
+        <p:nvSpPr>
+          <p:cNvPr id="2" name="Título 1">
+            <a:extLst>
+              <a:ext uri="{FF2B5EF4-FFF2-40B4-BE49-F238E27FC236}">
+                <a16:creationId xmlns:a16="http://schemas.microsoft.com/office/drawing/2014/main" id="{82368C42-4E80-46CB-A4E0-75FF66F48165}"/>
+              </a:ext>
+            </a:extLst>
+          </p:cNvPr>
+          <p:cNvSpPr>
+            <a:spLocks noGrp="1"/>
+          </p:cNvSpPr>
+          <p:nvPr>
+            <p:ph type="title"/>
+          </p:nvPr>
+        </p:nvSpPr>
+        <p:spPr>
+          <a:xfrm>
+            <a:off x="838200" y="365125"/>
+            <a:ext cx="11353800" cy="1325563"/>
+          </a:xfrm>
+        </p:spPr>
+        <p:txBody>
+          <a:bodyPr/>
+          <a:lstStyle/>
+          <a:p>
+            <a:r>
+              <a:rPr lang="es-ES" b="1" dirty="0">
+                <a:solidFill>
+                  <a:srgbClr val="00B050"/>
+                </a:solidFill>
+                <a:latin typeface="Tw Cen MT" panose="020B0602020104020603" pitchFamily="34" charset="0"/>
+              </a:rPr>
+              <a:t>Resultados. Evolución del algoritmo</a:t>
+            </a:r>
+          </a:p>
+        </p:txBody>
+      </p:sp>
+      <p:sp>
+        <p:nvSpPr>
+          <p:cNvPr id="4" name="Marcador de número de diapositiva 3">
+            <a:extLst>
+              <a:ext uri="{FF2B5EF4-FFF2-40B4-BE49-F238E27FC236}">
+                <a16:creationId xmlns:a16="http://schemas.microsoft.com/office/drawing/2014/main" id="{E3D38F79-488F-4F02-9EDD-95813B61925E}"/>
+              </a:ext>
+            </a:extLst>
+          </p:cNvPr>
+          <p:cNvSpPr>
+            <a:spLocks noGrp="1"/>
+          </p:cNvSpPr>
+          <p:nvPr>
+            <p:ph type="sldNum" sz="quarter" idx="12"/>
+          </p:nvPr>
+        </p:nvSpPr>
+        <p:spPr/>
+        <p:txBody>
+          <a:bodyPr/>
+          <a:lstStyle/>
+          <a:p>
+            <a:fld id="{272F2F88-97BC-4F31-BD69-5E536280A547}" type="slidenum">
+              <a:rPr lang="es-ES" smtClean="0"/>
+              <a:t>11</a:t>
+            </a:fld>
+            <a:endParaRPr lang="es-ES"/>
+          </a:p>
+        </p:txBody>
+      </p:sp>
+      <p:pic>
+        <p:nvPicPr>
+          <p:cNvPr id="10" name="Imagen 9" descr="Imagen que contiene Interfaz de usuario gráfica&#10;&#10;Descripción generada automáticamente">
+            <a:extLst>
+              <a:ext uri="{FF2B5EF4-FFF2-40B4-BE49-F238E27FC236}">
+                <a16:creationId xmlns:a16="http://schemas.microsoft.com/office/drawing/2014/main" id="{40926291-0EBC-4E49-AE59-1EC76D90DE51}"/>
+              </a:ext>
+            </a:extLst>
+          </p:cNvPr>
+          <p:cNvPicPr>
+            <a:picLocks noChangeAspect="1"/>
+          </p:cNvPicPr>
+          <p:nvPr/>
+        </p:nvPicPr>
+        <p:blipFill rotWithShape="1">
+          <a:blip r:embed="rId3">
+            <a:extLst>
+              <a:ext uri="{28A0092B-C50C-407E-A947-70E740481C1C}">
+                <a14:useLocalDpi xmlns:a14="http://schemas.microsoft.com/office/drawing/2010/main" val="0"/>
+              </a:ext>
+            </a:extLst>
+          </a:blip>
+          <a:srcRect t="3367" r="48826" b="48414"/>
+          <a:stretch/>
+        </p:blipFill>
+        <p:spPr>
+          <a:xfrm>
+            <a:off x="19642" y="1323474"/>
+            <a:ext cx="5347315" cy="2246004"/>
+          </a:xfrm>
+          <a:prstGeom prst="rect">
+            <a:avLst/>
+          </a:prstGeom>
+        </p:spPr>
+      </p:pic>
+      <p:pic>
+        <p:nvPicPr>
+          <p:cNvPr id="14" name="Imagen 13" descr="Imagen que contiene Interfaz de usuario gráfica&#10;&#10;Descripción generada automáticamente">
+            <a:extLst>
+              <a:ext uri="{FF2B5EF4-FFF2-40B4-BE49-F238E27FC236}">
+                <a16:creationId xmlns:a16="http://schemas.microsoft.com/office/drawing/2014/main" id="{B63DA0E2-9DD5-4D16-A056-6BEE66417B61}"/>
+              </a:ext>
+            </a:extLst>
+          </p:cNvPr>
+          <p:cNvPicPr>
+            <a:picLocks noChangeAspect="1"/>
+          </p:cNvPicPr>
+          <p:nvPr/>
+        </p:nvPicPr>
+        <p:blipFill rotWithShape="1">
+          <a:blip r:embed="rId3">
+            <a:extLst>
+              <a:ext uri="{28A0092B-C50C-407E-A947-70E740481C1C}">
+                <a14:useLocalDpi xmlns:a14="http://schemas.microsoft.com/office/drawing/2010/main" val="0"/>
+              </a:ext>
+            </a:extLst>
+          </a:blip>
+          <a:srcRect l="51334" t="3012" b="48560"/>
+          <a:stretch/>
+        </p:blipFill>
+        <p:spPr>
+          <a:xfrm>
+            <a:off x="222428" y="3548953"/>
+            <a:ext cx="5100252" cy="2320871"/>
+          </a:xfrm>
+          <a:prstGeom prst="rect">
+            <a:avLst/>
+          </a:prstGeom>
+        </p:spPr>
+      </p:pic>
+      <p:sp>
+        <p:nvSpPr>
+          <p:cNvPr id="15" name="CuadroTexto 14">
+            <a:extLst>
+              <a:ext uri="{FF2B5EF4-FFF2-40B4-BE49-F238E27FC236}">
+                <a16:creationId xmlns:a16="http://schemas.microsoft.com/office/drawing/2014/main" id="{0999E85F-95E3-4613-BC59-DBF9FA58AC62}"/>
+              </a:ext>
+            </a:extLst>
+          </p:cNvPr>
+          <p:cNvSpPr txBox="1"/>
+          <p:nvPr/>
+        </p:nvSpPr>
+        <p:spPr>
+          <a:xfrm>
+            <a:off x="447176" y="6215875"/>
+            <a:ext cx="5185608" cy="830997"/>
+          </a:xfrm>
+          <a:prstGeom prst="rect">
+            <a:avLst/>
+          </a:prstGeom>
+          <a:noFill/>
+        </p:spPr>
+        <p:txBody>
+          <a:bodyPr wrap="square" numCol="3">
+            <a:spAutoFit/>
+          </a:bodyPr>
+          <a:lstStyle/>
+          <a:p>
+            <a:pPr marL="285750" indent="-285750">
+              <a:buFont typeface="Arial" panose="020B0604020202020204" pitchFamily="34" charset="0"/>
+              <a:buChar char="•"/>
+            </a:pPr>
+            <a:r>
+              <a:rPr lang="es-ES" sz="1600" dirty="0" err="1"/>
+              <a:t>Tmax</a:t>
+            </a:r>
+            <a:r>
+              <a:rPr lang="es-ES" sz="1600" dirty="0"/>
+              <a:t> = 60</a:t>
+            </a:r>
+          </a:p>
+          <a:p>
+            <a:pPr marL="285750" indent="-285750">
+              <a:buFont typeface="Arial" panose="020B0604020202020204" pitchFamily="34" charset="0"/>
+              <a:buChar char="•"/>
+            </a:pPr>
+            <a:endParaRPr lang="es-ES" sz="1600" dirty="0"/>
+          </a:p>
+          <a:p>
+            <a:pPr marL="285750" indent="-285750">
+              <a:buFont typeface="Arial" panose="020B0604020202020204" pitchFamily="34" charset="0"/>
+              <a:buChar char="•"/>
+            </a:pPr>
+            <a:endParaRPr lang="es-ES" sz="1600" dirty="0"/>
+          </a:p>
+          <a:p>
+            <a:pPr marL="285750" indent="-285750">
+              <a:buFont typeface="Arial" panose="020B0604020202020204" pitchFamily="34" charset="0"/>
+              <a:buChar char="•"/>
+            </a:pPr>
+            <a:r>
+              <a:rPr lang="es-ES" sz="1600" dirty="0" err="1"/>
+              <a:t>Tmin</a:t>
+            </a:r>
+            <a:r>
+              <a:rPr lang="es-ES" sz="1600" dirty="0"/>
+              <a:t> = 0.3</a:t>
+            </a:r>
+          </a:p>
+          <a:p>
+            <a:pPr marL="285750" indent="-285750">
+              <a:buFont typeface="Arial" panose="020B0604020202020204" pitchFamily="34" charset="0"/>
+              <a:buChar char="•"/>
+            </a:pPr>
+            <a:endParaRPr lang="es-ES" sz="1600" dirty="0"/>
+          </a:p>
+          <a:p>
+            <a:pPr marL="285750" indent="-285750">
+              <a:buFont typeface="Arial" panose="020B0604020202020204" pitchFamily="34" charset="0"/>
+              <a:buChar char="•"/>
+            </a:pPr>
+            <a:endParaRPr lang="es-ES" sz="1600" dirty="0"/>
+          </a:p>
+          <a:p>
+            <a:pPr marL="285750" indent="-285750">
+              <a:buFont typeface="Arial" panose="020B0604020202020204" pitchFamily="34" charset="0"/>
+              <a:buChar char="•"/>
+            </a:pPr>
+            <a:r>
+              <a:rPr lang="es-ES" sz="1600" dirty="0" err="1"/>
+              <a:t>steps</a:t>
+            </a:r>
+            <a:r>
+              <a:rPr lang="es-ES" sz="1600" dirty="0"/>
+              <a:t> = 1700000</a:t>
+            </a:r>
+          </a:p>
+        </p:txBody>
+      </p:sp>
+      <p:pic>
+        <p:nvPicPr>
+          <p:cNvPr id="17" name="Imagen 16" descr="Texto&#10;&#10;Descripción generada automáticamente con confianza baja">
+            <a:extLst>
+              <a:ext uri="{FF2B5EF4-FFF2-40B4-BE49-F238E27FC236}">
+                <a16:creationId xmlns:a16="http://schemas.microsoft.com/office/drawing/2014/main" id="{26DEFC71-2567-4C4C-9088-AE3B94010F06}"/>
+              </a:ext>
+            </a:extLst>
+          </p:cNvPr>
+          <p:cNvPicPr>
+            <a:picLocks noChangeAspect="1"/>
+          </p:cNvPicPr>
+          <p:nvPr/>
+        </p:nvPicPr>
+        <p:blipFill rotWithShape="1">
+          <a:blip r:embed="rId4">
+            <a:extLst>
+              <a:ext uri="{28A0092B-C50C-407E-A947-70E740481C1C}">
+                <a14:useLocalDpi xmlns:a14="http://schemas.microsoft.com/office/drawing/2010/main" val="0"/>
+              </a:ext>
+            </a:extLst>
+          </a:blip>
+          <a:srcRect t="3326"/>
+          <a:stretch/>
+        </p:blipFill>
+        <p:spPr>
+          <a:xfrm>
+            <a:off x="5366957" y="1323474"/>
+            <a:ext cx="6748843" cy="4546349"/>
+          </a:xfrm>
+          <a:prstGeom prst="rect">
+            <a:avLst/>
+          </a:prstGeom>
+        </p:spPr>
+      </p:pic>
+      <p:sp>
+        <p:nvSpPr>
+          <p:cNvPr id="18" name="CuadroTexto 17">
+            <a:extLst>
+              <a:ext uri="{FF2B5EF4-FFF2-40B4-BE49-F238E27FC236}">
+                <a16:creationId xmlns:a16="http://schemas.microsoft.com/office/drawing/2014/main" id="{BF6B5835-424F-42B0-B43B-14787294365D}"/>
+              </a:ext>
+            </a:extLst>
+          </p:cNvPr>
+          <p:cNvSpPr txBox="1"/>
+          <p:nvPr/>
+        </p:nvSpPr>
+        <p:spPr>
+          <a:xfrm>
+            <a:off x="838200" y="5846544"/>
+            <a:ext cx="4687266" cy="369332"/>
+          </a:xfrm>
+          <a:prstGeom prst="rect">
+            <a:avLst/>
+          </a:prstGeom>
+          <a:noFill/>
+        </p:spPr>
+        <p:txBody>
+          <a:bodyPr wrap="square" rtlCol="0">
+            <a:spAutoFit/>
+          </a:bodyPr>
+          <a:lstStyle/>
+          <a:p>
+            <a:r>
+              <a:rPr lang="es-ES" sz="1800" dirty="0" err="1"/>
+              <a:t>Hiperparámetros</a:t>
+            </a:r>
+            <a:r>
+              <a:rPr lang="es-ES" sz="1800" dirty="0"/>
+              <a:t> estimados por </a:t>
+            </a:r>
+            <a:r>
+              <a:rPr lang="es-ES" sz="1800" b="1" i="1" dirty="0"/>
+              <a:t>auto </a:t>
+            </a:r>
+            <a:r>
+              <a:rPr lang="es-ES" sz="1800" dirty="0"/>
+              <a:t>(N=7):</a:t>
+            </a:r>
+          </a:p>
+        </p:txBody>
+      </p:sp>
+      <p:sp>
+        <p:nvSpPr>
+          <p:cNvPr id="19" name="CuadroTexto 18">
+            <a:extLst>
+              <a:ext uri="{FF2B5EF4-FFF2-40B4-BE49-F238E27FC236}">
+                <a16:creationId xmlns:a16="http://schemas.microsoft.com/office/drawing/2014/main" id="{6C6B9B6B-F1DF-466F-8BDA-B31622A585C7}"/>
+              </a:ext>
+            </a:extLst>
+          </p:cNvPr>
+          <p:cNvSpPr txBox="1"/>
+          <p:nvPr/>
+        </p:nvSpPr>
+        <p:spPr>
+          <a:xfrm>
+            <a:off x="6878849" y="6215876"/>
+            <a:ext cx="4793785" cy="830997"/>
+          </a:xfrm>
+          <a:prstGeom prst="rect">
+            <a:avLst/>
+          </a:prstGeom>
+          <a:noFill/>
+        </p:spPr>
+        <p:txBody>
+          <a:bodyPr wrap="square" numCol="3">
+            <a:spAutoFit/>
+          </a:bodyPr>
+          <a:lstStyle/>
+          <a:p>
+            <a:pPr marL="285750" indent="-285750">
+              <a:buFont typeface="Arial" panose="020B0604020202020204" pitchFamily="34" charset="0"/>
+              <a:buChar char="•"/>
+            </a:pPr>
+            <a:r>
+              <a:rPr lang="es-ES" sz="1600" dirty="0" err="1"/>
+              <a:t>Tmax</a:t>
+            </a:r>
+            <a:r>
+              <a:rPr lang="es-ES" sz="1600" dirty="0"/>
+              <a:t> = 50</a:t>
+            </a:r>
+          </a:p>
+          <a:p>
+            <a:pPr marL="285750" indent="-285750">
+              <a:buFont typeface="Arial" panose="020B0604020202020204" pitchFamily="34" charset="0"/>
+              <a:buChar char="•"/>
+            </a:pPr>
+            <a:endParaRPr lang="es-ES" sz="1600" dirty="0"/>
+          </a:p>
+          <a:p>
+            <a:pPr marL="285750" indent="-285750">
+              <a:buFont typeface="Arial" panose="020B0604020202020204" pitchFamily="34" charset="0"/>
+              <a:buChar char="•"/>
+            </a:pPr>
+            <a:endParaRPr lang="es-ES" sz="1600" dirty="0"/>
+          </a:p>
+          <a:p>
+            <a:pPr marL="285750" indent="-285750">
+              <a:buFont typeface="Arial" panose="020B0604020202020204" pitchFamily="34" charset="0"/>
+              <a:buChar char="•"/>
+            </a:pPr>
+            <a:r>
+              <a:rPr lang="es-ES" sz="1600" dirty="0" err="1"/>
+              <a:t>Tmin</a:t>
+            </a:r>
+            <a:r>
+              <a:rPr lang="es-ES" sz="1600" dirty="0"/>
+              <a:t> = 0.058</a:t>
+            </a:r>
+          </a:p>
+          <a:p>
+            <a:pPr marL="285750" indent="-285750">
+              <a:buFont typeface="Arial" panose="020B0604020202020204" pitchFamily="34" charset="0"/>
+              <a:buChar char="•"/>
+            </a:pPr>
+            <a:endParaRPr lang="es-ES" sz="1600" dirty="0"/>
+          </a:p>
+          <a:p>
+            <a:pPr marL="285750" indent="-285750">
+              <a:buFont typeface="Arial" panose="020B0604020202020204" pitchFamily="34" charset="0"/>
+              <a:buChar char="•"/>
+            </a:pPr>
+            <a:endParaRPr lang="es-ES" sz="1600" dirty="0"/>
+          </a:p>
+          <a:p>
+            <a:pPr marL="285750" indent="-285750">
+              <a:buFont typeface="Arial" panose="020B0604020202020204" pitchFamily="34" charset="0"/>
+              <a:buChar char="•"/>
+            </a:pPr>
+            <a:r>
+              <a:rPr lang="es-ES" sz="1600" dirty="0" err="1"/>
+              <a:t>steps</a:t>
+            </a:r>
+            <a:r>
+              <a:rPr lang="es-ES" sz="1600" dirty="0"/>
+              <a:t> = 31000</a:t>
+            </a:r>
+          </a:p>
+        </p:txBody>
+      </p:sp>
+      <p:sp>
+        <p:nvSpPr>
+          <p:cNvPr id="20" name="CuadroTexto 19">
+            <a:extLst>
+              <a:ext uri="{FF2B5EF4-FFF2-40B4-BE49-F238E27FC236}">
+                <a16:creationId xmlns:a16="http://schemas.microsoft.com/office/drawing/2014/main" id="{C5421A06-1B54-4D42-9F2B-CEF339144203}"/>
+              </a:ext>
+            </a:extLst>
+          </p:cNvPr>
+          <p:cNvSpPr txBox="1"/>
+          <p:nvPr/>
+        </p:nvSpPr>
+        <p:spPr>
+          <a:xfrm>
+            <a:off x="7117474" y="5869573"/>
+            <a:ext cx="4687265" cy="369332"/>
+          </a:xfrm>
+          <a:prstGeom prst="rect">
+            <a:avLst/>
+          </a:prstGeom>
+          <a:noFill/>
+        </p:spPr>
+        <p:txBody>
+          <a:bodyPr wrap="square" rtlCol="0">
+            <a:spAutoFit/>
+          </a:bodyPr>
+          <a:lstStyle/>
+          <a:p>
+            <a:r>
+              <a:rPr lang="es-ES" sz="1800" dirty="0" err="1"/>
+              <a:t>Hiperparámetros</a:t>
+            </a:r>
+            <a:r>
+              <a:rPr lang="es-ES" sz="1800" dirty="0"/>
+              <a:t> estimados por </a:t>
+            </a:r>
+            <a:r>
+              <a:rPr lang="es-ES" sz="1800" b="1" i="1" dirty="0"/>
+              <a:t>auto</a:t>
+            </a:r>
+            <a:r>
+              <a:rPr lang="es-ES" sz="1800" dirty="0"/>
+              <a:t> (N=100):</a:t>
+            </a:r>
+          </a:p>
+        </p:txBody>
+      </p:sp>
+    </p:spTree>
+    <p:extLst>
+      <p:ext uri="{BB962C8B-B14F-4D97-AF65-F5344CB8AC3E}">
+        <p14:creationId xmlns:p14="http://schemas.microsoft.com/office/powerpoint/2010/main" val="1658518193"/>
+      </p:ext>
+    </p:extLst>
+  </p:cSld>
+  <p:clrMapOvr>
+    <a:masterClrMapping/>
+  </p:clrMapOvr>
+</p:sld>
+</file>
+
+<file path=ppt/slides/slide12.xml><?xml version="1.0" encoding="utf-8"?>
+<p:sld xmlns:a="http://schemas.openxmlformats.org/drawingml/2006/main" xmlns:r="http://schemas.openxmlformats.org/officeDocument/2006/relationships" xmlns:p="http://schemas.openxmlformats.org/presentationml/2006/main">
+  <p:cSld>
+    <p:spTree>
+      <p:nvGrpSpPr>
+        <p:cNvPr id="1" name=""/>
+        <p:cNvGrpSpPr/>
+        <p:nvPr/>
+      </p:nvGrpSpPr>
+      <p:grpSpPr>
+        <a:xfrm>
+          <a:off x="0" y="0"/>
+          <a:ext cx="0" cy="0"/>
+          <a:chOff x="0" y="0"/>
+          <a:chExt cx="0" cy="0"/>
+        </a:xfrm>
+      </p:grpSpPr>
+      <p:sp>
+        <p:nvSpPr>
+          <p:cNvPr id="2" name="Título 1">
+            <a:extLst>
+              <a:ext uri="{FF2B5EF4-FFF2-40B4-BE49-F238E27FC236}">
+                <a16:creationId xmlns:a16="http://schemas.microsoft.com/office/drawing/2014/main" id="{82368C42-4E80-46CB-A4E0-75FF66F48165}"/>
+              </a:ext>
+            </a:extLst>
+          </p:cNvPr>
+          <p:cNvSpPr>
+            <a:spLocks noGrp="1"/>
+          </p:cNvSpPr>
+          <p:nvPr>
+            <p:ph type="title"/>
+          </p:nvPr>
+        </p:nvSpPr>
+        <p:spPr>
+          <a:xfrm>
+            <a:off x="838200" y="365125"/>
+            <a:ext cx="11353800" cy="1325563"/>
+          </a:xfrm>
+        </p:spPr>
+        <p:txBody>
+          <a:bodyPr/>
+          <a:lstStyle/>
+          <a:p>
+            <a:r>
+              <a:rPr lang="es-ES" b="1" dirty="0">
+                <a:solidFill>
+                  <a:srgbClr val="00B050"/>
+                </a:solidFill>
+                <a:latin typeface="Tw Cen MT" panose="020B0602020104020603" pitchFamily="34" charset="0"/>
+              </a:rPr>
+              <a:t>Resultados. Comparación de colisiones</a:t>
+            </a:r>
+          </a:p>
+        </p:txBody>
+      </p:sp>
+      <p:sp>
+        <p:nvSpPr>
+          <p:cNvPr id="4" name="Marcador de número de diapositiva 3">
+            <a:extLst>
+              <a:ext uri="{FF2B5EF4-FFF2-40B4-BE49-F238E27FC236}">
+                <a16:creationId xmlns:a16="http://schemas.microsoft.com/office/drawing/2014/main" id="{E3D38F79-488F-4F02-9EDD-95813B61925E}"/>
+              </a:ext>
+            </a:extLst>
+          </p:cNvPr>
+          <p:cNvSpPr>
+            <a:spLocks noGrp="1"/>
+          </p:cNvSpPr>
+          <p:nvPr>
+            <p:ph type="sldNum" sz="quarter" idx="12"/>
+          </p:nvPr>
+        </p:nvSpPr>
+        <p:spPr/>
+        <p:txBody>
+          <a:bodyPr/>
+          <a:lstStyle/>
+          <a:p>
+            <a:fld id="{272F2F88-97BC-4F31-BD69-5E536280A547}" type="slidenum">
+              <a:rPr lang="es-ES" smtClean="0"/>
+              <a:t>12</a:t>
+            </a:fld>
+            <a:endParaRPr lang="es-ES"/>
+          </a:p>
+        </p:txBody>
+      </p:sp>
+      <p:pic>
+        <p:nvPicPr>
+          <p:cNvPr id="6" name="Imagen 5">
+            <a:extLst>
+              <a:ext uri="{FF2B5EF4-FFF2-40B4-BE49-F238E27FC236}">
+                <a16:creationId xmlns:a16="http://schemas.microsoft.com/office/drawing/2014/main" id="{4A8A8ECA-E18D-41B6-86AE-0A1F51922E41}"/>
+              </a:ext>
+            </a:extLst>
+          </p:cNvPr>
+          <p:cNvPicPr>
+            <a:picLocks noChangeAspect="1"/>
+          </p:cNvPicPr>
+          <p:nvPr/>
+        </p:nvPicPr>
+        <p:blipFill>
+          <a:blip r:embed="rId2">
+            <a:extLst>
+              <a:ext uri="{28A0092B-C50C-407E-A947-70E740481C1C}">
+                <a14:useLocalDpi xmlns:a14="http://schemas.microsoft.com/office/drawing/2010/main" val="0"/>
+              </a:ext>
+            </a:extLst>
+          </a:blip>
+          <a:srcRect/>
+          <a:stretch/>
+        </p:blipFill>
+        <p:spPr>
+          <a:xfrm>
+            <a:off x="74457" y="2127149"/>
+            <a:ext cx="6314312" cy="3157156"/>
+          </a:xfrm>
+          <a:prstGeom prst="rect">
+            <a:avLst/>
+          </a:prstGeom>
+        </p:spPr>
+      </p:pic>
+      <p:pic>
+        <p:nvPicPr>
+          <p:cNvPr id="8" name="Imagen 7">
+            <a:extLst>
+              <a:ext uri="{FF2B5EF4-FFF2-40B4-BE49-F238E27FC236}">
+                <a16:creationId xmlns:a16="http://schemas.microsoft.com/office/drawing/2014/main" id="{BC929A2F-38EF-4146-AAEF-BD6F3ABEF1AF}"/>
+              </a:ext>
+            </a:extLst>
+          </p:cNvPr>
+          <p:cNvPicPr>
+            <a:picLocks noChangeAspect="1"/>
+          </p:cNvPicPr>
+          <p:nvPr/>
+        </p:nvPicPr>
+        <p:blipFill>
+          <a:blip r:embed="rId3">
+            <a:extLst>
+              <a:ext uri="{28A0092B-C50C-407E-A947-70E740481C1C}">
+                <a14:useLocalDpi xmlns:a14="http://schemas.microsoft.com/office/drawing/2010/main" val="0"/>
+              </a:ext>
+            </a:extLst>
+          </a:blip>
+          <a:srcRect/>
+          <a:stretch/>
+        </p:blipFill>
+        <p:spPr>
+          <a:xfrm>
+            <a:off x="5877688" y="2127149"/>
+            <a:ext cx="6314312" cy="3157156"/>
+          </a:xfrm>
+          <a:prstGeom prst="rect">
+            <a:avLst/>
+          </a:prstGeom>
+        </p:spPr>
+      </p:pic>
+      <p:sp>
+        <p:nvSpPr>
+          <p:cNvPr id="11" name="CuadroTexto 10">
+            <a:extLst>
+              <a:ext uri="{FF2B5EF4-FFF2-40B4-BE49-F238E27FC236}">
+                <a16:creationId xmlns:a16="http://schemas.microsoft.com/office/drawing/2014/main" id="{396ECD86-7319-4480-93A5-D093E4CA3E0C}"/>
+              </a:ext>
+            </a:extLst>
+          </p:cNvPr>
+          <p:cNvSpPr txBox="1"/>
+          <p:nvPr/>
+        </p:nvSpPr>
+        <p:spPr>
+          <a:xfrm>
+            <a:off x="838200" y="5336005"/>
+            <a:ext cx="4936958" cy="1200329"/>
+          </a:xfrm>
+          <a:prstGeom prst="rect">
+            <a:avLst/>
+          </a:prstGeom>
+          <a:noFill/>
+        </p:spPr>
+        <p:txBody>
+          <a:bodyPr wrap="square" rtlCol="0">
+            <a:spAutoFit/>
+          </a:bodyPr>
+          <a:lstStyle/>
+          <a:p>
+            <a:r>
+              <a:rPr lang="es-ES" dirty="0" err="1"/>
+              <a:t>Hiperparámetros</a:t>
+            </a:r>
+            <a:r>
+              <a:rPr lang="es-ES" dirty="0"/>
+              <a:t> por defecto:</a:t>
+            </a:r>
+          </a:p>
+          <a:p>
+            <a:pPr marL="285750" indent="-285750">
+              <a:buFont typeface="Arial" panose="020B0604020202020204" pitchFamily="34" charset="0"/>
+              <a:buChar char="•"/>
+            </a:pPr>
+            <a:r>
+              <a:rPr lang="es-ES" dirty="0" err="1"/>
+              <a:t>Tmax</a:t>
+            </a:r>
+            <a:r>
+              <a:rPr lang="es-ES" dirty="0"/>
+              <a:t> = 25000</a:t>
+            </a:r>
+          </a:p>
+          <a:p>
+            <a:pPr marL="285750" indent="-285750">
+              <a:buFont typeface="Arial" panose="020B0604020202020204" pitchFamily="34" charset="0"/>
+              <a:buChar char="•"/>
+            </a:pPr>
+            <a:r>
+              <a:rPr lang="es-ES" dirty="0" err="1"/>
+              <a:t>Tmin</a:t>
+            </a:r>
+            <a:r>
+              <a:rPr lang="es-ES" dirty="0"/>
+              <a:t> = 2.5</a:t>
+            </a:r>
+          </a:p>
+          <a:p>
+            <a:pPr marL="285750" indent="-285750">
+              <a:buFont typeface="Arial" panose="020B0604020202020204" pitchFamily="34" charset="0"/>
+              <a:buChar char="•"/>
+            </a:pPr>
+            <a:r>
+              <a:rPr lang="es-ES" dirty="0" err="1"/>
+              <a:t>steps</a:t>
+            </a:r>
+            <a:r>
+              <a:rPr lang="es-ES" dirty="0"/>
+              <a:t> = 50000</a:t>
+            </a:r>
+          </a:p>
+        </p:txBody>
+      </p:sp>
+      <p:sp>
+        <p:nvSpPr>
+          <p:cNvPr id="12" name="CuadroTexto 11">
+            <a:extLst>
+              <a:ext uri="{FF2B5EF4-FFF2-40B4-BE49-F238E27FC236}">
+                <a16:creationId xmlns:a16="http://schemas.microsoft.com/office/drawing/2014/main" id="{57B6B333-AE18-4EFE-85BB-CCC942A573C4}"/>
+              </a:ext>
+            </a:extLst>
+          </p:cNvPr>
+          <p:cNvSpPr txBox="1"/>
+          <p:nvPr/>
+        </p:nvSpPr>
+        <p:spPr>
+          <a:xfrm>
+            <a:off x="6687550" y="5336004"/>
+            <a:ext cx="5097382" cy="369332"/>
+          </a:xfrm>
+          <a:prstGeom prst="rect">
+            <a:avLst/>
+          </a:prstGeom>
+          <a:noFill/>
+        </p:spPr>
+        <p:txBody>
+          <a:bodyPr wrap="square" rtlCol="0">
+            <a:spAutoFit/>
+          </a:bodyPr>
+          <a:lstStyle/>
+          <a:p>
+            <a:r>
+              <a:rPr lang="es-ES" dirty="0" err="1"/>
+              <a:t>Hiperparámetros</a:t>
+            </a:r>
+            <a:r>
+              <a:rPr lang="es-ES" dirty="0"/>
+              <a:t> establecidos por el estimador </a:t>
+            </a:r>
+            <a:r>
+              <a:rPr lang="es-ES" b="1" i="1" dirty="0"/>
+              <a:t>auto</a:t>
+            </a:r>
+          </a:p>
+        </p:txBody>
+      </p:sp>
+    </p:spTree>
+    <p:extLst>
+      <p:ext uri="{BB962C8B-B14F-4D97-AF65-F5344CB8AC3E}">
+        <p14:creationId xmlns:p14="http://schemas.microsoft.com/office/powerpoint/2010/main" val="2739960654"/>
+      </p:ext>
+    </p:extLst>
+  </p:cSld>
+  <p:clrMapOvr>
+    <a:masterClrMapping/>
+  </p:clrMapOvr>
+</p:sld>
+</file>
+
+<file path=ppt/slides/slide13.xml><?xml version="1.0" encoding="utf-8"?>
+<p:sld xmlns:a="http://schemas.openxmlformats.org/drawingml/2006/main" xmlns:r="http://schemas.openxmlformats.org/officeDocument/2006/relationships" xmlns:p="http://schemas.openxmlformats.org/presentationml/2006/main">
+  <p:cSld>
+    <p:spTree>
+      <p:nvGrpSpPr>
+        <p:cNvPr id="1" name=""/>
+        <p:cNvGrpSpPr/>
+        <p:nvPr/>
+      </p:nvGrpSpPr>
+      <p:grpSpPr>
+        <a:xfrm>
+          <a:off x="0" y="0"/>
+          <a:ext cx="0" cy="0"/>
+          <a:chOff x="0" y="0"/>
+          <a:chExt cx="0" cy="0"/>
+        </a:xfrm>
+      </p:grpSpPr>
+      <p:sp>
+        <p:nvSpPr>
+          <p:cNvPr id="2" name="Título 1">
+            <a:extLst>
+              <a:ext uri="{FF2B5EF4-FFF2-40B4-BE49-F238E27FC236}">
+                <a16:creationId xmlns:a16="http://schemas.microsoft.com/office/drawing/2014/main" id="{82368C42-4E80-46CB-A4E0-75FF66F48165}"/>
+              </a:ext>
+            </a:extLst>
+          </p:cNvPr>
+          <p:cNvSpPr>
+            <a:spLocks noGrp="1"/>
+          </p:cNvSpPr>
+          <p:nvPr>
+            <p:ph type="title"/>
+          </p:nvPr>
+        </p:nvSpPr>
+        <p:spPr>
+          <a:xfrm>
+            <a:off x="838200" y="365125"/>
+            <a:ext cx="11353800" cy="1325563"/>
+          </a:xfrm>
+        </p:spPr>
+        <p:txBody>
+          <a:bodyPr/>
+          <a:lstStyle/>
+          <a:p>
+            <a:r>
+              <a:rPr lang="es-ES" b="1" dirty="0">
+                <a:solidFill>
+                  <a:srgbClr val="00B050"/>
+                </a:solidFill>
+                <a:latin typeface="Tw Cen MT" panose="020B0602020104020603" pitchFamily="34" charset="0"/>
+              </a:rPr>
+              <a:t>Resultados. Evolución de colisiones</a:t>
+            </a:r>
+          </a:p>
+        </p:txBody>
+      </p:sp>
+      <p:sp>
+        <p:nvSpPr>
+          <p:cNvPr id="4" name="Marcador de número de diapositiva 3">
+            <a:extLst>
+              <a:ext uri="{FF2B5EF4-FFF2-40B4-BE49-F238E27FC236}">
+                <a16:creationId xmlns:a16="http://schemas.microsoft.com/office/drawing/2014/main" id="{E3D38F79-488F-4F02-9EDD-95813B61925E}"/>
+              </a:ext>
+            </a:extLst>
+          </p:cNvPr>
+          <p:cNvSpPr>
+            <a:spLocks noGrp="1"/>
+          </p:cNvSpPr>
+          <p:nvPr>
+            <p:ph type="sldNum" sz="quarter" idx="12"/>
+          </p:nvPr>
+        </p:nvSpPr>
+        <p:spPr/>
+        <p:txBody>
+          <a:bodyPr/>
+          <a:lstStyle/>
+          <a:p>
+            <a:fld id="{272F2F88-97BC-4F31-BD69-5E536280A547}" type="slidenum">
+              <a:rPr lang="es-ES" smtClean="0"/>
+              <a:t>13</a:t>
+            </a:fld>
+            <a:endParaRPr lang="es-ES"/>
+          </a:p>
+        </p:txBody>
+      </p:sp>
+      <p:pic>
+        <p:nvPicPr>
+          <p:cNvPr id="6" name="Imagen 5" descr="Interfaz de usuario gráfica, Aplicación&#10;&#10;Descripción generada automáticamente">
+            <a:extLst>
+              <a:ext uri="{FF2B5EF4-FFF2-40B4-BE49-F238E27FC236}">
+                <a16:creationId xmlns:a16="http://schemas.microsoft.com/office/drawing/2014/main" id="{4A8A8ECA-E18D-41B6-86AE-0A1F51922E41}"/>
+              </a:ext>
+            </a:extLst>
+          </p:cNvPr>
+          <p:cNvPicPr>
+            <a:picLocks noChangeAspect="1"/>
+          </p:cNvPicPr>
+          <p:nvPr/>
+        </p:nvPicPr>
+        <p:blipFill>
+          <a:blip r:embed="rId2">
+            <a:extLst>
+              <a:ext uri="{28A0092B-C50C-407E-A947-70E740481C1C}">
+                <a14:useLocalDpi xmlns:a14="http://schemas.microsoft.com/office/drawing/2010/main" val="0"/>
+              </a:ext>
+            </a:extLst>
+          </a:blip>
+          <a:stretch>
+            <a:fillRect/>
+          </a:stretch>
+        </p:blipFill>
+        <p:spPr>
+          <a:xfrm>
+            <a:off x="74457" y="2127149"/>
+            <a:ext cx="6314312" cy="3157156"/>
+          </a:xfrm>
+          <a:prstGeom prst="rect">
+            <a:avLst/>
+          </a:prstGeom>
+        </p:spPr>
+      </p:pic>
+      <p:pic>
+        <p:nvPicPr>
+          <p:cNvPr id="8" name="Imagen 7" descr="Gráfico, Histograma&#10;&#10;Descripción generada automáticamente">
+            <a:extLst>
+              <a:ext uri="{FF2B5EF4-FFF2-40B4-BE49-F238E27FC236}">
+                <a16:creationId xmlns:a16="http://schemas.microsoft.com/office/drawing/2014/main" id="{BC929A2F-38EF-4146-AAEF-BD6F3ABEF1AF}"/>
+              </a:ext>
+            </a:extLst>
+          </p:cNvPr>
+          <p:cNvPicPr>
+            <a:picLocks noChangeAspect="1"/>
+          </p:cNvPicPr>
+          <p:nvPr/>
+        </p:nvPicPr>
+        <p:blipFill>
+          <a:blip r:embed="rId3">
+            <a:extLst>
+              <a:ext uri="{28A0092B-C50C-407E-A947-70E740481C1C}">
+                <a14:useLocalDpi xmlns:a14="http://schemas.microsoft.com/office/drawing/2010/main" val="0"/>
+              </a:ext>
+            </a:extLst>
+          </a:blip>
+          <a:stretch>
+            <a:fillRect/>
+          </a:stretch>
+        </p:blipFill>
+        <p:spPr>
+          <a:xfrm>
+            <a:off x="5877688" y="2127149"/>
+            <a:ext cx="6314312" cy="3157156"/>
+          </a:xfrm>
+          <a:prstGeom prst="rect">
+            <a:avLst/>
+          </a:prstGeom>
+        </p:spPr>
+      </p:pic>
+      <p:sp>
+        <p:nvSpPr>
+          <p:cNvPr id="7" name="CuadroTexto 6">
+            <a:extLst>
+              <a:ext uri="{FF2B5EF4-FFF2-40B4-BE49-F238E27FC236}">
+                <a16:creationId xmlns:a16="http://schemas.microsoft.com/office/drawing/2014/main" id="{674B680D-1216-4F31-8754-7822EBC94CDC}"/>
+              </a:ext>
+            </a:extLst>
+          </p:cNvPr>
+          <p:cNvSpPr txBox="1"/>
+          <p:nvPr/>
+        </p:nvSpPr>
+        <p:spPr>
+          <a:xfrm>
+            <a:off x="3547309" y="5635661"/>
+            <a:ext cx="5097382" cy="369332"/>
+          </a:xfrm>
+          <a:prstGeom prst="rect">
+            <a:avLst/>
+          </a:prstGeom>
+          <a:noFill/>
+        </p:spPr>
+        <p:txBody>
+          <a:bodyPr wrap="square" rtlCol="0">
+            <a:spAutoFit/>
+          </a:bodyPr>
+          <a:lstStyle/>
+          <a:p>
+            <a:r>
+              <a:rPr lang="es-ES" dirty="0" err="1"/>
+              <a:t>Hiperparámetros</a:t>
+            </a:r>
+            <a:r>
+              <a:rPr lang="es-ES" dirty="0"/>
+              <a:t> establecidos por el estimador </a:t>
+            </a:r>
+            <a:r>
+              <a:rPr lang="es-ES" b="1" i="1" dirty="0"/>
+              <a:t>auto</a:t>
+            </a:r>
+          </a:p>
+        </p:txBody>
+      </p:sp>
+    </p:spTree>
+    <p:extLst>
+      <p:ext uri="{BB962C8B-B14F-4D97-AF65-F5344CB8AC3E}">
+        <p14:creationId xmlns:p14="http://schemas.microsoft.com/office/powerpoint/2010/main" val="2084495786"/>
+      </p:ext>
+    </p:extLst>
+  </p:cSld>
+  <p:clrMapOvr>
+    <a:masterClrMapping/>
+  </p:clrMapOvr>
+</p:sld>
+</file>
+
+<file path=ppt/slides/slide14.xml><?xml version="1.0" encoding="utf-8"?>
+<p:sld xmlns:a="http://schemas.openxmlformats.org/drawingml/2006/main" xmlns:r="http://schemas.openxmlformats.org/officeDocument/2006/relationships" xmlns:p="http://schemas.openxmlformats.org/presentationml/2006/main">
+  <p:cSld>
+    <p:spTree>
+      <p:nvGrpSpPr>
+        <p:cNvPr id="1" name=""/>
+        <p:cNvGrpSpPr/>
+        <p:nvPr/>
+      </p:nvGrpSpPr>
+      <p:grpSpPr>
+        <a:xfrm>
+          <a:off x="0" y="0"/>
+          <a:ext cx="0" cy="0"/>
+          <a:chOff x="0" y="0"/>
+          <a:chExt cx="0" cy="0"/>
+        </a:xfrm>
+      </p:grpSpPr>
+      <p:sp>
+        <p:nvSpPr>
+          <p:cNvPr id="2" name="Título 1">
+            <a:extLst>
+              <a:ext uri="{FF2B5EF4-FFF2-40B4-BE49-F238E27FC236}">
+                <a16:creationId xmlns:a16="http://schemas.microsoft.com/office/drawing/2014/main" id="{82368C42-4E80-46CB-A4E0-75FF66F48165}"/>
+              </a:ext>
+            </a:extLst>
+          </p:cNvPr>
+          <p:cNvSpPr>
+            <a:spLocks noGrp="1"/>
+          </p:cNvSpPr>
+          <p:nvPr>
+            <p:ph type="title"/>
+          </p:nvPr>
+        </p:nvSpPr>
+        <p:spPr>
+          <a:xfrm>
+            <a:off x="838200" y="365125"/>
+            <a:ext cx="11353800" cy="1325563"/>
+          </a:xfrm>
+        </p:spPr>
+        <p:txBody>
+          <a:bodyPr/>
+          <a:lstStyle/>
+          <a:p>
+            <a:r>
+              <a:rPr lang="es-ES" b="1" dirty="0">
+                <a:solidFill>
+                  <a:srgbClr val="00B050"/>
+                </a:solidFill>
+                <a:latin typeface="Tw Cen MT" panose="020B0602020104020603" pitchFamily="34" charset="0"/>
+              </a:rPr>
+              <a:t>Resultados. Comparación de épocas</a:t>
+            </a:r>
+          </a:p>
+        </p:txBody>
+      </p:sp>
+      <p:sp>
+        <p:nvSpPr>
+          <p:cNvPr id="4" name="Marcador de número de diapositiva 3">
+            <a:extLst>
+              <a:ext uri="{FF2B5EF4-FFF2-40B4-BE49-F238E27FC236}">
+                <a16:creationId xmlns:a16="http://schemas.microsoft.com/office/drawing/2014/main" id="{E3D38F79-488F-4F02-9EDD-95813B61925E}"/>
+              </a:ext>
+            </a:extLst>
+          </p:cNvPr>
+          <p:cNvSpPr>
+            <a:spLocks noGrp="1"/>
+          </p:cNvSpPr>
+          <p:nvPr>
+            <p:ph type="sldNum" sz="quarter" idx="12"/>
+          </p:nvPr>
+        </p:nvSpPr>
+        <p:spPr/>
+        <p:txBody>
+          <a:bodyPr/>
+          <a:lstStyle/>
+          <a:p>
+            <a:fld id="{272F2F88-97BC-4F31-BD69-5E536280A547}" type="slidenum">
+              <a:rPr lang="es-ES" smtClean="0"/>
+              <a:t>14</a:t>
+            </a:fld>
+            <a:endParaRPr lang="es-ES"/>
+          </a:p>
+        </p:txBody>
+      </p:sp>
+      <p:pic>
+        <p:nvPicPr>
+          <p:cNvPr id="5" name="Imagen 4">
+            <a:extLst>
+              <a:ext uri="{FF2B5EF4-FFF2-40B4-BE49-F238E27FC236}">
+                <a16:creationId xmlns:a16="http://schemas.microsoft.com/office/drawing/2014/main" id="{0C3AE422-8247-469F-B2E5-B0A094FF9580}"/>
+              </a:ext>
+            </a:extLst>
+          </p:cNvPr>
+          <p:cNvPicPr>
+            <a:picLocks noChangeAspect="1"/>
+          </p:cNvPicPr>
+          <p:nvPr/>
+        </p:nvPicPr>
+        <p:blipFill>
+          <a:blip r:embed="rId2">
+            <a:extLst>
+              <a:ext uri="{28A0092B-C50C-407E-A947-70E740481C1C}">
+                <a14:useLocalDpi xmlns:a14="http://schemas.microsoft.com/office/drawing/2010/main" val="0"/>
+              </a:ext>
+            </a:extLst>
+          </a:blip>
+          <a:srcRect/>
+          <a:stretch/>
+        </p:blipFill>
+        <p:spPr>
+          <a:xfrm>
+            <a:off x="74457" y="2127149"/>
+            <a:ext cx="6314312" cy="3157156"/>
+          </a:xfrm>
+          <a:prstGeom prst="rect">
+            <a:avLst/>
+          </a:prstGeom>
+        </p:spPr>
+      </p:pic>
+      <p:pic>
+        <p:nvPicPr>
+          <p:cNvPr id="6" name="Imagen 5">
+            <a:extLst>
+              <a:ext uri="{FF2B5EF4-FFF2-40B4-BE49-F238E27FC236}">
+                <a16:creationId xmlns:a16="http://schemas.microsoft.com/office/drawing/2014/main" id="{16F4B4C3-3047-492A-8028-699C65509223}"/>
+              </a:ext>
+            </a:extLst>
+          </p:cNvPr>
+          <p:cNvPicPr>
+            <a:picLocks noChangeAspect="1"/>
+          </p:cNvPicPr>
+          <p:nvPr/>
+        </p:nvPicPr>
+        <p:blipFill>
+          <a:blip r:embed="rId3">
+            <a:extLst>
+              <a:ext uri="{28A0092B-C50C-407E-A947-70E740481C1C}">
+                <a14:useLocalDpi xmlns:a14="http://schemas.microsoft.com/office/drawing/2010/main" val="0"/>
+              </a:ext>
+            </a:extLst>
+          </a:blip>
+          <a:srcRect/>
+          <a:stretch/>
+        </p:blipFill>
+        <p:spPr>
+          <a:xfrm>
+            <a:off x="5877688" y="2127149"/>
+            <a:ext cx="6314312" cy="3157156"/>
+          </a:xfrm>
+          <a:prstGeom prst="rect">
+            <a:avLst/>
+          </a:prstGeom>
+        </p:spPr>
+      </p:pic>
+      <p:sp>
+        <p:nvSpPr>
+          <p:cNvPr id="7" name="CuadroTexto 6">
+            <a:extLst>
+              <a:ext uri="{FF2B5EF4-FFF2-40B4-BE49-F238E27FC236}">
+                <a16:creationId xmlns:a16="http://schemas.microsoft.com/office/drawing/2014/main" id="{1CC46EDD-9C40-489F-B787-82AEFA1FB307}"/>
+              </a:ext>
+            </a:extLst>
+          </p:cNvPr>
+          <p:cNvSpPr txBox="1"/>
+          <p:nvPr/>
+        </p:nvSpPr>
+        <p:spPr>
+          <a:xfrm>
+            <a:off x="838200" y="5336005"/>
+            <a:ext cx="4936958" cy="1200329"/>
+          </a:xfrm>
+          <a:prstGeom prst="rect">
+            <a:avLst/>
+          </a:prstGeom>
+          <a:noFill/>
+        </p:spPr>
+        <p:txBody>
+          <a:bodyPr wrap="square" rtlCol="0">
+            <a:spAutoFit/>
+          </a:bodyPr>
+          <a:lstStyle/>
+          <a:p>
+            <a:r>
+              <a:rPr lang="es-ES" dirty="0" err="1"/>
+              <a:t>Hiperparámetros</a:t>
+            </a:r>
+            <a:r>
+              <a:rPr lang="es-ES" dirty="0"/>
+              <a:t> por defecto:</a:t>
+            </a:r>
+          </a:p>
+          <a:p>
+            <a:pPr marL="285750" indent="-285750">
+              <a:buFont typeface="Arial" panose="020B0604020202020204" pitchFamily="34" charset="0"/>
+              <a:buChar char="•"/>
+            </a:pPr>
+            <a:r>
+              <a:rPr lang="es-ES" dirty="0" err="1"/>
+              <a:t>Tmax</a:t>
+            </a:r>
+            <a:r>
+              <a:rPr lang="es-ES" dirty="0"/>
+              <a:t> = 25000</a:t>
+            </a:r>
+          </a:p>
+          <a:p>
+            <a:pPr marL="285750" indent="-285750">
+              <a:buFont typeface="Arial" panose="020B0604020202020204" pitchFamily="34" charset="0"/>
+              <a:buChar char="•"/>
+            </a:pPr>
+            <a:r>
+              <a:rPr lang="es-ES" dirty="0" err="1"/>
+              <a:t>Tmin</a:t>
+            </a:r>
+            <a:r>
+              <a:rPr lang="es-ES" dirty="0"/>
+              <a:t> = 2.5</a:t>
+            </a:r>
+          </a:p>
+          <a:p>
+            <a:pPr marL="285750" indent="-285750">
+              <a:buFont typeface="Arial" panose="020B0604020202020204" pitchFamily="34" charset="0"/>
+              <a:buChar char="•"/>
+            </a:pPr>
+            <a:r>
+              <a:rPr lang="es-ES" dirty="0" err="1"/>
+              <a:t>steps</a:t>
+            </a:r>
+            <a:r>
+              <a:rPr lang="es-ES" dirty="0"/>
+              <a:t> = 50000</a:t>
+            </a:r>
+          </a:p>
+        </p:txBody>
+      </p:sp>
+      <p:sp>
+        <p:nvSpPr>
+          <p:cNvPr id="8" name="CuadroTexto 7">
+            <a:extLst>
+              <a:ext uri="{FF2B5EF4-FFF2-40B4-BE49-F238E27FC236}">
+                <a16:creationId xmlns:a16="http://schemas.microsoft.com/office/drawing/2014/main" id="{B6F30033-FB1C-4E9F-A847-D2FA771F666C}"/>
+              </a:ext>
+            </a:extLst>
+          </p:cNvPr>
+          <p:cNvSpPr txBox="1"/>
+          <p:nvPr/>
+        </p:nvSpPr>
+        <p:spPr>
+          <a:xfrm>
+            <a:off x="6687550" y="5336004"/>
+            <a:ext cx="5097382" cy="369332"/>
+          </a:xfrm>
+          <a:prstGeom prst="rect">
+            <a:avLst/>
+          </a:prstGeom>
+          <a:noFill/>
+        </p:spPr>
+        <p:txBody>
+          <a:bodyPr wrap="square" rtlCol="0">
+            <a:spAutoFit/>
+          </a:bodyPr>
+          <a:lstStyle/>
+          <a:p>
+            <a:r>
+              <a:rPr lang="es-ES" dirty="0" err="1"/>
+              <a:t>Hiperparámetros</a:t>
+            </a:r>
+            <a:r>
+              <a:rPr lang="es-ES" dirty="0"/>
+              <a:t> establecidos por el estimador </a:t>
+            </a:r>
+            <a:r>
+              <a:rPr lang="es-ES" b="1" i="1" dirty="0"/>
+              <a:t>auto</a:t>
+            </a:r>
+          </a:p>
+        </p:txBody>
+      </p:sp>
+    </p:spTree>
+    <p:extLst>
+      <p:ext uri="{BB962C8B-B14F-4D97-AF65-F5344CB8AC3E}">
+        <p14:creationId xmlns:p14="http://schemas.microsoft.com/office/powerpoint/2010/main" val="1187272634"/>
+      </p:ext>
+    </p:extLst>
+  </p:cSld>
+  <p:clrMapOvr>
+    <a:masterClrMapping/>
+  </p:clrMapOvr>
+</p:sld>
+</file>
+
+<file path=ppt/slides/slide15.xml><?xml version="1.0" encoding="utf-8"?>
+<p:sld xmlns:a="http://schemas.openxmlformats.org/drawingml/2006/main" xmlns:r="http://schemas.openxmlformats.org/officeDocument/2006/relationships" xmlns:p="http://schemas.openxmlformats.org/presentationml/2006/main">
+  <p:cSld>
+    <p:spTree>
+      <p:nvGrpSpPr>
+        <p:cNvPr id="1" name=""/>
+        <p:cNvGrpSpPr/>
+        <p:nvPr/>
+      </p:nvGrpSpPr>
+      <p:grpSpPr>
+        <a:xfrm>
+          <a:off x="0" y="0"/>
+          <a:ext cx="0" cy="0"/>
+          <a:chOff x="0" y="0"/>
+          <a:chExt cx="0" cy="0"/>
+        </a:xfrm>
+      </p:grpSpPr>
+      <p:sp>
+        <p:nvSpPr>
+          <p:cNvPr id="2" name="Título 1">
+            <a:extLst>
+              <a:ext uri="{FF2B5EF4-FFF2-40B4-BE49-F238E27FC236}">
+                <a16:creationId xmlns:a16="http://schemas.microsoft.com/office/drawing/2014/main" id="{82368C42-4E80-46CB-A4E0-75FF66F48165}"/>
+              </a:ext>
+            </a:extLst>
+          </p:cNvPr>
+          <p:cNvSpPr>
+            <a:spLocks noGrp="1"/>
+          </p:cNvSpPr>
+          <p:nvPr>
+            <p:ph type="title"/>
+          </p:nvPr>
+        </p:nvSpPr>
+        <p:spPr>
+          <a:xfrm>
+            <a:off x="838200" y="365125"/>
+            <a:ext cx="11353800" cy="1325563"/>
+          </a:xfrm>
+        </p:spPr>
+        <p:txBody>
+          <a:bodyPr/>
+          <a:lstStyle/>
+          <a:p>
+            <a:r>
+              <a:rPr lang="es-ES" b="1" dirty="0">
+                <a:solidFill>
+                  <a:srgbClr val="00B050"/>
+                </a:solidFill>
+                <a:latin typeface="Tw Cen MT" panose="020B0602020104020603" pitchFamily="34" charset="0"/>
+              </a:rPr>
+              <a:t>Resultados. Evolución de épocas</a:t>
+            </a:r>
+          </a:p>
+        </p:txBody>
+      </p:sp>
+      <p:sp>
+        <p:nvSpPr>
+          <p:cNvPr id="4" name="Marcador de número de diapositiva 3">
+            <a:extLst>
+              <a:ext uri="{FF2B5EF4-FFF2-40B4-BE49-F238E27FC236}">
+                <a16:creationId xmlns:a16="http://schemas.microsoft.com/office/drawing/2014/main" id="{E3D38F79-488F-4F02-9EDD-95813B61925E}"/>
+              </a:ext>
+            </a:extLst>
+          </p:cNvPr>
+          <p:cNvSpPr>
+            <a:spLocks noGrp="1"/>
+          </p:cNvSpPr>
+          <p:nvPr>
+            <p:ph type="sldNum" sz="quarter" idx="12"/>
+          </p:nvPr>
+        </p:nvSpPr>
+        <p:spPr/>
+        <p:txBody>
+          <a:bodyPr/>
+          <a:lstStyle/>
+          <a:p>
+            <a:fld id="{272F2F88-97BC-4F31-BD69-5E536280A547}" type="slidenum">
+              <a:rPr lang="es-ES" smtClean="0"/>
+              <a:t>15</a:t>
+            </a:fld>
+            <a:endParaRPr lang="es-ES"/>
+          </a:p>
+        </p:txBody>
+      </p:sp>
+      <p:pic>
+        <p:nvPicPr>
+          <p:cNvPr id="6" name="Imagen 5">
+            <a:extLst>
+              <a:ext uri="{FF2B5EF4-FFF2-40B4-BE49-F238E27FC236}">
+                <a16:creationId xmlns:a16="http://schemas.microsoft.com/office/drawing/2014/main" id="{4A8A8ECA-E18D-41B6-86AE-0A1F51922E41}"/>
+              </a:ext>
+            </a:extLst>
+          </p:cNvPr>
+          <p:cNvPicPr>
+            <a:picLocks noChangeAspect="1"/>
+          </p:cNvPicPr>
+          <p:nvPr/>
+        </p:nvPicPr>
+        <p:blipFill>
+          <a:blip r:embed="rId2">
+            <a:extLst>
+              <a:ext uri="{28A0092B-C50C-407E-A947-70E740481C1C}">
+                <a14:useLocalDpi xmlns:a14="http://schemas.microsoft.com/office/drawing/2010/main" val="0"/>
+              </a:ext>
+            </a:extLst>
+          </a:blip>
+          <a:srcRect/>
+          <a:stretch/>
+        </p:blipFill>
+        <p:spPr>
+          <a:xfrm>
+            <a:off x="74457" y="2127149"/>
+            <a:ext cx="6314312" cy="3157156"/>
+          </a:xfrm>
+          <a:prstGeom prst="rect">
+            <a:avLst/>
+          </a:prstGeom>
+        </p:spPr>
+      </p:pic>
+      <p:pic>
+        <p:nvPicPr>
+          <p:cNvPr id="8" name="Imagen 7">
+            <a:extLst>
+              <a:ext uri="{FF2B5EF4-FFF2-40B4-BE49-F238E27FC236}">
+                <a16:creationId xmlns:a16="http://schemas.microsoft.com/office/drawing/2014/main" id="{BC929A2F-38EF-4146-AAEF-BD6F3ABEF1AF}"/>
+              </a:ext>
+            </a:extLst>
+          </p:cNvPr>
+          <p:cNvPicPr>
+            <a:picLocks noChangeAspect="1"/>
+          </p:cNvPicPr>
+          <p:nvPr/>
+        </p:nvPicPr>
+        <p:blipFill>
+          <a:blip r:embed="rId3">
+            <a:extLst>
+              <a:ext uri="{28A0092B-C50C-407E-A947-70E740481C1C}">
+                <a14:useLocalDpi xmlns:a14="http://schemas.microsoft.com/office/drawing/2010/main" val="0"/>
+              </a:ext>
+            </a:extLst>
+          </a:blip>
+          <a:srcRect/>
+          <a:stretch/>
+        </p:blipFill>
+        <p:spPr>
+          <a:xfrm>
+            <a:off x="5877688" y="2127149"/>
+            <a:ext cx="6314312" cy="3157156"/>
+          </a:xfrm>
+          <a:prstGeom prst="rect">
+            <a:avLst/>
+          </a:prstGeom>
+        </p:spPr>
+      </p:pic>
+      <p:sp>
+        <p:nvSpPr>
+          <p:cNvPr id="7" name="CuadroTexto 6">
+            <a:extLst>
+              <a:ext uri="{FF2B5EF4-FFF2-40B4-BE49-F238E27FC236}">
+                <a16:creationId xmlns:a16="http://schemas.microsoft.com/office/drawing/2014/main" id="{674B680D-1216-4F31-8754-7822EBC94CDC}"/>
+              </a:ext>
+            </a:extLst>
+          </p:cNvPr>
+          <p:cNvSpPr txBox="1"/>
+          <p:nvPr/>
+        </p:nvSpPr>
+        <p:spPr>
+          <a:xfrm>
+            <a:off x="3547309" y="5635661"/>
+            <a:ext cx="5097382" cy="369332"/>
+          </a:xfrm>
+          <a:prstGeom prst="rect">
+            <a:avLst/>
+          </a:prstGeom>
+          <a:noFill/>
+        </p:spPr>
+        <p:txBody>
+          <a:bodyPr wrap="square" rtlCol="0">
+            <a:spAutoFit/>
+          </a:bodyPr>
+          <a:lstStyle/>
+          <a:p>
+            <a:r>
+              <a:rPr lang="es-ES" dirty="0" err="1"/>
+              <a:t>Hiperparámetros</a:t>
+            </a:r>
+            <a:r>
+              <a:rPr lang="es-ES" dirty="0"/>
+              <a:t> establecidos por el estimador </a:t>
+            </a:r>
+            <a:r>
+              <a:rPr lang="es-ES" b="1" i="1" dirty="0"/>
+              <a:t>auto</a:t>
+            </a:r>
+          </a:p>
+        </p:txBody>
+      </p:sp>
+    </p:spTree>
+    <p:extLst>
+      <p:ext uri="{BB962C8B-B14F-4D97-AF65-F5344CB8AC3E}">
+        <p14:creationId xmlns:p14="http://schemas.microsoft.com/office/powerpoint/2010/main" val="387612994"/>
+      </p:ext>
+    </p:extLst>
+  </p:cSld>
+  <p:clrMapOvr>
+    <a:masterClrMapping/>
+  </p:clrMapOvr>
+</p:sld>
+</file>
+
+<file path=ppt/slides/slide16.xml><?xml version="1.0" encoding="utf-8"?>
+<p:sld xmlns:a="http://schemas.openxmlformats.org/drawingml/2006/main" xmlns:r="http://schemas.openxmlformats.org/officeDocument/2006/relationships" xmlns:p="http://schemas.openxmlformats.org/presentationml/2006/main">
+  <p:cSld>
+    <p:spTree>
+      <p:nvGrpSpPr>
+        <p:cNvPr id="1" name=""/>
+        <p:cNvGrpSpPr/>
+        <p:nvPr/>
+      </p:nvGrpSpPr>
+      <p:grpSpPr>
+        <a:xfrm>
+          <a:off x="0" y="0"/>
+          <a:ext cx="0" cy="0"/>
+          <a:chOff x="0" y="0"/>
+          <a:chExt cx="0" cy="0"/>
+        </a:xfrm>
+      </p:grpSpPr>
+      <p:sp>
+        <p:nvSpPr>
+          <p:cNvPr id="2" name="Título 1">
+            <a:extLst>
+              <a:ext uri="{FF2B5EF4-FFF2-40B4-BE49-F238E27FC236}">
+                <a16:creationId xmlns:a16="http://schemas.microsoft.com/office/drawing/2014/main" id="{82368C42-4E80-46CB-A4E0-75FF66F48165}"/>
+              </a:ext>
+            </a:extLst>
+          </p:cNvPr>
+          <p:cNvSpPr>
+            <a:spLocks noGrp="1"/>
+          </p:cNvSpPr>
+          <p:nvPr>
+            <p:ph type="title"/>
+          </p:nvPr>
+        </p:nvSpPr>
+        <p:spPr>
+          <a:xfrm>
+            <a:off x="838200" y="365125"/>
+            <a:ext cx="11353800" cy="1325563"/>
+          </a:xfrm>
+        </p:spPr>
+        <p:txBody>
+          <a:bodyPr/>
+          <a:lstStyle/>
+          <a:p>
+            <a:r>
+              <a:rPr lang="es-ES" b="1" dirty="0">
+                <a:solidFill>
+                  <a:srgbClr val="00B050"/>
+                </a:solidFill>
+                <a:latin typeface="Tw Cen MT" panose="020B0602020104020603" pitchFamily="34" charset="0"/>
+              </a:rPr>
+              <a:t>Resultados. Evolución de </a:t>
+            </a:r>
+            <a:r>
+              <a:rPr lang="es-ES" b="1" dirty="0" err="1">
+                <a:solidFill>
+                  <a:srgbClr val="00B050"/>
+                </a:solidFill>
+                <a:latin typeface="Tw Cen MT" panose="020B0602020104020603" pitchFamily="34" charset="0"/>
+              </a:rPr>
+              <a:t>Tmax</a:t>
+            </a:r>
+            <a:endParaRPr lang="es-ES" b="1" dirty="0">
+              <a:solidFill>
+                <a:srgbClr val="00B050"/>
+              </a:solidFill>
+              <a:latin typeface="Tw Cen MT" panose="020B0602020104020603" pitchFamily="34" charset="0"/>
+            </a:endParaRPr>
+          </a:p>
+        </p:txBody>
+      </p:sp>
+      <p:sp>
+        <p:nvSpPr>
+          <p:cNvPr id="4" name="Marcador de número de diapositiva 3">
+            <a:extLst>
+              <a:ext uri="{FF2B5EF4-FFF2-40B4-BE49-F238E27FC236}">
+                <a16:creationId xmlns:a16="http://schemas.microsoft.com/office/drawing/2014/main" id="{E3D38F79-488F-4F02-9EDD-95813B61925E}"/>
+              </a:ext>
+            </a:extLst>
+          </p:cNvPr>
+          <p:cNvSpPr>
+            <a:spLocks noGrp="1"/>
+          </p:cNvSpPr>
+          <p:nvPr>
+            <p:ph type="sldNum" sz="quarter" idx="12"/>
+          </p:nvPr>
+        </p:nvSpPr>
+        <p:spPr/>
+        <p:txBody>
+          <a:bodyPr/>
+          <a:lstStyle/>
+          <a:p>
+            <a:fld id="{272F2F88-97BC-4F31-BD69-5E536280A547}" type="slidenum">
+              <a:rPr lang="es-ES" smtClean="0"/>
+              <a:t>16</a:t>
+            </a:fld>
+            <a:endParaRPr lang="es-ES"/>
+          </a:p>
+        </p:txBody>
+      </p:sp>
+      <p:pic>
+        <p:nvPicPr>
+          <p:cNvPr id="5" name="Imagen 4">
+            <a:extLst>
+              <a:ext uri="{FF2B5EF4-FFF2-40B4-BE49-F238E27FC236}">
+                <a16:creationId xmlns:a16="http://schemas.microsoft.com/office/drawing/2014/main" id="{0C3AE422-8247-469F-B2E5-B0A094FF9580}"/>
+              </a:ext>
+            </a:extLst>
+          </p:cNvPr>
+          <p:cNvPicPr>
+            <a:picLocks noChangeAspect="1"/>
+          </p:cNvPicPr>
+          <p:nvPr/>
+        </p:nvPicPr>
+        <p:blipFill>
+          <a:blip r:embed="rId2">
+            <a:extLst>
+              <a:ext uri="{28A0092B-C50C-407E-A947-70E740481C1C}">
+                <a14:useLocalDpi xmlns:a14="http://schemas.microsoft.com/office/drawing/2010/main" val="0"/>
+              </a:ext>
+            </a:extLst>
+          </a:blip>
+          <a:srcRect/>
+          <a:stretch/>
+        </p:blipFill>
+        <p:spPr>
+          <a:xfrm>
+            <a:off x="74457" y="2127149"/>
+            <a:ext cx="6314312" cy="3157156"/>
+          </a:xfrm>
+          <a:prstGeom prst="rect">
+            <a:avLst/>
+          </a:prstGeom>
+        </p:spPr>
+      </p:pic>
+      <p:pic>
+        <p:nvPicPr>
+          <p:cNvPr id="6" name="Imagen 5">
+            <a:extLst>
+              <a:ext uri="{FF2B5EF4-FFF2-40B4-BE49-F238E27FC236}">
+                <a16:creationId xmlns:a16="http://schemas.microsoft.com/office/drawing/2014/main" id="{16F4B4C3-3047-492A-8028-699C65509223}"/>
+              </a:ext>
+            </a:extLst>
+          </p:cNvPr>
+          <p:cNvPicPr>
+            <a:picLocks noChangeAspect="1"/>
+          </p:cNvPicPr>
+          <p:nvPr/>
+        </p:nvPicPr>
+        <p:blipFill>
+          <a:blip r:embed="rId3">
+            <a:extLst>
+              <a:ext uri="{28A0092B-C50C-407E-A947-70E740481C1C}">
+                <a14:useLocalDpi xmlns:a14="http://schemas.microsoft.com/office/drawing/2010/main" val="0"/>
+              </a:ext>
+            </a:extLst>
+          </a:blip>
+          <a:srcRect/>
+          <a:stretch/>
+        </p:blipFill>
+        <p:spPr>
+          <a:xfrm>
+            <a:off x="5877688" y="2127149"/>
+            <a:ext cx="6314312" cy="3157156"/>
+          </a:xfrm>
+          <a:prstGeom prst="rect">
+            <a:avLst/>
+          </a:prstGeom>
+        </p:spPr>
+      </p:pic>
+      <p:sp>
+        <p:nvSpPr>
+          <p:cNvPr id="9" name="CuadroTexto 8">
+            <a:extLst>
+              <a:ext uri="{FF2B5EF4-FFF2-40B4-BE49-F238E27FC236}">
+                <a16:creationId xmlns:a16="http://schemas.microsoft.com/office/drawing/2014/main" id="{B11377C1-9505-40A3-BD48-AF4C78F31459}"/>
+              </a:ext>
+            </a:extLst>
+          </p:cNvPr>
+          <p:cNvSpPr txBox="1"/>
+          <p:nvPr/>
+        </p:nvSpPr>
+        <p:spPr>
+          <a:xfrm>
+            <a:off x="3547309" y="5635661"/>
+            <a:ext cx="5097382" cy="369332"/>
+          </a:xfrm>
+          <a:prstGeom prst="rect">
+            <a:avLst/>
+          </a:prstGeom>
+          <a:noFill/>
+        </p:spPr>
+        <p:txBody>
+          <a:bodyPr wrap="square" rtlCol="0">
+            <a:spAutoFit/>
+          </a:bodyPr>
+          <a:lstStyle/>
+          <a:p>
+            <a:r>
+              <a:rPr lang="es-ES" dirty="0" err="1"/>
+              <a:t>Hiperparámetros</a:t>
+            </a:r>
+            <a:r>
+              <a:rPr lang="es-ES" dirty="0"/>
+              <a:t> establecidos por el estimador </a:t>
+            </a:r>
+            <a:r>
+              <a:rPr lang="es-ES" b="1" i="1" dirty="0"/>
+              <a:t>auto</a:t>
+            </a:r>
+          </a:p>
+        </p:txBody>
+      </p:sp>
+    </p:spTree>
+    <p:extLst>
+      <p:ext uri="{BB962C8B-B14F-4D97-AF65-F5344CB8AC3E}">
+        <p14:creationId xmlns:p14="http://schemas.microsoft.com/office/powerpoint/2010/main" val="1753503321"/>
+      </p:ext>
+    </p:extLst>
+  </p:cSld>
+  <p:clrMapOvr>
+    <a:masterClrMapping/>
+  </p:clrMapOvr>
+</p:sld>
+</file>
+
+<file path=ppt/slides/slide17.xml><?xml version="1.0" encoding="utf-8"?>
+<p:sld xmlns:a="http://schemas.openxmlformats.org/drawingml/2006/main" xmlns:r="http://schemas.openxmlformats.org/officeDocument/2006/relationships" xmlns:p="http://schemas.openxmlformats.org/presentationml/2006/main">
+  <p:cSld>
+    <p:spTree>
+      <p:nvGrpSpPr>
+        <p:cNvPr id="1" name=""/>
+        <p:cNvGrpSpPr/>
+        <p:nvPr/>
+      </p:nvGrpSpPr>
+      <p:grpSpPr>
+        <a:xfrm>
+          <a:off x="0" y="0"/>
+          <a:ext cx="0" cy="0"/>
+          <a:chOff x="0" y="0"/>
+          <a:chExt cx="0" cy="0"/>
+        </a:xfrm>
+      </p:grpSpPr>
+      <p:sp>
+        <p:nvSpPr>
+          <p:cNvPr id="2" name="Título 1">
+            <a:extLst>
+              <a:ext uri="{FF2B5EF4-FFF2-40B4-BE49-F238E27FC236}">
+                <a16:creationId xmlns:a16="http://schemas.microsoft.com/office/drawing/2014/main" id="{82368C42-4E80-46CB-A4E0-75FF66F48165}"/>
+              </a:ext>
+            </a:extLst>
+          </p:cNvPr>
+          <p:cNvSpPr>
+            <a:spLocks noGrp="1"/>
+          </p:cNvSpPr>
+          <p:nvPr>
+            <p:ph type="title"/>
+          </p:nvPr>
+        </p:nvSpPr>
+        <p:spPr>
+          <a:xfrm>
+            <a:off x="201827" y="420731"/>
+            <a:ext cx="5787082" cy="1325563"/>
+          </a:xfrm>
+        </p:spPr>
+        <p:txBody>
+          <a:bodyPr>
+            <a:normAutofit fontScale="90000"/>
+          </a:bodyPr>
+          <a:lstStyle/>
+          <a:p>
+            <a:r>
+              <a:rPr lang="es-ES" b="1" dirty="0">
+                <a:solidFill>
+                  <a:srgbClr val="00B050"/>
+                </a:solidFill>
+                <a:latin typeface="Tw Cen MT" panose="020B0602020104020603" pitchFamily="34" charset="0"/>
+              </a:rPr>
+              <a:t>Resultados. Comparación de codificaciones</a:t>
+            </a:r>
+          </a:p>
+        </p:txBody>
+      </p:sp>
+      <p:sp>
+        <p:nvSpPr>
+          <p:cNvPr id="4" name="Marcador de número de diapositiva 3">
+            <a:extLst>
+              <a:ext uri="{FF2B5EF4-FFF2-40B4-BE49-F238E27FC236}">
+                <a16:creationId xmlns:a16="http://schemas.microsoft.com/office/drawing/2014/main" id="{E3D38F79-488F-4F02-9EDD-95813B61925E}"/>
+              </a:ext>
+            </a:extLst>
+          </p:cNvPr>
+          <p:cNvSpPr>
+            <a:spLocks noGrp="1"/>
+          </p:cNvSpPr>
+          <p:nvPr>
+            <p:ph type="sldNum" sz="quarter" idx="12"/>
+          </p:nvPr>
+        </p:nvSpPr>
+        <p:spPr/>
+        <p:txBody>
+          <a:bodyPr/>
+          <a:lstStyle/>
+          <a:p>
+            <a:fld id="{272F2F88-97BC-4F31-BD69-5E536280A547}" type="slidenum">
+              <a:rPr lang="es-ES" smtClean="0"/>
+              <a:t>17</a:t>
+            </a:fld>
+            <a:endParaRPr lang="es-ES"/>
+          </a:p>
+        </p:txBody>
+      </p:sp>
+      <p:pic>
+        <p:nvPicPr>
+          <p:cNvPr id="12" name="Imagen 11" descr="Texto&#10;&#10;Descripción generada automáticamente con confianza baja">
+            <a:extLst>
+              <a:ext uri="{FF2B5EF4-FFF2-40B4-BE49-F238E27FC236}">
+                <a16:creationId xmlns:a16="http://schemas.microsoft.com/office/drawing/2014/main" id="{1CD449F5-6F1B-4202-A549-4F0FDD989C47}"/>
+              </a:ext>
+            </a:extLst>
+          </p:cNvPr>
+          <p:cNvPicPr>
+            <a:picLocks noChangeAspect="1"/>
+          </p:cNvPicPr>
+          <p:nvPr/>
+        </p:nvPicPr>
+        <p:blipFill rotWithShape="1">
+          <a:blip r:embed="rId2">
+            <a:extLst>
+              <a:ext uri="{28A0092B-C50C-407E-A947-70E740481C1C}">
+                <a14:useLocalDpi xmlns:a14="http://schemas.microsoft.com/office/drawing/2010/main" val="0"/>
+              </a:ext>
+            </a:extLst>
+          </a:blip>
+          <a:srcRect l="50078" t="2862" b="49039"/>
+          <a:stretch/>
+        </p:blipFill>
+        <p:spPr>
+          <a:xfrm>
+            <a:off x="7480" y="3762630"/>
+            <a:ext cx="5981430" cy="2905119"/>
+          </a:xfrm>
+          <a:prstGeom prst="rect">
+            <a:avLst/>
+          </a:prstGeom>
+        </p:spPr>
+      </p:pic>
+      <p:pic>
+        <p:nvPicPr>
+          <p:cNvPr id="13" name="Imagen 12">
+            <a:extLst>
+              <a:ext uri="{FF2B5EF4-FFF2-40B4-BE49-F238E27FC236}">
+                <a16:creationId xmlns:a16="http://schemas.microsoft.com/office/drawing/2014/main" id="{556B36E5-35DD-43AF-854B-9B87AA89A571}"/>
+              </a:ext>
+            </a:extLst>
+          </p:cNvPr>
+          <p:cNvPicPr>
+            <a:picLocks noChangeAspect="1"/>
+          </p:cNvPicPr>
+          <p:nvPr/>
+        </p:nvPicPr>
+        <p:blipFill rotWithShape="1">
+          <a:blip r:embed="rId3">
+            <a:extLst>
+              <a:ext uri="{28A0092B-C50C-407E-A947-70E740481C1C}">
+                <a14:useLocalDpi xmlns:a14="http://schemas.microsoft.com/office/drawing/2010/main" val="0"/>
+              </a:ext>
+            </a:extLst>
+          </a:blip>
+          <a:srcRect l="49889" t="3093" r="-93" b="48453"/>
+          <a:stretch/>
+        </p:blipFill>
+        <p:spPr>
+          <a:xfrm>
+            <a:off x="6116443" y="3750983"/>
+            <a:ext cx="6137720" cy="2916767"/>
+          </a:xfrm>
+          <a:prstGeom prst="rect">
+            <a:avLst/>
+          </a:prstGeom>
+        </p:spPr>
+      </p:pic>
+      <p:pic>
+        <p:nvPicPr>
+          <p:cNvPr id="14" name="Imagen 13">
+            <a:extLst>
+              <a:ext uri="{FF2B5EF4-FFF2-40B4-BE49-F238E27FC236}">
+                <a16:creationId xmlns:a16="http://schemas.microsoft.com/office/drawing/2014/main" id="{4F75ED10-BC63-4C64-9158-EBB9F61B2BC9}"/>
+              </a:ext>
+            </a:extLst>
+          </p:cNvPr>
+          <p:cNvPicPr>
+            <a:picLocks noChangeAspect="1"/>
+          </p:cNvPicPr>
+          <p:nvPr/>
+        </p:nvPicPr>
+        <p:blipFill rotWithShape="1">
+          <a:blip r:embed="rId4">
+            <a:extLst>
+              <a:ext uri="{28A0092B-C50C-407E-A947-70E740481C1C}">
+                <a14:useLocalDpi xmlns:a14="http://schemas.microsoft.com/office/drawing/2010/main" val="0"/>
+              </a:ext>
+            </a:extLst>
+          </a:blip>
+          <a:srcRect l="50019" t="3094" r="311" b="48345"/>
+          <a:stretch/>
+        </p:blipFill>
+        <p:spPr>
+          <a:xfrm>
+            <a:off x="6096000" y="414907"/>
+            <a:ext cx="6042454" cy="2916767"/>
+          </a:xfrm>
+          <a:prstGeom prst="rect">
+            <a:avLst/>
+          </a:prstGeom>
+        </p:spPr>
+      </p:pic>
+      <p:sp>
+        <p:nvSpPr>
+          <p:cNvPr id="15" name="Título 1">
+            <a:extLst>
+              <a:ext uri="{FF2B5EF4-FFF2-40B4-BE49-F238E27FC236}">
+                <a16:creationId xmlns:a16="http://schemas.microsoft.com/office/drawing/2014/main" id="{CC2187E0-1776-4D0E-A3B9-377B6DCA3BB1}"/>
+              </a:ext>
+            </a:extLst>
+          </p:cNvPr>
+          <p:cNvSpPr txBox="1">
+            <a:spLocks/>
+          </p:cNvSpPr>
+          <p:nvPr/>
+        </p:nvSpPr>
+        <p:spPr>
+          <a:xfrm>
+            <a:off x="2209800" y="3412560"/>
+            <a:ext cx="1771136" cy="362101"/>
+          </a:xfrm>
+          <a:prstGeom prst="rect">
+            <a:avLst/>
+          </a:prstGeom>
+        </p:spPr>
+        <p:txBody>
+          <a:bodyPr vert="horz" lIns="91440" tIns="45720" rIns="91440" bIns="45720" rtlCol="0" anchor="ctr">
+            <a:normAutofit fontScale="97500" lnSpcReduction="10000"/>
+          </a:bodyPr>
+          <a:lstStyle>
+            <a:lvl1pPr algn="l" defTabSz="914400" rtl="0" eaLnBrk="1" latinLnBrk="0" hangingPunct="1">
+              <a:lnSpc>
+                <a:spcPct val="90000"/>
+              </a:lnSpc>
+              <a:spcBef>
+                <a:spcPct val="0"/>
+              </a:spcBef>
+              <a:buNone/>
+              <a:defRPr sz="4400" kern="1200">
+                <a:solidFill>
+                  <a:schemeClr val="tx1"/>
+                </a:solidFill>
+                <a:latin typeface="+mj-lt"/>
+                <a:ea typeface="+mj-ea"/>
+                <a:cs typeface="+mj-cs"/>
+              </a:defRPr>
+            </a:lvl1pPr>
+          </a:lstStyle>
+          <a:p>
+            <a:r>
+              <a:rPr lang="es-ES" sz="2000" b="1" u="sng" dirty="0">
+                <a:solidFill>
+                  <a:srgbClr val="00B050"/>
+                </a:solidFill>
+                <a:latin typeface="Tw Cen MT" panose="020B0602020104020603" pitchFamily="34" charset="0"/>
+              </a:rPr>
+              <a:t>Codificación A</a:t>
+            </a:r>
+          </a:p>
+        </p:txBody>
+      </p:sp>
+      <p:sp>
+        <p:nvSpPr>
+          <p:cNvPr id="16" name="Título 1">
+            <a:extLst>
+              <a:ext uri="{FF2B5EF4-FFF2-40B4-BE49-F238E27FC236}">
+                <a16:creationId xmlns:a16="http://schemas.microsoft.com/office/drawing/2014/main" id="{4F2805CB-4851-418B-91D3-71704D51B6F1}"/>
+              </a:ext>
+            </a:extLst>
+          </p:cNvPr>
+          <p:cNvSpPr txBox="1">
+            <a:spLocks/>
+          </p:cNvSpPr>
+          <p:nvPr/>
+        </p:nvSpPr>
+        <p:spPr>
+          <a:xfrm>
+            <a:off x="8388069" y="3412561"/>
+            <a:ext cx="1771136" cy="362101"/>
+          </a:xfrm>
+          <a:prstGeom prst="rect">
+            <a:avLst/>
+          </a:prstGeom>
+        </p:spPr>
+        <p:txBody>
+          <a:bodyPr vert="horz" lIns="91440" tIns="45720" rIns="91440" bIns="45720" rtlCol="0" anchor="ctr">
+            <a:normAutofit fontScale="97500" lnSpcReduction="10000"/>
+          </a:bodyPr>
+          <a:lstStyle>
+            <a:lvl1pPr algn="l" defTabSz="914400" rtl="0" eaLnBrk="1" latinLnBrk="0" hangingPunct="1">
+              <a:lnSpc>
+                <a:spcPct val="90000"/>
+              </a:lnSpc>
+              <a:spcBef>
+                <a:spcPct val="0"/>
+              </a:spcBef>
+              <a:buNone/>
+              <a:defRPr sz="4400" kern="1200">
+                <a:solidFill>
+                  <a:schemeClr val="tx1"/>
+                </a:solidFill>
+                <a:latin typeface="+mj-lt"/>
+                <a:ea typeface="+mj-ea"/>
+                <a:cs typeface="+mj-cs"/>
+              </a:defRPr>
+            </a:lvl1pPr>
+          </a:lstStyle>
+          <a:p>
+            <a:r>
+              <a:rPr lang="es-ES" sz="2000" u="sng" dirty="0">
+                <a:solidFill>
+                  <a:srgbClr val="00B050"/>
+                </a:solidFill>
+                <a:latin typeface="Tw Cen MT" panose="020B0602020104020603" pitchFamily="34" charset="0"/>
+              </a:rPr>
+              <a:t>Codificación C</a:t>
+            </a:r>
+          </a:p>
+        </p:txBody>
+      </p:sp>
+      <p:sp>
+        <p:nvSpPr>
+          <p:cNvPr id="17" name="Título 1">
+            <a:extLst>
+              <a:ext uri="{FF2B5EF4-FFF2-40B4-BE49-F238E27FC236}">
+                <a16:creationId xmlns:a16="http://schemas.microsoft.com/office/drawing/2014/main" id="{070C12BF-4120-4467-85A0-F6D9EEAF9746}"/>
+              </a:ext>
+            </a:extLst>
+          </p:cNvPr>
+          <p:cNvSpPr txBox="1">
+            <a:spLocks/>
+          </p:cNvSpPr>
+          <p:nvPr/>
+        </p:nvSpPr>
+        <p:spPr>
+          <a:xfrm>
+            <a:off x="8299735" y="81166"/>
+            <a:ext cx="1771136" cy="362101"/>
+          </a:xfrm>
+          <a:prstGeom prst="rect">
+            <a:avLst/>
+          </a:prstGeom>
+        </p:spPr>
+        <p:txBody>
+          <a:bodyPr vert="horz" lIns="91440" tIns="45720" rIns="91440" bIns="45720" rtlCol="0" anchor="ctr">
+            <a:normAutofit fontScale="97500" lnSpcReduction="10000"/>
+          </a:bodyPr>
+          <a:lstStyle>
+            <a:lvl1pPr algn="l" defTabSz="914400" rtl="0" eaLnBrk="1" latinLnBrk="0" hangingPunct="1">
+              <a:lnSpc>
+                <a:spcPct val="90000"/>
+              </a:lnSpc>
+              <a:spcBef>
+                <a:spcPct val="0"/>
+              </a:spcBef>
+              <a:buNone/>
+              <a:defRPr sz="4400" kern="1200">
+                <a:solidFill>
+                  <a:schemeClr val="tx1"/>
+                </a:solidFill>
+                <a:latin typeface="+mj-lt"/>
+                <a:ea typeface="+mj-ea"/>
+                <a:cs typeface="+mj-cs"/>
+              </a:defRPr>
+            </a:lvl1pPr>
+          </a:lstStyle>
+          <a:p>
+            <a:r>
+              <a:rPr lang="es-ES" sz="2000" u="sng" dirty="0">
+                <a:solidFill>
+                  <a:srgbClr val="00B050"/>
+                </a:solidFill>
+                <a:latin typeface="Tw Cen MT" panose="020B0602020104020603" pitchFamily="34" charset="0"/>
+              </a:rPr>
+              <a:t>Codificación B</a:t>
+            </a:r>
+          </a:p>
+        </p:txBody>
+      </p:sp>
+      <p:sp>
+        <p:nvSpPr>
+          <p:cNvPr id="18" name="CuadroTexto 17">
+            <a:extLst>
+              <a:ext uri="{FF2B5EF4-FFF2-40B4-BE49-F238E27FC236}">
+                <a16:creationId xmlns:a16="http://schemas.microsoft.com/office/drawing/2014/main" id="{6A7E27A3-B6C6-4563-8CDF-5B288298EB9B}"/>
+              </a:ext>
+            </a:extLst>
+          </p:cNvPr>
+          <p:cNvSpPr txBox="1"/>
+          <p:nvPr/>
+        </p:nvSpPr>
+        <p:spPr>
+          <a:xfrm>
+            <a:off x="546677" y="2009586"/>
+            <a:ext cx="5097382" cy="646331"/>
+          </a:xfrm>
+          <a:prstGeom prst="rect">
+            <a:avLst/>
+          </a:prstGeom>
+          <a:noFill/>
+        </p:spPr>
+        <p:txBody>
+          <a:bodyPr wrap="square" rtlCol="0">
+            <a:spAutoFit/>
+          </a:bodyPr>
+          <a:lstStyle/>
+          <a:p>
+            <a:r>
+              <a:rPr lang="es-ES" dirty="0" err="1"/>
+              <a:t>Hiperparámetros</a:t>
+            </a:r>
+            <a:r>
+              <a:rPr lang="es-ES" dirty="0"/>
+              <a:t> establecidos por el estimador </a:t>
+            </a:r>
+            <a:r>
+              <a:rPr lang="es-ES" b="1" i="1" dirty="0"/>
+              <a:t>auto</a:t>
+            </a:r>
+          </a:p>
+          <a:p>
+            <a:pPr algn="ctr"/>
+            <a:r>
+              <a:rPr lang="es-ES" dirty="0"/>
+              <a:t>N = 100</a:t>
+            </a:r>
+          </a:p>
+        </p:txBody>
+      </p:sp>
+    </p:spTree>
+    <p:extLst>
+      <p:ext uri="{BB962C8B-B14F-4D97-AF65-F5344CB8AC3E}">
+        <p14:creationId xmlns:p14="http://schemas.microsoft.com/office/powerpoint/2010/main" val="848113142"/>
+      </p:ext>
+    </p:extLst>
+  </p:cSld>
+  <p:clrMapOvr>
+    <a:masterClrMapping/>
+  </p:clrMapOvr>
+</p:sld>
+</file>
+
+<file path=ppt/slides/slide18.xml><?xml version="1.0" encoding="utf-8"?>
+<p:sld xmlns:a="http://schemas.openxmlformats.org/drawingml/2006/main" xmlns:r="http://schemas.openxmlformats.org/officeDocument/2006/relationships" xmlns:p="http://schemas.openxmlformats.org/presentationml/2006/main">
+  <p:cSld>
+    <p:spTree>
+      <p:nvGrpSpPr>
+        <p:cNvPr id="1" name=""/>
+        <p:cNvGrpSpPr/>
+        <p:nvPr/>
+      </p:nvGrpSpPr>
+      <p:grpSpPr>
+        <a:xfrm>
+          <a:off x="0" y="0"/>
+          <a:ext cx="0" cy="0"/>
+          <a:chOff x="0" y="0"/>
+          <a:chExt cx="0" cy="0"/>
+        </a:xfrm>
+      </p:grpSpPr>
+      <p:sp>
+        <p:nvSpPr>
+          <p:cNvPr id="2" name="Título 1">
+            <a:extLst>
+              <a:ext uri="{FF2B5EF4-FFF2-40B4-BE49-F238E27FC236}">
                 <a16:creationId xmlns:a16="http://schemas.microsoft.com/office/drawing/2014/main" id="{816F1A01-9436-41B4-A6F9-8991C94DC209}"/>
               </a:ext>
             </a:extLst>
@@ -5020,6 +8111,27 @@
           <a:lstStyle/>
           <a:p>
             <a:pPr algn="just"/>
+            <a:r>
+              <a:rPr lang="es-ES" dirty="0">
+                <a:latin typeface="Tw Cen MT" panose="020B0602020104020603" pitchFamily="34" charset="0"/>
+              </a:rPr>
+              <a:t>Establecer una buena codificación del problema</a:t>
+            </a:r>
+          </a:p>
+          <a:p>
+            <a:pPr algn="just"/>
+            <a:r>
+              <a:rPr lang="es-ES" dirty="0">
+                <a:latin typeface="Tw Cen MT" panose="020B0602020104020603" pitchFamily="34" charset="0"/>
+              </a:rPr>
+              <a:t>Realizar una búsqueda de </a:t>
+            </a:r>
+            <a:r>
+              <a:rPr lang="es-ES" dirty="0" err="1">
+                <a:latin typeface="Tw Cen MT" panose="020B0602020104020603" pitchFamily="34" charset="0"/>
+              </a:rPr>
+              <a:t>hiperparámetros</a:t>
+            </a:r>
             <a:endParaRPr lang="es-ES" dirty="0">
               <a:latin typeface="Tw Cen MT" panose="020B0602020104020603" pitchFamily="34" charset="0"/>
             </a:endParaRPr>
@@ -5049,7 +8161,7 @@
           <a:p>
             <a:fld id="{272F2F88-97BC-4F31-BD69-5E536280A547}" type="slidenum">
               <a:rPr lang="es-ES" smtClean="0"/>
-              <a:t>10</a:t>
+              <a:t>18</a:t>
             </a:fld>
             <a:endParaRPr lang="es-ES"/>
           </a:p>
@@ -5068,7 +8180,7 @@
 </p:sld>
 </file>
 
-<file path=ppt/slides/slide11.xml><?xml version="1.0" encoding="utf-8"?>
+<file path=ppt/slides/slide19.xml><?xml version="1.0" encoding="utf-8"?>
 <p:sld xmlns:a="http://schemas.openxmlformats.org/drawingml/2006/main" xmlns:r="http://schemas.openxmlformats.org/officeDocument/2006/relationships" xmlns:p="http://schemas.openxmlformats.org/presentationml/2006/main">
   <p:cSld>
     <p:spTree>
@@ -5107,17 +8219,377 @@
           <a:lstStyle/>
           <a:p>
             <a:r>
-              <a:rPr lang="es-ES" b="1">
+              <a:rPr lang="es-ES" b="1" dirty="0">
                 <a:solidFill>
                   <a:srgbClr val="00B050"/>
                 </a:solidFill>
-                <a:latin typeface="Tw Cen MT" panose="020B0602020104020603" pitchFamily="34" charset="0"/>
+                <a:latin typeface="Tw Cen MT"/>
               </a:rPr>
-              <a:t>Referencias</a:t>
-            </a:r>
+              <a:t>Trabajo Futuro</a:t>
+            </a:r>
+            <a:endParaRPr lang="es-ES" b="1" dirty="0">
+              <a:solidFill>
+                <a:srgbClr val="00B050"/>
+              </a:solidFill>
+              <a:latin typeface="Tw Cen MT" panose="020B0602020104020603" pitchFamily="34" charset="0"/>
+            </a:endParaRPr>
           </a:p>
         </p:txBody>
       </p:sp>
+      <mc:AlternateContent xmlns:mc="http://schemas.openxmlformats.org/markup-compatibility/2006" xmlns:a14="http://schemas.microsoft.com/office/drawing/2010/main">
+        <mc:Choice Requires="a14">
+          <p:sp>
+            <p:nvSpPr>
+              <p:cNvPr id="3" name="Marcador de contenido 2">
+                <a:extLst>
+                  <a:ext uri="{FF2B5EF4-FFF2-40B4-BE49-F238E27FC236}">
+                    <a16:creationId xmlns:a16="http://schemas.microsoft.com/office/drawing/2014/main" id="{19A6E88C-3FA0-4CCB-88C1-BFFB28F58D91}"/>
+                  </a:ext>
+                </a:extLst>
+              </p:cNvPr>
+              <p:cNvSpPr>
+                <a:spLocks noGrp="1"/>
+              </p:cNvSpPr>
+              <p:nvPr>
+                <p:ph idx="1"/>
+              </p:nvPr>
+            </p:nvSpPr>
+            <p:spPr>
+              <a:xfrm>
+                <a:off x="838200" y="1825625"/>
+                <a:ext cx="11044540" cy="4351338"/>
+              </a:xfrm>
+            </p:spPr>
+            <p:txBody>
+              <a:bodyPr vert="horz" lIns="91440" tIns="45720" rIns="91440" bIns="45720" rtlCol="0" anchor="t">
+                <a:normAutofit/>
+              </a:bodyPr>
+              <a:lstStyle/>
+              <a:p>
+                <a:pPr algn="just"/>
+                <a:r>
+                  <a:rPr lang="es-ES" dirty="0">
+                    <a:latin typeface="Tw Cen MT" panose="020B0602020104020603" pitchFamily="34" charset="0"/>
+                  </a:rPr>
+                  <a:t>Coste actual de evaluación es </a:t>
+                </a:r>
+                <a14:m>
+                  <m:oMath xmlns:m="http://schemas.openxmlformats.org/officeDocument/2006/math">
+                    <m:r>
+                      <a:rPr lang="es-ES" b="0" i="1" smtClean="0">
+                        <a:latin typeface="Cambria Math" panose="02040503050406030204" pitchFamily="18" charset="0"/>
+                      </a:rPr>
+                      <m:t>𝑂</m:t>
+                    </m:r>
+                    <m:d>
+                      <m:dPr>
+                        <m:ctrlPr>
+                          <a:rPr lang="es-ES" b="0" i="1" smtClean="0">
+                            <a:latin typeface="Cambria Math" panose="02040503050406030204" pitchFamily="18" charset="0"/>
+                          </a:rPr>
+                        </m:ctrlPr>
+                      </m:dPr>
+                      <m:e>
+                        <m:sSup>
+                          <m:sSupPr>
+                            <m:ctrlPr>
+                              <a:rPr lang="es-ES" b="0" i="1" smtClean="0">
+                                <a:latin typeface="Cambria Math" panose="02040503050406030204" pitchFamily="18" charset="0"/>
+                              </a:rPr>
+                            </m:ctrlPr>
+                          </m:sSupPr>
+                          <m:e>
+                            <m:r>
+                              <a:rPr lang="es-ES" b="0" i="1" smtClean="0">
+                                <a:latin typeface="Cambria Math" panose="02040503050406030204" pitchFamily="18" charset="0"/>
+                              </a:rPr>
+                              <m:t>𝑁</m:t>
+                            </m:r>
+                          </m:e>
+                          <m:sup>
+                            <m:r>
+                              <a:rPr lang="es-ES" b="0" i="1" smtClean="0">
+                                <a:latin typeface="Cambria Math" panose="02040503050406030204" pitchFamily="18" charset="0"/>
+                              </a:rPr>
+                              <m:t>2</m:t>
+                            </m:r>
+                          </m:sup>
+                        </m:sSup>
+                      </m:e>
+                    </m:d>
+                  </m:oMath>
+                </a14:m>
+                <a:endParaRPr lang="es-ES" b="0" dirty="0">
+                  <a:latin typeface="Tw Cen MT" panose="020B0602020104020603" pitchFamily="34" charset="0"/>
+                </a:endParaRPr>
+              </a:p>
+              <a:p>
+                <a:pPr lvl="1" algn="just"/>
+                <a:r>
+                  <a:rPr lang="es-ES" dirty="0">
+                    <a:latin typeface="Tw Cen MT" panose="020B0602020104020603" pitchFamily="34" charset="0"/>
+                  </a:rPr>
+                  <a:t>Para cada reina evaluar sus colisiones siguientes</a:t>
+                </a:r>
+              </a:p>
+              <a:p>
+                <a:pPr algn="just"/>
+                <a:r>
+                  <a:rPr lang="es-ES" dirty="0">
+                    <a:latin typeface="Tw Cen MT" panose="020B0602020104020603" pitchFamily="34" charset="0"/>
+                  </a:rPr>
+                  <a:t>Se podría conseguir coste </a:t>
+                </a:r>
+                <a14:m>
+                  <m:oMath xmlns:m="http://schemas.openxmlformats.org/officeDocument/2006/math">
+                    <m:r>
+                      <a:rPr lang="es-ES" b="0" i="1" smtClean="0">
+                        <a:latin typeface="Cambria Math" panose="02040503050406030204" pitchFamily="18" charset="0"/>
+                      </a:rPr>
+                      <m:t>𝑂</m:t>
+                    </m:r>
+                    <m:d>
+                      <m:dPr>
+                        <m:ctrlPr>
+                          <a:rPr lang="es-ES" b="0" i="1" smtClean="0">
+                            <a:latin typeface="Cambria Math" panose="02040503050406030204" pitchFamily="18" charset="0"/>
+                          </a:rPr>
+                        </m:ctrlPr>
+                      </m:dPr>
+                      <m:e>
+                        <m:r>
+                          <a:rPr lang="es-ES" b="0" i="1" smtClean="0">
+                            <a:latin typeface="Cambria Math" panose="02040503050406030204" pitchFamily="18" charset="0"/>
+                          </a:rPr>
+                          <m:t>𝑁</m:t>
+                        </m:r>
+                      </m:e>
+                    </m:d>
+                  </m:oMath>
+                </a14:m>
+                <a:endParaRPr lang="es-ES" b="0" dirty="0">
+                  <a:latin typeface="Tw Cen MT" panose="020B0602020104020603" pitchFamily="34" charset="0"/>
+                </a:endParaRPr>
+              </a:p>
+              <a:p>
+                <a:pPr lvl="1" algn="just"/>
+                <a:r>
+                  <a:rPr lang="es-ES" dirty="0">
+                    <a:latin typeface="Tw Cen MT" panose="020B0602020104020603" pitchFamily="34" charset="0"/>
+                  </a:rPr>
+                  <a:t>Tablero </a:t>
+                </a:r>
+                <a:r>
+                  <a:rPr lang="es-ES" dirty="0" err="1">
+                    <a:latin typeface="Tw Cen MT" panose="020B0602020104020603" pitchFamily="34" charset="0"/>
+                  </a:rPr>
+                  <a:t>NxN</a:t>
+                </a:r>
+                <a:r>
+                  <a:rPr lang="es-ES" dirty="0">
+                    <a:latin typeface="Tw Cen MT" panose="020B0602020104020603" pitchFamily="34" charset="0"/>
+                  </a:rPr>
+                  <a:t> tiene </a:t>
+                </a:r>
+                <a14:m>
+                  <m:oMath xmlns:m="http://schemas.openxmlformats.org/officeDocument/2006/math">
+                    <m:r>
+                      <a:rPr lang="es-ES" b="0" i="0" smtClean="0">
+                        <a:latin typeface="Cambria Math" panose="02040503050406030204" pitchFamily="18" charset="0"/>
+                      </a:rPr>
+                      <m:t>2(</m:t>
+                    </m:r>
+                    <m:r>
+                      <a:rPr lang="es-ES" b="0" i="1" smtClean="0">
+                        <a:latin typeface="Cambria Math" panose="02040503050406030204" pitchFamily="18" charset="0"/>
+                      </a:rPr>
+                      <m:t>2</m:t>
+                    </m:r>
+                    <m:r>
+                      <a:rPr lang="es-ES" b="0" i="1" smtClean="0">
+                        <a:latin typeface="Cambria Math" panose="02040503050406030204" pitchFamily="18" charset="0"/>
+                      </a:rPr>
+                      <m:t>𝑁</m:t>
+                    </m:r>
+                    <m:r>
+                      <a:rPr lang="es-ES" b="0" i="1" smtClean="0">
+                        <a:latin typeface="Cambria Math" panose="02040503050406030204" pitchFamily="18" charset="0"/>
+                      </a:rPr>
+                      <m:t>−1)</m:t>
+                    </m:r>
+                  </m:oMath>
+                </a14:m>
+                <a:r>
+                  <a:rPr lang="es-ES" dirty="0">
+                    <a:latin typeface="Tw Cen MT" panose="020B0602020104020603" pitchFamily="34" charset="0"/>
+                  </a:rPr>
+                  <a:t> diagonales</a:t>
+                </a:r>
+              </a:p>
+              <a:p>
+                <a:pPr lvl="1" algn="just"/>
+                <a:r>
+                  <a:rPr lang="es-ES" dirty="0">
+                    <a:latin typeface="Tw Cen MT" panose="020B0602020104020603" pitchFamily="34" charset="0"/>
+                  </a:rPr>
+                  <a:t>Calcular las colisiones por diagonal</a:t>
+                </a:r>
+              </a:p>
+              <a:p>
+                <a:pPr lvl="1" algn="just"/>
+                <a:r>
+                  <a:rPr lang="es-ES" dirty="0">
+                    <a:latin typeface="Tw Cen MT" panose="020B0602020104020603" pitchFamily="34" charset="0"/>
+                  </a:rPr>
+                  <a:t>Detalles específicos de codificación:</a:t>
+                </a:r>
+              </a:p>
+              <a:p>
+                <a:pPr lvl="2" algn="just"/>
+                <a:r>
+                  <a:rPr lang="es-ES" dirty="0">
+                    <a:latin typeface="Tw Cen MT" panose="020B0602020104020603" pitchFamily="34" charset="0"/>
+                  </a:rPr>
+                  <a:t>d_1[2N-1]={-1,..,-1}, d_2[2N-1]={-1,..,-1}</a:t>
+                </a:r>
+              </a:p>
+              <a:p>
+                <a:pPr lvl="2" algn="just"/>
+                <a:r>
+                  <a:rPr lang="es-ES" dirty="0" err="1">
+                    <a:latin typeface="Tw Cen MT" panose="020B0602020104020603" pitchFamily="34" charset="0"/>
+                  </a:rPr>
+                  <a:t>for</a:t>
+                </a:r>
+                <a:r>
+                  <a:rPr lang="es-ES" dirty="0">
+                    <a:latin typeface="Tw Cen MT" panose="020B0602020104020603" pitchFamily="34" charset="0"/>
+                  </a:rPr>
+                  <a:t> r in solución:</a:t>
+                </a:r>
+              </a:p>
+              <a:p>
+                <a:pPr lvl="3" algn="just"/>
+                <a:r>
+                  <a:rPr lang="es-ES" dirty="0">
+                    <a:latin typeface="Tw Cen MT" panose="020B0602020104020603" pitchFamily="34" charset="0"/>
+                  </a:rPr>
+                  <a:t>d_1[</a:t>
+                </a:r>
+                <a:r>
+                  <a:rPr lang="es-ES" dirty="0" err="1">
+                    <a:latin typeface="Tw Cen MT" panose="020B0602020104020603" pitchFamily="34" charset="0"/>
+                  </a:rPr>
+                  <a:t>r.i</a:t>
+                </a:r>
+                <a:r>
+                  <a:rPr lang="es-ES" dirty="0">
+                    <a:latin typeface="Tw Cen MT" panose="020B0602020104020603" pitchFamily="34" charset="0"/>
+                  </a:rPr>
+                  <a:t> – </a:t>
+                </a:r>
+                <a:r>
+                  <a:rPr lang="es-ES" dirty="0" err="1">
+                    <a:latin typeface="Tw Cen MT" panose="020B0602020104020603" pitchFamily="34" charset="0"/>
+                  </a:rPr>
+                  <a:t>r.j</a:t>
+                </a:r>
+                <a:r>
+                  <a:rPr lang="es-ES" dirty="0">
+                    <a:latin typeface="Tw Cen MT" panose="020B0602020104020603" pitchFamily="34" charset="0"/>
+                  </a:rPr>
+                  <a:t>] += 1</a:t>
+                </a:r>
+              </a:p>
+              <a:p>
+                <a:pPr lvl="3" algn="just"/>
+                <a:r>
+                  <a:rPr lang="es-ES" dirty="0">
+                    <a:latin typeface="Tw Cen MT" panose="020B0602020104020603" pitchFamily="34" charset="0"/>
+                  </a:rPr>
+                  <a:t>d_2[</a:t>
+                </a:r>
+                <a:r>
+                  <a:rPr lang="es-ES" dirty="0" err="1">
+                    <a:latin typeface="Tw Cen MT" panose="020B0602020104020603" pitchFamily="34" charset="0"/>
+                  </a:rPr>
+                  <a:t>r.j</a:t>
+                </a:r>
+                <a:r>
+                  <a:rPr lang="es-ES" dirty="0">
+                    <a:latin typeface="Tw Cen MT" panose="020B0602020104020603" pitchFamily="34" charset="0"/>
+                  </a:rPr>
+                  <a:t> – </a:t>
+                </a:r>
+                <a:r>
+                  <a:rPr lang="es-ES" dirty="0" err="1">
+                    <a:latin typeface="Tw Cen MT" panose="020B0602020104020603" pitchFamily="34" charset="0"/>
+                  </a:rPr>
+                  <a:t>r.i</a:t>
+                </a:r>
+                <a:r>
+                  <a:rPr lang="es-ES" dirty="0">
+                    <a:latin typeface="Tw Cen MT" panose="020B0602020104020603" pitchFamily="34" charset="0"/>
+                  </a:rPr>
+                  <a:t>] += 1</a:t>
+                </a:r>
+              </a:p>
+              <a:p>
+                <a:pPr lvl="2" algn="just"/>
+                <a:r>
+                  <a:rPr lang="es-ES" dirty="0">
+                    <a:latin typeface="Tw Cen MT" panose="020B0602020104020603" pitchFamily="34" charset="0"/>
+                  </a:rPr>
+                  <a:t>colisiones = valores de d_1 y d_2 mayores que 0</a:t>
+                </a:r>
+              </a:p>
+            </p:txBody>
+          </p:sp>
+        </mc:Choice>
+        <mc:Fallback xmlns="">
+          <p:sp>
+            <p:nvSpPr>
+              <p:cNvPr id="3" name="Marcador de contenido 2">
+                <a:extLst>
+                  <a:ext uri="{FF2B5EF4-FFF2-40B4-BE49-F238E27FC236}">
+                    <a16:creationId xmlns:a16="http://schemas.microsoft.com/office/drawing/2014/main" id="{19A6E88C-3FA0-4CCB-88C1-BFFB28F58D91}"/>
+                  </a:ext>
+                </a:extLst>
+              </p:cNvPr>
+              <p:cNvSpPr>
+                <a:spLocks noGrp="1" noRot="1" noChangeAspect="1" noMove="1" noResize="1" noEditPoints="1" noAdjustHandles="1" noChangeArrowheads="1" noChangeShapeType="1" noTextEdit="1"/>
+              </p:cNvSpPr>
+              <p:nvPr>
+                <p:ph idx="1"/>
+              </p:nvPr>
+            </p:nvSpPr>
+            <p:spPr>
+              <a:xfrm>
+                <a:off x="838200" y="1825625"/>
+                <a:ext cx="11044540" cy="4351338"/>
+              </a:xfrm>
+              <a:blipFill>
+                <a:blip r:embed="rId2"/>
+                <a:stretch>
+                  <a:fillRect l="-994" t="-2381"/>
+                </a:stretch>
+              </a:blipFill>
+            </p:spPr>
+            <p:txBody>
+              <a:bodyPr/>
+              <a:lstStyle/>
+              <a:p>
+                <a:r>
+                  <a:rPr lang="es-ES">
+                    <a:noFill/>
+                  </a:rPr>
+                  <a:t> </a:t>
+                </a:r>
+              </a:p>
+            </p:txBody>
+          </p:sp>
+        </mc:Fallback>
+      </mc:AlternateContent>
       <p:sp>
         <p:nvSpPr>
           <p:cNvPr id="4" name="Marcador de número de diapositiva 3">
@@ -5141,334 +8613,210 @@
           <a:p>
             <a:fld id="{272F2F88-97BC-4F31-BD69-5E536280A547}" type="slidenum">
               <a:rPr lang="es-ES" smtClean="0"/>
-              <a:t>11</a:t>
+              <a:t>19</a:t>
             </a:fld>
             <a:endParaRPr lang="es-ES"/>
           </a:p>
         </p:txBody>
       </p:sp>
-      <p:sp>
-        <p:nvSpPr>
-          <p:cNvPr id="11" name="Marcador de contenido 2">
+      <p:pic>
+        <p:nvPicPr>
+          <p:cNvPr id="5" name="Imagen 4">
             <a:extLst>
               <a:ext uri="{FF2B5EF4-FFF2-40B4-BE49-F238E27FC236}">
-                <a16:creationId xmlns:a16="http://schemas.microsoft.com/office/drawing/2014/main" id="{54D7115D-7C7B-4C1E-B25C-6EC7EA977CB0}"/>
+                <a16:creationId xmlns:a16="http://schemas.microsoft.com/office/drawing/2014/main" id="{7F2A4A35-3826-405D-9548-387FD7CB0796}"/>
               </a:ext>
             </a:extLst>
           </p:cNvPr>
-          <p:cNvSpPr>
-            <a:spLocks noGrp="1"/>
-          </p:cNvSpPr>
-          <p:nvPr>
-            <p:ph idx="1"/>
-          </p:nvPr>
+          <p:cNvPicPr>
+            <a:picLocks noChangeAspect="1"/>
+          </p:cNvPicPr>
+          <p:nvPr/>
+        </p:nvPicPr>
+        <p:blipFill>
+          <a:blip r:embed="rId3"/>
+          <a:stretch>
+            <a:fillRect/>
+          </a:stretch>
+        </p:blipFill>
+        <p:spPr>
+          <a:xfrm>
+            <a:off x="8059876" y="1857719"/>
+            <a:ext cx="3687111" cy="3694320"/>
+          </a:xfrm>
+          <a:prstGeom prst="rect">
+            <a:avLst/>
+          </a:prstGeom>
+        </p:spPr>
+      </p:pic>
+      <p:cxnSp>
+        <p:nvCxnSpPr>
+          <p:cNvPr id="7" name="Conector recto de flecha 6">
+            <a:extLst>
+              <a:ext uri="{FF2B5EF4-FFF2-40B4-BE49-F238E27FC236}">
+                <a16:creationId xmlns:a16="http://schemas.microsoft.com/office/drawing/2014/main" id="{8EA400B9-ED99-4AD5-B34A-0CEE529E886A}"/>
+              </a:ext>
+            </a:extLst>
+          </p:cNvPr>
+          <p:cNvCxnSpPr/>
+          <p:nvPr/>
+        </p:nvCxnSpPr>
+        <p:spPr>
+          <a:xfrm>
+            <a:off x="8121316" y="4559968"/>
+            <a:ext cx="932447" cy="938464"/>
+          </a:xfrm>
+          <a:prstGeom prst="straightConnector1">
+            <a:avLst/>
+          </a:prstGeom>
+          <a:ln w="28575">
+            <a:solidFill>
+              <a:srgbClr val="FF0000"/>
+            </a:solidFill>
+            <a:tailEnd type="triangle"/>
+          </a:ln>
+        </p:spPr>
+        <p:style>
+          <a:lnRef idx="1">
+            <a:schemeClr val="accent2"/>
+          </a:lnRef>
+          <a:fillRef idx="0">
+            <a:schemeClr val="accent2"/>
+          </a:fillRef>
+          <a:effectRef idx="0">
+            <a:schemeClr val="accent2"/>
+          </a:effectRef>
+          <a:fontRef idx="minor">
+            <a:schemeClr val="tx1"/>
+          </a:fontRef>
+        </p:style>
+      </p:cxnSp>
+      <p:cxnSp>
+        <p:nvCxnSpPr>
+          <p:cNvPr id="8" name="Conector recto de flecha 7">
+            <a:extLst>
+              <a:ext uri="{FF2B5EF4-FFF2-40B4-BE49-F238E27FC236}">
+                <a16:creationId xmlns:a16="http://schemas.microsoft.com/office/drawing/2014/main" id="{434631B5-0658-4FA9-AF79-2C0B282D9401}"/>
+              </a:ext>
+            </a:extLst>
+          </p:cNvPr>
+          <p:cNvCxnSpPr>
+            <a:cxnSpLocks/>
+          </p:cNvCxnSpPr>
+          <p:nvPr/>
+        </p:nvCxnSpPr>
+        <p:spPr>
+          <a:xfrm flipV="1">
+            <a:off x="8121316" y="1913021"/>
+            <a:ext cx="2009273" cy="1939089"/>
+          </a:xfrm>
+          <a:prstGeom prst="straightConnector1">
+            <a:avLst/>
+          </a:prstGeom>
+          <a:ln w="28575">
+            <a:solidFill>
+              <a:srgbClr val="FF0000"/>
+            </a:solidFill>
+            <a:tailEnd type="triangle"/>
+          </a:ln>
+        </p:spPr>
+        <p:style>
+          <a:lnRef idx="1">
+            <a:schemeClr val="accent2"/>
+          </a:lnRef>
+          <a:fillRef idx="0">
+            <a:schemeClr val="accent2"/>
+          </a:fillRef>
+          <a:effectRef idx="0">
+            <a:schemeClr val="accent2"/>
+          </a:effectRef>
+          <a:fontRef idx="minor">
+            <a:schemeClr val="tx1"/>
+          </a:fontRef>
+        </p:style>
+      </p:cxnSp>
+      <p:sp>
+        <p:nvSpPr>
+          <p:cNvPr id="10" name="CuadroTexto 9">
+            <a:extLst>
+              <a:ext uri="{FF2B5EF4-FFF2-40B4-BE49-F238E27FC236}">
+                <a16:creationId xmlns:a16="http://schemas.microsoft.com/office/drawing/2014/main" id="{CC1D3F00-DA3B-4256-A58A-3312479F6A80}"/>
+              </a:ext>
+            </a:extLst>
+          </p:cNvPr>
+          <p:cNvSpPr txBox="1"/>
+          <p:nvPr/>
         </p:nvSpPr>
         <p:spPr>
           <a:xfrm>
-            <a:off x="838200" y="1825625"/>
-            <a:ext cx="10515600" cy="4454151"/>
+            <a:off x="8610600" y="2568742"/>
+            <a:ext cx="661738" cy="369332"/>
           </a:xfrm>
+          <a:prstGeom prst="rect">
+            <a:avLst/>
+          </a:prstGeom>
+          <a:noFill/>
         </p:spPr>
         <p:txBody>
-          <a:bodyPr vert="horz" lIns="91440" tIns="45720" rIns="91440" bIns="45720" rtlCol="0" anchor="t">
-            <a:normAutofit/>
+          <a:bodyPr wrap="square" rtlCol="0">
+            <a:spAutoFit/>
           </a:bodyPr>
           <a:lstStyle/>
           <a:p>
             <a:r>
-              <a:rPr lang="es-ES" sz="1400" dirty="0">
-                <a:latin typeface="Tw Cen MT" panose="020B0602020104020603" pitchFamily="34" charset="0"/>
+              <a:rPr lang="es-ES" dirty="0">
+                <a:solidFill>
+                  <a:srgbClr val="FF0000"/>
+                </a:solidFill>
               </a:rPr>
-              <a:t>M. </a:t>
-            </a:r>
-            <a:r>
-              <a:rPr lang="es-ES" sz="1400" dirty="0" err="1">
-                <a:latin typeface="Tw Cen MT" panose="020B0602020104020603" pitchFamily="34" charset="0"/>
+              <a:t>d_2</a:t>
+            </a:r>
+          </a:p>
+        </p:txBody>
+      </p:sp>
+      <p:sp>
+        <p:nvSpPr>
+          <p:cNvPr id="11" name="CuadroTexto 10">
+            <a:extLst>
+              <a:ext uri="{FF2B5EF4-FFF2-40B4-BE49-F238E27FC236}">
+                <a16:creationId xmlns:a16="http://schemas.microsoft.com/office/drawing/2014/main" id="{DC1555BB-B342-417F-A4CE-AD131E98E84B}"/>
+              </a:ext>
+            </a:extLst>
+          </p:cNvPr>
+          <p:cNvSpPr txBox="1"/>
+          <p:nvPr/>
+        </p:nvSpPr>
+        <p:spPr>
+          <a:xfrm>
+            <a:off x="8079930" y="4971238"/>
+            <a:ext cx="661738" cy="369332"/>
+          </a:xfrm>
+          <a:prstGeom prst="rect">
+            <a:avLst/>
+          </a:prstGeom>
+          <a:noFill/>
+        </p:spPr>
+        <p:txBody>
+          <a:bodyPr wrap="square" rtlCol="0">
+            <a:spAutoFit/>
+          </a:bodyPr>
+          <a:lstStyle/>
+          <a:p>
+            <a:r>
+              <a:rPr lang="es-ES" dirty="0">
+                <a:solidFill>
+                  <a:srgbClr val="FF0000"/>
+                </a:solidFill>
               </a:rPr>
-              <a:t>Bezzel</a:t>
-            </a:r>
-            <a:r>
-              <a:rPr lang="es-ES" sz="1400" dirty="0">
-                <a:latin typeface="Tw Cen MT" panose="020B0602020104020603" pitchFamily="34" charset="0"/>
-              </a:rPr>
-              <a:t>, </a:t>
-            </a:r>
-            <a:r>
-              <a:rPr lang="es-ES" sz="1400" dirty="0" err="1">
-                <a:latin typeface="Tw Cen MT" panose="020B0602020104020603" pitchFamily="34" charset="0"/>
-              </a:rPr>
-              <a:t>Proposal</a:t>
-            </a:r>
-            <a:r>
-              <a:rPr lang="es-ES" sz="1400" dirty="0">
-                <a:latin typeface="Tw Cen MT" panose="020B0602020104020603" pitchFamily="34" charset="0"/>
-              </a:rPr>
-              <a:t> </a:t>
-            </a:r>
-            <a:r>
-              <a:rPr lang="es-ES" sz="1400" dirty="0" err="1">
-                <a:latin typeface="Tw Cen MT" panose="020B0602020104020603" pitchFamily="34" charset="0"/>
-              </a:rPr>
-              <a:t>of</a:t>
-            </a:r>
-            <a:r>
-              <a:rPr lang="es-ES" sz="1400" dirty="0">
-                <a:latin typeface="Tw Cen MT" panose="020B0602020104020603" pitchFamily="34" charset="0"/>
-              </a:rPr>
-              <a:t> 8-queens </a:t>
-            </a:r>
-            <a:r>
-              <a:rPr lang="es-ES" sz="1400" dirty="0" err="1">
-                <a:latin typeface="Tw Cen MT" panose="020B0602020104020603" pitchFamily="34" charset="0"/>
-              </a:rPr>
-              <a:t>problem</a:t>
-            </a:r>
-            <a:r>
-              <a:rPr lang="es-ES" sz="1400" dirty="0">
-                <a:latin typeface="Tw Cen MT" panose="020B0602020104020603" pitchFamily="34" charset="0"/>
-              </a:rPr>
-              <a:t>, </a:t>
-            </a:r>
-            <a:r>
-              <a:rPr lang="es-ES" sz="1400" dirty="0" err="1">
-                <a:latin typeface="Tw Cen MT" panose="020B0602020104020603" pitchFamily="34" charset="0"/>
-              </a:rPr>
-              <a:t>Berliner</a:t>
-            </a:r>
-            <a:r>
-              <a:rPr lang="es-ES" sz="1400" dirty="0">
-                <a:latin typeface="Tw Cen MT" panose="020B0602020104020603" pitchFamily="34" charset="0"/>
-              </a:rPr>
-              <a:t> </a:t>
-            </a:r>
-            <a:r>
-              <a:rPr lang="es-ES" sz="1400" dirty="0" err="1">
-                <a:latin typeface="Tw Cen MT" panose="020B0602020104020603" pitchFamily="34" charset="0"/>
-              </a:rPr>
-              <a:t>Schachzeitung</a:t>
-            </a:r>
-            <a:r>
-              <a:rPr lang="es-ES" sz="1400" dirty="0">
-                <a:latin typeface="Tw Cen MT" panose="020B0602020104020603" pitchFamily="34" charset="0"/>
-              </a:rPr>
-              <a:t> 3 (1848), 363. (</a:t>
-            </a:r>
-            <a:r>
-              <a:rPr lang="es-ES" sz="1400" dirty="0" err="1">
-                <a:latin typeface="Tw Cen MT" panose="020B0602020104020603" pitchFamily="34" charset="0"/>
-              </a:rPr>
-              <a:t>Submitted</a:t>
-            </a:r>
-            <a:r>
-              <a:rPr lang="es-ES" sz="1400" dirty="0">
-                <a:latin typeface="Tw Cen MT" panose="020B0602020104020603" pitchFamily="34" charset="0"/>
-              </a:rPr>
-              <a:t> </a:t>
-            </a:r>
-            <a:r>
-              <a:rPr lang="es-ES" sz="1400" dirty="0" err="1">
-                <a:latin typeface="Tw Cen MT" panose="020B0602020104020603" pitchFamily="34" charset="0"/>
-              </a:rPr>
-              <a:t>under</a:t>
-            </a:r>
-            <a:r>
-              <a:rPr lang="es-ES" sz="1400" dirty="0">
-                <a:latin typeface="Tw Cen MT" panose="020B0602020104020603" pitchFamily="34" charset="0"/>
-              </a:rPr>
-              <a:t> </a:t>
-            </a:r>
-            <a:r>
-              <a:rPr lang="es-ES" sz="1400" dirty="0" err="1">
-                <a:latin typeface="Tw Cen MT" panose="020B0602020104020603" pitchFamily="34" charset="0"/>
-              </a:rPr>
-              <a:t>the</a:t>
-            </a:r>
-            <a:r>
-              <a:rPr lang="es-ES" sz="1400" dirty="0">
-                <a:latin typeface="Tw Cen MT" panose="020B0602020104020603" pitchFamily="34" charset="0"/>
-              </a:rPr>
-              <a:t> </a:t>
-            </a:r>
-            <a:r>
-              <a:rPr lang="es-ES" sz="1400" dirty="0" err="1">
-                <a:latin typeface="Tw Cen MT" panose="020B0602020104020603" pitchFamily="34" charset="0"/>
-              </a:rPr>
-              <a:t>author</a:t>
-            </a:r>
-            <a:r>
-              <a:rPr lang="es-ES" sz="1400" dirty="0">
-                <a:latin typeface="Tw Cen MT" panose="020B0602020104020603" pitchFamily="34" charset="0"/>
-              </a:rPr>
-              <a:t> </a:t>
-            </a:r>
-            <a:r>
-              <a:rPr lang="es-ES" sz="1400" dirty="0" err="1">
-                <a:latin typeface="Tw Cen MT" panose="020B0602020104020603" pitchFamily="34" charset="0"/>
-              </a:rPr>
-              <a:t>name</a:t>
-            </a:r>
-            <a:r>
-              <a:rPr lang="es-ES" sz="1400" dirty="0">
-                <a:latin typeface="Tw Cen MT" panose="020B0602020104020603" pitchFamily="34" charset="0"/>
-              </a:rPr>
-              <a:t> ”</a:t>
-            </a:r>
-            <a:r>
-              <a:rPr lang="es-ES" sz="1400" dirty="0" err="1">
-                <a:latin typeface="Tw Cen MT" panose="020B0602020104020603" pitchFamily="34" charset="0"/>
-              </a:rPr>
-              <a:t>Schachfreund</a:t>
-            </a:r>
-            <a:r>
-              <a:rPr lang="es-ES" sz="1400" dirty="0">
-                <a:latin typeface="Tw Cen MT" panose="020B0602020104020603" pitchFamily="34" charset="0"/>
-              </a:rPr>
-              <a:t>”.)</a:t>
-            </a:r>
-          </a:p>
-          <a:p>
-            <a:r>
-              <a:rPr lang="en-US" sz="1400" dirty="0">
-                <a:latin typeface="Tw Cen MT" panose="020B0602020104020603" pitchFamily="34" charset="0"/>
-              </a:rPr>
-              <a:t>Kirkpatrick, S., </a:t>
-            </a:r>
-            <a:r>
-              <a:rPr lang="en-US" sz="1400" dirty="0" err="1">
-                <a:latin typeface="Tw Cen MT" panose="020B0602020104020603" pitchFamily="34" charset="0"/>
-              </a:rPr>
-              <a:t>Gelatt</a:t>
-            </a:r>
-            <a:r>
-              <a:rPr lang="en-US" sz="1400" dirty="0">
-                <a:latin typeface="Tw Cen MT" panose="020B0602020104020603" pitchFamily="34" charset="0"/>
-              </a:rPr>
-              <a:t>, C. D., &amp; </a:t>
-            </a:r>
-            <a:r>
-              <a:rPr lang="en-US" sz="1400" dirty="0" err="1">
-                <a:latin typeface="Tw Cen MT" panose="020B0602020104020603" pitchFamily="34" charset="0"/>
-              </a:rPr>
-              <a:t>Vecchi</a:t>
-            </a:r>
-            <a:r>
-              <a:rPr lang="en-US" sz="1400" dirty="0">
-                <a:latin typeface="Tw Cen MT" panose="020B0602020104020603" pitchFamily="34" charset="0"/>
-              </a:rPr>
-              <a:t>, M. P. (1983). Optimization by simulated annealing. science, 220(4598), 671-680.</a:t>
-            </a:r>
-            <a:endParaRPr lang="es-ES" sz="1400" dirty="0">
-              <a:latin typeface="Tw Cen MT" panose="020B0602020104020603" pitchFamily="34" charset="0"/>
-            </a:endParaRPr>
+              <a:t>d_1</a:t>
+            </a:r>
           </a:p>
         </p:txBody>
       </p:sp>
     </p:spTree>
     <p:extLst>
       <p:ext uri="{BB962C8B-B14F-4D97-AF65-F5344CB8AC3E}">
-        <p14:creationId xmlns:p14="http://schemas.microsoft.com/office/powerpoint/2010/main" val="2952470154"/>
-      </p:ext>
-    </p:extLst>
-  </p:cSld>
-  <p:clrMapOvr>
-    <a:masterClrMapping/>
-  </p:clrMapOvr>
-</p:sld>
-</file>
-
-<file path=ppt/slides/slide12.xml><?xml version="1.0" encoding="utf-8"?>
-<p:sld xmlns:a="http://schemas.openxmlformats.org/drawingml/2006/main" xmlns:r="http://schemas.openxmlformats.org/officeDocument/2006/relationships" xmlns:p="http://schemas.openxmlformats.org/presentationml/2006/main">
-  <p:cSld>
-    <p:spTree>
-      <p:nvGrpSpPr>
-        <p:cNvPr id="1" name=""/>
-        <p:cNvGrpSpPr/>
-        <p:nvPr/>
-      </p:nvGrpSpPr>
-      <p:grpSpPr>
-        <a:xfrm>
-          <a:off x="0" y="0"/>
-          <a:ext cx="0" cy="0"/>
-          <a:chOff x="0" y="0"/>
-          <a:chExt cx="0" cy="0"/>
-        </a:xfrm>
-      </p:grpSpPr>
-      <p:sp>
-        <p:nvSpPr>
-          <p:cNvPr id="3" name="Marcador de contenido 2">
-            <a:extLst>
-              <a:ext uri="{FF2B5EF4-FFF2-40B4-BE49-F238E27FC236}">
-                <a16:creationId xmlns:a16="http://schemas.microsoft.com/office/drawing/2014/main" id="{19A6E88C-3FA0-4CCB-88C1-BFFB28F58D91}"/>
-              </a:ext>
-            </a:extLst>
-          </p:cNvPr>
-          <p:cNvSpPr>
-            <a:spLocks noGrp="1"/>
-          </p:cNvSpPr>
-          <p:nvPr>
-            <p:ph idx="1"/>
-          </p:nvPr>
-        </p:nvSpPr>
-        <p:spPr>
-          <a:xfrm>
-            <a:off x="838200" y="3142129"/>
-            <a:ext cx="10515600" cy="3034834"/>
-          </a:xfrm>
-        </p:spPr>
-        <p:txBody>
-          <a:bodyPr>
-            <a:normAutofit/>
-          </a:bodyPr>
-          <a:lstStyle/>
-          <a:p>
-            <a:pPr marL="0" indent="0" algn="ctr">
-              <a:buNone/>
-            </a:pPr>
-            <a:r>
-              <a:rPr lang="es-ES" sz="3600">
-                <a:solidFill>
-                  <a:srgbClr val="00B050"/>
-                </a:solidFill>
-                <a:latin typeface="Tw Cen MT" panose="020B0602020104020603" pitchFamily="34" charset="0"/>
-              </a:rPr>
-              <a:t>MUCHAS GRACIAS POR SU ATENCIÓN</a:t>
-            </a:r>
-          </a:p>
-        </p:txBody>
-      </p:sp>
-      <p:sp>
-        <p:nvSpPr>
-          <p:cNvPr id="4" name="Marcador de número de diapositiva 3">
-            <a:extLst>
-              <a:ext uri="{FF2B5EF4-FFF2-40B4-BE49-F238E27FC236}">
-                <a16:creationId xmlns:a16="http://schemas.microsoft.com/office/drawing/2014/main" id="{59CBABF9-9A9C-4916-9449-617AB655D7E4}"/>
-              </a:ext>
-            </a:extLst>
-          </p:cNvPr>
-          <p:cNvSpPr>
-            <a:spLocks noGrp="1"/>
-          </p:cNvSpPr>
-          <p:nvPr>
-            <p:ph type="sldNum" sz="quarter" idx="12"/>
-          </p:nvPr>
-        </p:nvSpPr>
-        <p:spPr/>
-        <p:txBody>
-          <a:bodyPr/>
-          <a:lstStyle/>
-          <a:p>
-            <a:fld id="{272F2F88-97BC-4F31-BD69-5E536280A547}" type="slidenum">
-              <a:rPr lang="es-ES" smtClean="0"/>
-              <a:t>12</a:t>
-            </a:fld>
-            <a:endParaRPr lang="es-ES"/>
-          </a:p>
-        </p:txBody>
-      </p:sp>
-    </p:spTree>
-    <p:extLst>
-      <p:ext uri="{BB962C8B-B14F-4D97-AF65-F5344CB8AC3E}">
-        <p14:creationId xmlns:p14="http://schemas.microsoft.com/office/powerpoint/2010/main" val="758751410"/>
+        <p14:creationId xmlns:p14="http://schemas.microsoft.com/office/powerpoint/2010/main" val="522478590"/>
       </p:ext>
     </p:extLst>
   </p:cSld>
@@ -5633,6 +8981,416 @@
     <p:extLst>
       <p:ext uri="{BB962C8B-B14F-4D97-AF65-F5344CB8AC3E}">
         <p14:creationId xmlns:p14="http://schemas.microsoft.com/office/powerpoint/2010/main" val="1109854932"/>
+      </p:ext>
+    </p:extLst>
+  </p:cSld>
+  <p:clrMapOvr>
+    <a:masterClrMapping/>
+  </p:clrMapOvr>
+</p:sld>
+</file>
+
+<file path=ppt/slides/slide20.xml><?xml version="1.0" encoding="utf-8"?>
+<p:sld xmlns:a="http://schemas.openxmlformats.org/drawingml/2006/main" xmlns:r="http://schemas.openxmlformats.org/officeDocument/2006/relationships" xmlns:p="http://schemas.openxmlformats.org/presentationml/2006/main">
+  <p:cSld>
+    <p:spTree>
+      <p:nvGrpSpPr>
+        <p:cNvPr id="1" name=""/>
+        <p:cNvGrpSpPr/>
+        <p:nvPr/>
+      </p:nvGrpSpPr>
+      <p:grpSpPr>
+        <a:xfrm>
+          <a:off x="0" y="0"/>
+          <a:ext cx="0" cy="0"/>
+          <a:chOff x="0" y="0"/>
+          <a:chExt cx="0" cy="0"/>
+        </a:xfrm>
+      </p:grpSpPr>
+      <p:sp>
+        <p:nvSpPr>
+          <p:cNvPr id="2" name="Título 1">
+            <a:extLst>
+              <a:ext uri="{FF2B5EF4-FFF2-40B4-BE49-F238E27FC236}">
+                <a16:creationId xmlns:a16="http://schemas.microsoft.com/office/drawing/2014/main" id="{816F1A01-9436-41B4-A6F9-8991C94DC209}"/>
+              </a:ext>
+            </a:extLst>
+          </p:cNvPr>
+          <p:cNvSpPr>
+            <a:spLocks noGrp="1"/>
+          </p:cNvSpPr>
+          <p:nvPr>
+            <p:ph type="title"/>
+          </p:nvPr>
+        </p:nvSpPr>
+        <p:spPr/>
+        <p:txBody>
+          <a:bodyPr/>
+          <a:lstStyle/>
+          <a:p>
+            <a:r>
+              <a:rPr lang="es-ES" b="1">
+                <a:solidFill>
+                  <a:srgbClr val="00B050"/>
+                </a:solidFill>
+                <a:latin typeface="Tw Cen MT" panose="020B0602020104020603" pitchFamily="34" charset="0"/>
+              </a:rPr>
+              <a:t>Referencias</a:t>
+            </a:r>
+          </a:p>
+        </p:txBody>
+      </p:sp>
+      <p:sp>
+        <p:nvSpPr>
+          <p:cNvPr id="4" name="Marcador de número de diapositiva 3">
+            <a:extLst>
+              <a:ext uri="{FF2B5EF4-FFF2-40B4-BE49-F238E27FC236}">
+                <a16:creationId xmlns:a16="http://schemas.microsoft.com/office/drawing/2014/main" id="{59CBABF9-9A9C-4916-9449-617AB655D7E4}"/>
+              </a:ext>
+            </a:extLst>
+          </p:cNvPr>
+          <p:cNvSpPr>
+            <a:spLocks noGrp="1"/>
+          </p:cNvSpPr>
+          <p:nvPr>
+            <p:ph type="sldNum" sz="quarter" idx="12"/>
+          </p:nvPr>
+        </p:nvSpPr>
+        <p:spPr/>
+        <p:txBody>
+          <a:bodyPr/>
+          <a:lstStyle/>
+          <a:p>
+            <a:fld id="{272F2F88-97BC-4F31-BD69-5E536280A547}" type="slidenum">
+              <a:rPr lang="es-ES" smtClean="0"/>
+              <a:t>20</a:t>
+            </a:fld>
+            <a:endParaRPr lang="es-ES"/>
+          </a:p>
+        </p:txBody>
+      </p:sp>
+      <p:sp>
+        <p:nvSpPr>
+          <p:cNvPr id="11" name="Marcador de contenido 2">
+            <a:extLst>
+              <a:ext uri="{FF2B5EF4-FFF2-40B4-BE49-F238E27FC236}">
+                <a16:creationId xmlns:a16="http://schemas.microsoft.com/office/drawing/2014/main" id="{54D7115D-7C7B-4C1E-B25C-6EC7EA977CB0}"/>
+              </a:ext>
+            </a:extLst>
+          </p:cNvPr>
+          <p:cNvSpPr>
+            <a:spLocks noGrp="1"/>
+          </p:cNvSpPr>
+          <p:nvPr>
+            <p:ph idx="1"/>
+          </p:nvPr>
+        </p:nvSpPr>
+        <p:spPr>
+          <a:xfrm>
+            <a:off x="838200" y="1825625"/>
+            <a:ext cx="10515600" cy="4454151"/>
+          </a:xfrm>
+        </p:spPr>
+        <p:txBody>
+          <a:bodyPr vert="horz" lIns="91440" tIns="45720" rIns="91440" bIns="45720" rtlCol="0" anchor="t">
+            <a:normAutofit/>
+          </a:bodyPr>
+          <a:lstStyle/>
+          <a:p>
+            <a:r>
+              <a:rPr lang="es-ES" sz="1400" dirty="0">
+                <a:latin typeface="Tw Cen MT" panose="020B0602020104020603" pitchFamily="34" charset="0"/>
+              </a:rPr>
+              <a:t>M. </a:t>
+            </a:r>
+            <a:r>
+              <a:rPr lang="es-ES" sz="1400" dirty="0" err="1">
+                <a:latin typeface="Tw Cen MT" panose="020B0602020104020603" pitchFamily="34" charset="0"/>
+              </a:rPr>
+              <a:t>Bezzel</a:t>
+            </a:r>
+            <a:r>
+              <a:rPr lang="es-ES" sz="1400" dirty="0">
+                <a:latin typeface="Tw Cen MT" panose="020B0602020104020603" pitchFamily="34" charset="0"/>
+              </a:rPr>
+              <a:t>, </a:t>
+            </a:r>
+            <a:r>
+              <a:rPr lang="es-ES" sz="1400" dirty="0" err="1">
+                <a:latin typeface="Tw Cen MT" panose="020B0602020104020603" pitchFamily="34" charset="0"/>
+              </a:rPr>
+              <a:t>Proposal</a:t>
+            </a:r>
+            <a:r>
+              <a:rPr lang="es-ES" sz="1400" dirty="0">
+                <a:latin typeface="Tw Cen MT" panose="020B0602020104020603" pitchFamily="34" charset="0"/>
+              </a:rPr>
+              <a:t> </a:t>
+            </a:r>
+            <a:r>
+              <a:rPr lang="es-ES" sz="1400" dirty="0" err="1">
+                <a:latin typeface="Tw Cen MT" panose="020B0602020104020603" pitchFamily="34" charset="0"/>
+              </a:rPr>
+              <a:t>of</a:t>
+            </a:r>
+            <a:r>
+              <a:rPr lang="es-ES" sz="1400" dirty="0">
+                <a:latin typeface="Tw Cen MT" panose="020B0602020104020603" pitchFamily="34" charset="0"/>
+              </a:rPr>
+              <a:t> 8-queens </a:t>
+            </a:r>
+            <a:r>
+              <a:rPr lang="es-ES" sz="1400" dirty="0" err="1">
+                <a:latin typeface="Tw Cen MT" panose="020B0602020104020603" pitchFamily="34" charset="0"/>
+              </a:rPr>
+              <a:t>problem</a:t>
+            </a:r>
+            <a:r>
+              <a:rPr lang="es-ES" sz="1400" dirty="0">
+                <a:latin typeface="Tw Cen MT" panose="020B0602020104020603" pitchFamily="34" charset="0"/>
+              </a:rPr>
+              <a:t>, </a:t>
+            </a:r>
+            <a:r>
+              <a:rPr lang="es-ES" sz="1400" dirty="0" err="1">
+                <a:latin typeface="Tw Cen MT" panose="020B0602020104020603" pitchFamily="34" charset="0"/>
+              </a:rPr>
+              <a:t>Berliner</a:t>
+            </a:r>
+            <a:r>
+              <a:rPr lang="es-ES" sz="1400" dirty="0">
+                <a:latin typeface="Tw Cen MT" panose="020B0602020104020603" pitchFamily="34" charset="0"/>
+              </a:rPr>
+              <a:t> </a:t>
+            </a:r>
+            <a:r>
+              <a:rPr lang="es-ES" sz="1400" dirty="0" err="1">
+                <a:latin typeface="Tw Cen MT" panose="020B0602020104020603" pitchFamily="34" charset="0"/>
+              </a:rPr>
+              <a:t>Schachzeitung</a:t>
+            </a:r>
+            <a:r>
+              <a:rPr lang="es-ES" sz="1400" dirty="0">
+                <a:latin typeface="Tw Cen MT" panose="020B0602020104020603" pitchFamily="34" charset="0"/>
+              </a:rPr>
+              <a:t> 3 (1848), 363. (</a:t>
+            </a:r>
+            <a:r>
+              <a:rPr lang="es-ES" sz="1400" dirty="0" err="1">
+                <a:latin typeface="Tw Cen MT" panose="020B0602020104020603" pitchFamily="34" charset="0"/>
+              </a:rPr>
+              <a:t>Submitted</a:t>
+            </a:r>
+            <a:r>
+              <a:rPr lang="es-ES" sz="1400" dirty="0">
+                <a:latin typeface="Tw Cen MT" panose="020B0602020104020603" pitchFamily="34" charset="0"/>
+              </a:rPr>
+              <a:t> </a:t>
+            </a:r>
+            <a:r>
+              <a:rPr lang="es-ES" sz="1400" dirty="0" err="1">
+                <a:latin typeface="Tw Cen MT" panose="020B0602020104020603" pitchFamily="34" charset="0"/>
+              </a:rPr>
+              <a:t>under</a:t>
+            </a:r>
+            <a:r>
+              <a:rPr lang="es-ES" sz="1400" dirty="0">
+                <a:latin typeface="Tw Cen MT" panose="020B0602020104020603" pitchFamily="34" charset="0"/>
+              </a:rPr>
+              <a:t> </a:t>
+            </a:r>
+            <a:r>
+              <a:rPr lang="es-ES" sz="1400" dirty="0" err="1">
+                <a:latin typeface="Tw Cen MT" panose="020B0602020104020603" pitchFamily="34" charset="0"/>
+              </a:rPr>
+              <a:t>the</a:t>
+            </a:r>
+            <a:r>
+              <a:rPr lang="es-ES" sz="1400" dirty="0">
+                <a:latin typeface="Tw Cen MT" panose="020B0602020104020603" pitchFamily="34" charset="0"/>
+              </a:rPr>
+              <a:t> </a:t>
+            </a:r>
+            <a:r>
+              <a:rPr lang="es-ES" sz="1400" dirty="0" err="1">
+                <a:latin typeface="Tw Cen MT" panose="020B0602020104020603" pitchFamily="34" charset="0"/>
+              </a:rPr>
+              <a:t>author</a:t>
+            </a:r>
+            <a:r>
+              <a:rPr lang="es-ES" sz="1400" dirty="0">
+                <a:latin typeface="Tw Cen MT" panose="020B0602020104020603" pitchFamily="34" charset="0"/>
+              </a:rPr>
+              <a:t> </a:t>
+            </a:r>
+            <a:r>
+              <a:rPr lang="es-ES" sz="1400" dirty="0" err="1">
+                <a:latin typeface="Tw Cen MT" panose="020B0602020104020603" pitchFamily="34" charset="0"/>
+              </a:rPr>
+              <a:t>name</a:t>
+            </a:r>
+            <a:r>
+              <a:rPr lang="es-ES" sz="1400" dirty="0">
+                <a:latin typeface="Tw Cen MT" panose="020B0602020104020603" pitchFamily="34" charset="0"/>
+              </a:rPr>
+              <a:t> ”</a:t>
+            </a:r>
+            <a:r>
+              <a:rPr lang="es-ES" sz="1400" dirty="0" err="1">
+                <a:latin typeface="Tw Cen MT" panose="020B0602020104020603" pitchFamily="34" charset="0"/>
+              </a:rPr>
+              <a:t>Schachfreund</a:t>
+            </a:r>
+            <a:r>
+              <a:rPr lang="es-ES" sz="1400" dirty="0">
+                <a:latin typeface="Tw Cen MT" panose="020B0602020104020603" pitchFamily="34" charset="0"/>
+              </a:rPr>
+              <a:t>”.)</a:t>
+            </a:r>
+          </a:p>
+          <a:p>
+            <a:r>
+              <a:rPr lang="en-US" sz="1400" dirty="0">
+                <a:latin typeface="Tw Cen MT" panose="020B0602020104020603" pitchFamily="34" charset="0"/>
+              </a:rPr>
+              <a:t>Kirkpatrick, S., </a:t>
+            </a:r>
+            <a:r>
+              <a:rPr lang="en-US" sz="1400" dirty="0" err="1">
+                <a:latin typeface="Tw Cen MT" panose="020B0602020104020603" pitchFamily="34" charset="0"/>
+              </a:rPr>
+              <a:t>Gelatt</a:t>
+            </a:r>
+            <a:r>
+              <a:rPr lang="en-US" sz="1400" dirty="0">
+                <a:latin typeface="Tw Cen MT" panose="020B0602020104020603" pitchFamily="34" charset="0"/>
+              </a:rPr>
+              <a:t>, C. D., &amp; </a:t>
+            </a:r>
+            <a:r>
+              <a:rPr lang="en-US" sz="1400" dirty="0" err="1">
+                <a:latin typeface="Tw Cen MT" panose="020B0602020104020603" pitchFamily="34" charset="0"/>
+              </a:rPr>
+              <a:t>Vecchi</a:t>
+            </a:r>
+            <a:r>
+              <a:rPr lang="en-US" sz="1400" dirty="0">
+                <a:latin typeface="Tw Cen MT" panose="020B0602020104020603" pitchFamily="34" charset="0"/>
+              </a:rPr>
+              <a:t>, M. P. (1983). Optimization by simulated annealing. science, 220(4598), 671-680.</a:t>
+            </a:r>
+            <a:endParaRPr lang="es-ES" sz="1400" dirty="0">
+              <a:latin typeface="Tw Cen MT" panose="020B0602020104020603" pitchFamily="34" charset="0"/>
+            </a:endParaRPr>
+          </a:p>
+        </p:txBody>
+      </p:sp>
+    </p:spTree>
+    <p:extLst>
+      <p:ext uri="{BB962C8B-B14F-4D97-AF65-F5344CB8AC3E}">
+        <p14:creationId xmlns:p14="http://schemas.microsoft.com/office/powerpoint/2010/main" val="2952470154"/>
+      </p:ext>
+    </p:extLst>
+  </p:cSld>
+  <p:clrMapOvr>
+    <a:masterClrMapping/>
+  </p:clrMapOvr>
+</p:sld>
+</file>
+
+<file path=ppt/slides/slide21.xml><?xml version="1.0" encoding="utf-8"?>
+<p:sld xmlns:a="http://schemas.openxmlformats.org/drawingml/2006/main" xmlns:r="http://schemas.openxmlformats.org/officeDocument/2006/relationships" xmlns:p="http://schemas.openxmlformats.org/presentationml/2006/main">
+  <p:cSld>
+    <p:spTree>
+      <p:nvGrpSpPr>
+        <p:cNvPr id="1" name=""/>
+        <p:cNvGrpSpPr/>
+        <p:nvPr/>
+      </p:nvGrpSpPr>
+      <p:grpSpPr>
+        <a:xfrm>
+          <a:off x="0" y="0"/>
+          <a:ext cx="0" cy="0"/>
+          <a:chOff x="0" y="0"/>
+          <a:chExt cx="0" cy="0"/>
+        </a:xfrm>
+      </p:grpSpPr>
+      <p:sp>
+        <p:nvSpPr>
+          <p:cNvPr id="3" name="Marcador de contenido 2">
+            <a:extLst>
+              <a:ext uri="{FF2B5EF4-FFF2-40B4-BE49-F238E27FC236}">
+                <a16:creationId xmlns:a16="http://schemas.microsoft.com/office/drawing/2014/main" id="{19A6E88C-3FA0-4CCB-88C1-BFFB28F58D91}"/>
+              </a:ext>
+            </a:extLst>
+          </p:cNvPr>
+          <p:cNvSpPr>
+            <a:spLocks noGrp="1"/>
+          </p:cNvSpPr>
+          <p:nvPr>
+            <p:ph idx="1"/>
+          </p:nvPr>
+        </p:nvSpPr>
+        <p:spPr>
+          <a:xfrm>
+            <a:off x="838200" y="3142129"/>
+            <a:ext cx="10515600" cy="3034834"/>
+          </a:xfrm>
+        </p:spPr>
+        <p:txBody>
+          <a:bodyPr>
+            <a:normAutofit/>
+          </a:bodyPr>
+          <a:lstStyle/>
+          <a:p>
+            <a:pPr marL="0" indent="0" algn="ctr">
+              <a:buNone/>
+            </a:pPr>
+            <a:r>
+              <a:rPr lang="es-ES" sz="3600">
+                <a:solidFill>
+                  <a:srgbClr val="00B050"/>
+                </a:solidFill>
+                <a:latin typeface="Tw Cen MT" panose="020B0602020104020603" pitchFamily="34" charset="0"/>
+              </a:rPr>
+              <a:t>MUCHAS GRACIAS POR SU ATENCIÓN</a:t>
+            </a:r>
+          </a:p>
+        </p:txBody>
+      </p:sp>
+      <p:sp>
+        <p:nvSpPr>
+          <p:cNvPr id="4" name="Marcador de número de diapositiva 3">
+            <a:extLst>
+              <a:ext uri="{FF2B5EF4-FFF2-40B4-BE49-F238E27FC236}">
+                <a16:creationId xmlns:a16="http://schemas.microsoft.com/office/drawing/2014/main" id="{59CBABF9-9A9C-4916-9449-617AB655D7E4}"/>
+              </a:ext>
+            </a:extLst>
+          </p:cNvPr>
+          <p:cNvSpPr>
+            <a:spLocks noGrp="1"/>
+          </p:cNvSpPr>
+          <p:nvPr>
+            <p:ph type="sldNum" sz="quarter" idx="12"/>
+          </p:nvPr>
+        </p:nvSpPr>
+        <p:spPr/>
+        <p:txBody>
+          <a:bodyPr/>
+          <a:lstStyle/>
+          <a:p>
+            <a:fld id="{272F2F88-97BC-4F31-BD69-5E536280A547}" type="slidenum">
+              <a:rPr lang="es-ES" smtClean="0"/>
+              <a:t>21</a:t>
+            </a:fld>
+            <a:endParaRPr lang="es-ES"/>
+          </a:p>
+        </p:txBody>
+      </p:sp>
+    </p:spTree>
+    <p:extLst>
+      <p:ext uri="{BB962C8B-B14F-4D97-AF65-F5344CB8AC3E}">
+        <p14:creationId xmlns:p14="http://schemas.microsoft.com/office/powerpoint/2010/main" val="758751410"/>
       </p:ext>
     </p:extLst>
   </p:cSld>
@@ -6096,8 +9854,8 @@
           </a:p>
         </p:txBody>
       </p:sp>
-      <mc:AlternateContent xmlns:mc="http://schemas.openxmlformats.org/markup-compatibility/2006">
-        <mc:Choice xmlns:a14="http://schemas.microsoft.com/office/drawing/2010/main" Requires="a14">
+      <mc:AlternateContent xmlns:mc="http://schemas.openxmlformats.org/markup-compatibility/2006" xmlns:a14="http://schemas.microsoft.com/office/drawing/2010/main">
+        <mc:Choice Requires="a14">
           <p:graphicFrame>
             <p:nvGraphicFramePr>
               <p:cNvPr id="8" name="Tabla 7">
@@ -7624,7 +11382,7 @@
             </a:graphic>
           </p:graphicFrame>
         </mc:Choice>
-        <mc:Fallback>
+        <mc:Fallback xmlns="">
           <p:graphicFrame>
             <p:nvGraphicFramePr>
               <p:cNvPr id="8" name="Tabla 7">
@@ -9012,14 +12770,26 @@
               <a:rPr lang="es-ES" sz="2800" dirty="0">
                 <a:latin typeface="Tw Cen MT" panose="020B0602020104020603" pitchFamily="34" charset="0"/>
               </a:rPr>
-              <a:t>Representación gráfica de la solución </a:t>
-            </a:r>
-            <a:r>
-              <a:rPr lang="es-ES" sz="2800">
+              <a:t>Representación gráfica de la solución o tablero</a:t>
+            </a:r>
+          </a:p>
+          <a:p>
+            <a:pPr lvl="1" algn="just"/>
+            <a:r>
+              <a:rPr lang="es-ES" sz="2800" dirty="0">
                 <a:latin typeface="Tw Cen MT" panose="020B0602020104020603" pitchFamily="34" charset="0"/>
               </a:rPr>
-              <a:t>o tablero</a:t>
-            </a:r>
+              <a:t>Programa interactivo mediante </a:t>
+            </a:r>
+            <a:r>
+              <a:rPr lang="es-ES" sz="2800" dirty="0" err="1">
+                <a:latin typeface="Tw Cen MT" panose="020B0602020104020603" pitchFamily="34" charset="0"/>
+              </a:rPr>
+              <a:t>ipywidgets</a:t>
+            </a:r>
+            <a:endParaRPr lang="es-ES" sz="2800" dirty="0">
+              <a:latin typeface="Tw Cen MT" panose="020B0602020104020603" pitchFamily="34" charset="0"/>
+            </a:endParaRPr>
           </a:p>
         </p:txBody>
       </p:sp>
@@ -9268,8 +13038,8 @@
           </a:p>
         </p:txBody>
       </p:sp>
-      <mc:AlternateContent xmlns:mc="http://schemas.openxmlformats.org/markup-compatibility/2006">
-        <mc:Choice xmlns:a14="http://schemas.microsoft.com/office/drawing/2010/main" Requires="a14">
+      <mc:AlternateContent xmlns:mc="http://schemas.openxmlformats.org/markup-compatibility/2006" xmlns:a14="http://schemas.microsoft.com/office/drawing/2010/main">
+        <mc:Choice Requires="a14">
           <p:graphicFrame>
             <p:nvGraphicFramePr>
               <p:cNvPr id="15" name="Tabla 14">
@@ -10836,7 +14606,7 @@
             </a:graphic>
           </p:graphicFrame>
         </mc:Choice>
-        <mc:Fallback>
+        <mc:Fallback xmlns="">
           <p:graphicFrame>
             <p:nvGraphicFramePr>
               <p:cNvPr id="15" name="Tabla 14">
@@ -12285,8 +16055,8 @@
           </a:p>
         </p:txBody>
       </p:sp>
-      <mc:AlternateContent xmlns:mc="http://schemas.openxmlformats.org/markup-compatibility/2006">
-        <mc:Choice xmlns:a14="http://schemas.microsoft.com/office/drawing/2010/main" Requires="a14">
+      <mc:AlternateContent xmlns:mc="http://schemas.openxmlformats.org/markup-compatibility/2006" xmlns:a14="http://schemas.microsoft.com/office/drawing/2010/main">
+        <mc:Choice Requires="a14">
           <p:sp>
             <p:nvSpPr>
               <p:cNvPr id="17" name="Marcador de contenido 2">
@@ -13038,7 +16808,7 @@
             </p:txBody>
           </p:sp>
         </mc:Choice>
-        <mc:Fallback>
+        <mc:Fallback xmlns="">
           <p:sp>
             <p:nvSpPr>
               <p:cNvPr id="17" name="Marcador de contenido 2">
@@ -13273,8 +17043,8 @@
           </a:p>
         </p:txBody>
       </p:sp>
-      <mc:AlternateContent xmlns:mc="http://schemas.openxmlformats.org/markup-compatibility/2006">
-        <mc:Choice xmlns:a14="http://schemas.microsoft.com/office/drawing/2010/main" Requires="a14">
+      <mc:AlternateContent xmlns:mc="http://schemas.openxmlformats.org/markup-compatibility/2006" xmlns:a14="http://schemas.microsoft.com/office/drawing/2010/main">
+        <mc:Choice Requires="a14">
           <p:graphicFrame>
             <p:nvGraphicFramePr>
               <p:cNvPr id="5" name="Tabla 4">
@@ -14815,7 +18585,7 @@
             </a:graphic>
           </p:graphicFrame>
         </mc:Choice>
-        <mc:Fallback>
+        <mc:Fallback xmlns="">
           <p:graphicFrame>
             <p:nvGraphicFramePr>
               <p:cNvPr id="5" name="Tabla 4">
@@ -16367,7 +20137,7 @@
         </p:spPr>
         <p:txBody>
           <a:bodyPr vert="horz" lIns="91440" tIns="45720" rIns="91440" bIns="45720" numCol="1" rtlCol="0" anchor="t">
-            <a:normAutofit fontScale="85000" lnSpcReduction="10000"/>
+            <a:normAutofit fontScale="85000" lnSpcReduction="20000"/>
           </a:bodyPr>
           <a:lstStyle/>
           <a:p>
@@ -16376,7 +20146,7 @@
               <a:buAutoNum type="alphaUcPeriod"/>
             </a:pPr>
             <a:r>
-              <a:rPr lang="es-ES" sz="3200" dirty="0">
+              <a:rPr lang="es-ES" sz="3800" b="1" dirty="0">
                 <a:latin typeface="Tw Cen MT" panose="020B0602020104020603" pitchFamily="34" charset="0"/>
               </a:rPr>
               <a:t>Se intercambian los valores de dos posiciones aleatorias del array.</a:t>
@@ -16455,8 +20225,8 @@
           </a:p>
         </p:txBody>
       </p:sp>
-      <mc:AlternateContent xmlns:mc="http://schemas.openxmlformats.org/markup-compatibility/2006">
-        <mc:Choice xmlns:a14="http://schemas.microsoft.com/office/drawing/2010/main" Requires="a14">
+      <mc:AlternateContent xmlns:mc="http://schemas.openxmlformats.org/markup-compatibility/2006" xmlns:a14="http://schemas.microsoft.com/office/drawing/2010/main">
+        <mc:Choice Requires="a14">
           <p:graphicFrame>
             <p:nvGraphicFramePr>
               <p:cNvPr id="5" name="Tabla 4">
@@ -17997,7 +21767,7 @@
             </a:graphic>
           </p:graphicFrame>
         </mc:Choice>
-        <mc:Fallback>
+        <mc:Fallback xmlns="">
           <p:graphicFrame>
             <p:nvGraphicFramePr>
               <p:cNvPr id="5" name="Tabla 4">
@@ -19600,8 +23370,8 @@
           </a:p>
         </p:txBody>
       </p:sp>
-      <mc:AlternateContent xmlns:mc="http://schemas.openxmlformats.org/markup-compatibility/2006">
-        <mc:Choice xmlns:a14="http://schemas.microsoft.com/office/drawing/2010/main" Requires="a14">
+      <mc:AlternateContent xmlns:mc="http://schemas.openxmlformats.org/markup-compatibility/2006" xmlns:a14="http://schemas.microsoft.com/office/drawing/2010/main">
+        <mc:Choice Requires="a14">
           <p:graphicFrame>
             <p:nvGraphicFramePr>
               <p:cNvPr id="5" name="Tabla 4">
@@ -21144,7 +24914,7 @@
             </a:graphic>
           </p:graphicFrame>
         </mc:Choice>
-        <mc:Fallback>
+        <mc:Fallback xmlns="">
           <p:graphicFrame>
             <p:nvGraphicFramePr>
               <p:cNvPr id="5" name="Tabla 4">

--- a/RS/RS_Presentacion.pptx
+++ b/RS/RS_Presentacion.pptx
@@ -128,6 +128,47 @@
     </a:lvl9pPr>
   </p:defaultTextStyle>
   <p:extLst>
+    <p:ext uri="{521415D9-36F7-43E2-AB2F-B90AF26B5E84}">
+      <p14:sectionLst xmlns:p14="http://schemas.microsoft.com/office/powerpoint/2010/main">
+        <p14:section name="Parte 0" id="{BF67F785-DC3D-45DA-8DE0-BA9E6BA99E7B}">
+          <p14:sldIdLst>
+            <p14:sldId id="257"/>
+            <p14:sldId id="269"/>
+            <p14:sldId id="258"/>
+            <p14:sldId id="280"/>
+            <p14:sldId id="283"/>
+            <p14:sldId id="282"/>
+          </p14:sldIdLst>
+        </p14:section>
+        <p14:section name="Parte 1" id="{57B8C03C-B437-43ED-9C59-15E6883E5557}">
+          <p14:sldIdLst>
+            <p14:sldId id="281"/>
+            <p14:sldId id="284"/>
+            <p14:sldId id="285"/>
+            <p14:sldId id="286"/>
+            <p14:sldId id="295"/>
+          </p14:sldIdLst>
+        </p14:section>
+        <p14:section name="Parte 2" id="{E97BE551-9240-41A0-9602-7E352601B8F9}">
+          <p14:sldIdLst>
+            <p14:sldId id="287"/>
+            <p14:sldId id="291"/>
+            <p14:sldId id="288"/>
+            <p14:sldId id="293"/>
+            <p14:sldId id="294"/>
+            <p14:sldId id="292"/>
+            <p14:sldId id="264"/>
+            <p14:sldId id="296"/>
+          </p14:sldIdLst>
+        </p14:section>
+        <p14:section name="Extra" id="{984CA349-D8B2-40B5-8891-129E2401E07E}">
+          <p14:sldIdLst>
+            <p14:sldId id="268"/>
+            <p14:sldId id="267"/>
+          </p14:sldIdLst>
+        </p14:section>
+      </p14:sectionLst>
+    </p:ext>
     <p:ext uri="{EFAFB233-063F-42B5-8137-9DF3F51BA10A}">
       <p15:sldGuideLst xmlns:p15="http://schemas.microsoft.com/office/powerpoint/2012/main">
         <p15:guide id="1" orient="horz" pos="2160" userDrawn="1">
@@ -161,7 +202,7 @@
 <file path=ppt/revisionInfo.xml><?xml version="1.0" encoding="utf-8"?>
 <p1510:revInfo xmlns:a="http://schemas.openxmlformats.org/drawingml/2006/main" xmlns:r="http://schemas.openxmlformats.org/officeDocument/2006/relationships" xmlns:p1510="http://schemas.microsoft.com/office/powerpoint/2015/10/main">
   <p1510:revLst>
-    <p1510:client id="{626E1DC1-F94C-4F10-9278-A26E2A05164D}" v="691" dt="2021-11-02T14:20:25.475"/>
+    <p1510:client id="{1CB0248C-D93D-4B05-BEFF-7339F94F4E7B}" v="1" dt="2021-11-03T14:55:35.849"/>
   </p1510:revLst>
 </p1510:revInfo>
 </file>
@@ -1495,6 +1536,143 @@
       </pc:sldChg>
     </pc:docChg>
   </pc:docChgLst>
+  <pc:docChgLst>
+    <pc:chgData name="ANGEL FRAGUA BAEZA" userId="3d57da32-733d-4ce0-9afd-6737e8645227" providerId="ADAL" clId="{1CB0248C-D93D-4B05-BEFF-7339F94F4E7B}"/>
+    <pc:docChg chg="undo custSel modSld sldOrd addSection modSection">
+      <pc:chgData name="ANGEL FRAGUA BAEZA" userId="3d57da32-733d-4ce0-9afd-6737e8645227" providerId="ADAL" clId="{1CB0248C-D93D-4B05-BEFF-7339F94F4E7B}" dt="2021-11-03T15:57:24.229" v="1038" actId="17846"/>
+      <pc:docMkLst>
+        <pc:docMk/>
+      </pc:docMkLst>
+      <pc:sldChg chg="modSp mod">
+        <pc:chgData name="ANGEL FRAGUA BAEZA" userId="3d57da32-733d-4ce0-9afd-6737e8645227" providerId="ADAL" clId="{1CB0248C-D93D-4B05-BEFF-7339F94F4E7B}" dt="2021-11-03T15:53:41.213" v="1000" actId="20577"/>
+        <pc:sldMkLst>
+          <pc:docMk/>
+          <pc:sldMk cId="675170061" sldId="264"/>
+        </pc:sldMkLst>
+        <pc:spChg chg="mod">
+          <ac:chgData name="ANGEL FRAGUA BAEZA" userId="3d57da32-733d-4ce0-9afd-6737e8645227" providerId="ADAL" clId="{1CB0248C-D93D-4B05-BEFF-7339F94F4E7B}" dt="2021-11-03T15:53:41.213" v="1000" actId="20577"/>
+          <ac:spMkLst>
+            <pc:docMk/>
+            <pc:sldMk cId="675170061" sldId="264"/>
+            <ac:spMk id="3" creationId="{19A6E88C-3FA0-4CCB-88C1-BFFB28F58D91}"/>
+          </ac:spMkLst>
+        </pc:spChg>
+      </pc:sldChg>
+      <pc:sldChg chg="modSp mod">
+        <pc:chgData name="ANGEL FRAGUA BAEZA" userId="3d57da32-733d-4ce0-9afd-6737e8645227" providerId="ADAL" clId="{1CB0248C-D93D-4B05-BEFF-7339F94F4E7B}" dt="2021-11-03T15:54:33.264" v="1031" actId="20577"/>
+        <pc:sldMkLst>
+          <pc:docMk/>
+          <pc:sldMk cId="1109854932" sldId="269"/>
+        </pc:sldMkLst>
+        <pc:spChg chg="mod">
+          <ac:chgData name="ANGEL FRAGUA BAEZA" userId="3d57da32-733d-4ce0-9afd-6737e8645227" providerId="ADAL" clId="{1CB0248C-D93D-4B05-BEFF-7339F94F4E7B}" dt="2021-11-03T15:54:33.264" v="1031" actId="20577"/>
+          <ac:spMkLst>
+            <pc:docMk/>
+            <pc:sldMk cId="1109854932" sldId="269"/>
+            <ac:spMk id="3" creationId="{8C1A2A55-44AA-4BD4-80F6-29939F53F853}"/>
+          </ac:spMkLst>
+        </pc:spChg>
+      </pc:sldChg>
+      <pc:sldChg chg="modSp mod">
+        <pc:chgData name="ANGEL FRAGUA BAEZA" userId="3d57da32-733d-4ce0-9afd-6737e8645227" providerId="ADAL" clId="{1CB0248C-D93D-4B05-BEFF-7339F94F4E7B}" dt="2021-11-03T14:51:16.471" v="41" actId="1036"/>
+        <pc:sldMkLst>
+          <pc:docMk/>
+          <pc:sldMk cId="553048290" sldId="280"/>
+        </pc:sldMkLst>
+        <pc:spChg chg="mod">
+          <ac:chgData name="ANGEL FRAGUA BAEZA" userId="3d57da32-733d-4ce0-9afd-6737e8645227" providerId="ADAL" clId="{1CB0248C-D93D-4B05-BEFF-7339F94F4E7B}" dt="2021-11-03T14:51:06.575" v="33" actId="20577"/>
+          <ac:spMkLst>
+            <pc:docMk/>
+            <pc:sldMk cId="553048290" sldId="280"/>
+            <ac:spMk id="3" creationId="{0D7EE13E-8160-40F2-BAC7-4E9FF9E7C7B7}"/>
+          </ac:spMkLst>
+        </pc:spChg>
+        <pc:graphicFrameChg chg="mod">
+          <ac:chgData name="ANGEL FRAGUA BAEZA" userId="3d57da32-733d-4ce0-9afd-6737e8645227" providerId="ADAL" clId="{1CB0248C-D93D-4B05-BEFF-7339F94F4E7B}" dt="2021-11-03T14:51:16.471" v="41" actId="1036"/>
+          <ac:graphicFrameMkLst>
+            <pc:docMk/>
+            <pc:sldMk cId="553048290" sldId="280"/>
+            <ac:graphicFrameMk id="8" creationId="{3F712600-8946-4B30-BF8D-99882AEFB10F}"/>
+          </ac:graphicFrameMkLst>
+        </pc:graphicFrameChg>
+      </pc:sldChg>
+      <pc:sldChg chg="addSp modSp mod">
+        <pc:chgData name="ANGEL FRAGUA BAEZA" userId="3d57da32-733d-4ce0-9afd-6737e8645227" providerId="ADAL" clId="{1CB0248C-D93D-4B05-BEFF-7339F94F4E7B}" dt="2021-11-03T14:57:13.514" v="114" actId="1035"/>
+        <pc:sldMkLst>
+          <pc:docMk/>
+          <pc:sldMk cId="1218476558" sldId="281"/>
+        </pc:sldMkLst>
+        <pc:spChg chg="add mod">
+          <ac:chgData name="ANGEL FRAGUA BAEZA" userId="3d57da32-733d-4ce0-9afd-6737e8645227" providerId="ADAL" clId="{1CB0248C-D93D-4B05-BEFF-7339F94F4E7B}" dt="2021-11-03T14:57:13.514" v="114" actId="1035"/>
+          <ac:spMkLst>
+            <pc:docMk/>
+            <pc:sldMk cId="1218476558" sldId="281"/>
+            <ac:spMk id="8" creationId="{976A150C-A5C3-47C8-A026-FE95A291D6EB}"/>
+          </ac:spMkLst>
+        </pc:spChg>
+        <pc:picChg chg="mod">
+          <ac:chgData name="ANGEL FRAGUA BAEZA" userId="3d57da32-733d-4ce0-9afd-6737e8645227" providerId="ADAL" clId="{1CB0248C-D93D-4B05-BEFF-7339F94F4E7B}" dt="2021-11-03T14:56:34.530" v="87" actId="1076"/>
+          <ac:picMkLst>
+            <pc:docMk/>
+            <pc:sldMk cId="1218476558" sldId="281"/>
+            <ac:picMk id="7" creationId="{4EB19212-2510-462A-9EC8-0293B2A3D914}"/>
+          </ac:picMkLst>
+        </pc:picChg>
+      </pc:sldChg>
+      <pc:sldChg chg="modSp mod">
+        <pc:chgData name="ANGEL FRAGUA BAEZA" userId="3d57da32-733d-4ce0-9afd-6737e8645227" providerId="ADAL" clId="{1CB0248C-D93D-4B05-BEFF-7339F94F4E7B}" dt="2021-11-03T15:16:21.639" v="123" actId="1036"/>
+        <pc:sldMkLst>
+          <pc:docMk/>
+          <pc:sldMk cId="1524189185" sldId="284"/>
+        </pc:sldMkLst>
+        <pc:picChg chg="mod">
+          <ac:chgData name="ANGEL FRAGUA BAEZA" userId="3d57da32-733d-4ce0-9afd-6737e8645227" providerId="ADAL" clId="{1CB0248C-D93D-4B05-BEFF-7339F94F4E7B}" dt="2021-11-03T15:16:21.639" v="123" actId="1036"/>
+          <ac:picMkLst>
+            <pc:docMk/>
+            <pc:sldMk cId="1524189185" sldId="284"/>
+            <ac:picMk id="8" creationId="{62315AAB-2140-4118-8F0D-4C4BF3C5D95A}"/>
+          </ac:picMkLst>
+        </pc:picChg>
+      </pc:sldChg>
+      <pc:sldChg chg="modSp mod">
+        <pc:chgData name="ANGEL FRAGUA BAEZA" userId="3d57da32-733d-4ce0-9afd-6737e8645227" providerId="ADAL" clId="{1CB0248C-D93D-4B05-BEFF-7339F94F4E7B}" dt="2021-11-03T15:19:03.726" v="129" actId="20577"/>
+        <pc:sldMkLst>
+          <pc:docMk/>
+          <pc:sldMk cId="703349903" sldId="286"/>
+        </pc:sldMkLst>
+        <pc:spChg chg="mod">
+          <ac:chgData name="ANGEL FRAGUA BAEZA" userId="3d57da32-733d-4ce0-9afd-6737e8645227" providerId="ADAL" clId="{1CB0248C-D93D-4B05-BEFF-7339F94F4E7B}" dt="2021-11-03T15:19:03.726" v="129" actId="20577"/>
+          <ac:spMkLst>
+            <pc:docMk/>
+            <pc:sldMk cId="703349903" sldId="286"/>
+            <ac:spMk id="3" creationId="{0D7EE13E-8160-40F2-BAC7-4E9FF9E7C7B7}"/>
+          </ac:spMkLst>
+        </pc:spChg>
+      </pc:sldChg>
+      <pc:sldChg chg="ord">
+        <pc:chgData name="ANGEL FRAGUA BAEZA" userId="3d57da32-733d-4ce0-9afd-6737e8645227" providerId="ADAL" clId="{1CB0248C-D93D-4B05-BEFF-7339F94F4E7B}" dt="2021-11-03T15:46:45.233" v="485" actId="20578"/>
+        <pc:sldMkLst>
+          <pc:docMk/>
+          <pc:sldMk cId="1753503321" sldId="294"/>
+        </pc:sldMkLst>
+      </pc:sldChg>
+      <pc:sldChg chg="modSp mod">
+        <pc:chgData name="ANGEL FRAGUA BAEZA" userId="3d57da32-733d-4ce0-9afd-6737e8645227" providerId="ADAL" clId="{1CB0248C-D93D-4B05-BEFF-7339F94F4E7B}" dt="2021-11-03T15:08:52.369" v="122" actId="20577"/>
+        <pc:sldMkLst>
+          <pc:docMk/>
+          <pc:sldMk cId="522478590" sldId="296"/>
+        </pc:sldMkLst>
+        <pc:spChg chg="mod">
+          <ac:chgData name="ANGEL FRAGUA BAEZA" userId="3d57da32-733d-4ce0-9afd-6737e8645227" providerId="ADAL" clId="{1CB0248C-D93D-4B05-BEFF-7339F94F4E7B}" dt="2021-11-03T15:08:52.369" v="122" actId="20577"/>
+          <ac:spMkLst>
+            <pc:docMk/>
+            <pc:sldMk cId="522478590" sldId="296"/>
+            <ac:spMk id="3" creationId="{19A6E88C-3FA0-4CCB-88C1-BFFB28F58D91}"/>
+          </ac:spMkLst>
+        </pc:spChg>
+      </pc:sldChg>
+    </pc:docChg>
+  </pc:docChgLst>
 </pc:chgInfo>
 </file>
 
@@ -1580,7 +1758,7 @@
           <a:p>
             <a:fld id="{06576479-3BF1-4AD3-8098-DDB23B2E6DE5}" type="datetimeFigureOut">
               <a:rPr lang="es-ES" smtClean="0"/>
-              <a:t>02/11/2021</a:t>
+              <a:t>03/11/2021</a:t>
             </a:fld>
             <a:endParaRPr lang="es-ES"/>
           </a:p>
@@ -2186,7 +2364,7 @@
           <a:p>
             <a:fld id="{B27B418C-9903-4AE1-9A76-1AC1546E5B95}" type="datetime1">
               <a:rPr lang="es-ES" smtClean="0"/>
-              <a:t>02/11/2021</a:t>
+              <a:t>03/11/2021</a:t>
             </a:fld>
             <a:endParaRPr lang="es-ES"/>
           </a:p>
@@ -2384,7 +2562,7 @@
           <a:p>
             <a:fld id="{519342AB-9CF7-42E9-8A11-F5EBBEA14DC5}" type="datetime1">
               <a:rPr lang="es-ES" smtClean="0"/>
-              <a:t>02/11/2021</a:t>
+              <a:t>03/11/2021</a:t>
             </a:fld>
             <a:endParaRPr lang="es-ES"/>
           </a:p>
@@ -2592,7 +2770,7 @@
           <a:p>
             <a:fld id="{FEE2B974-A523-4541-9CF9-E19E873FDA70}" type="datetime1">
               <a:rPr lang="es-ES" smtClean="0"/>
-              <a:t>02/11/2021</a:t>
+              <a:t>03/11/2021</a:t>
             </a:fld>
             <a:endParaRPr lang="es-ES"/>
           </a:p>
@@ -2790,7 +2968,7 @@
           <a:p>
             <a:fld id="{F672120F-E12A-4236-B2F3-309F8D4554AF}" type="datetime1">
               <a:rPr lang="es-ES" smtClean="0"/>
-              <a:t>02/11/2021</a:t>
+              <a:t>03/11/2021</a:t>
             </a:fld>
             <a:endParaRPr lang="es-ES"/>
           </a:p>
@@ -3065,7 +3243,7 @@
           <a:p>
             <a:fld id="{A4E96D8D-DEE4-41E0-9F29-775FC3CB1674}" type="datetime1">
               <a:rPr lang="es-ES" smtClean="0"/>
-              <a:t>02/11/2021</a:t>
+              <a:t>03/11/2021</a:t>
             </a:fld>
             <a:endParaRPr lang="es-ES"/>
           </a:p>
@@ -3330,7 +3508,7 @@
           <a:p>
             <a:fld id="{72A8902D-62EC-4431-95F7-81EAFD5643B1}" type="datetime1">
               <a:rPr lang="es-ES" smtClean="0"/>
-              <a:t>02/11/2021</a:t>
+              <a:t>03/11/2021</a:t>
             </a:fld>
             <a:endParaRPr lang="es-ES"/>
           </a:p>
@@ -3742,7 +3920,7 @@
           <a:p>
             <a:fld id="{6F8FA923-61A1-4A31-95BA-337DA2F89BE1}" type="datetime1">
               <a:rPr lang="es-ES" smtClean="0"/>
-              <a:t>02/11/2021</a:t>
+              <a:t>03/11/2021</a:t>
             </a:fld>
             <a:endParaRPr lang="es-ES"/>
           </a:p>
@@ -3883,7 +4061,7 @@
           <a:p>
             <a:fld id="{85D095DF-7178-4F80-B91B-54EF8045CF0B}" type="datetime1">
               <a:rPr lang="es-ES" smtClean="0"/>
-              <a:t>02/11/2021</a:t>
+              <a:t>03/11/2021</a:t>
             </a:fld>
             <a:endParaRPr lang="es-ES"/>
           </a:p>
@@ -3996,7 +4174,7 @@
           <a:p>
             <a:fld id="{F433142E-3A7B-4613-997D-55AED35E5048}" type="datetime1">
               <a:rPr lang="es-ES" smtClean="0"/>
-              <a:t>02/11/2021</a:t>
+              <a:t>03/11/2021</a:t>
             </a:fld>
             <a:endParaRPr lang="es-ES"/>
           </a:p>
@@ -4307,7 +4485,7 @@
           <a:p>
             <a:fld id="{AB3961B2-17B5-435B-95EA-BD7D10FF85F4}" type="datetime1">
               <a:rPr lang="es-ES" smtClean="0"/>
-              <a:t>02/11/2021</a:t>
+              <a:t>03/11/2021</a:t>
             </a:fld>
             <a:endParaRPr lang="es-ES"/>
           </a:p>
@@ -4595,7 +4773,7 @@
           <a:p>
             <a:fld id="{98C86BFA-9DF6-4225-AD5D-F3248DF6524D}" type="datetime1">
               <a:rPr lang="es-ES" smtClean="0"/>
-              <a:t>02/11/2021</a:t>
+              <a:t>03/11/2021</a:t>
             </a:fld>
             <a:endParaRPr lang="es-ES"/>
           </a:p>
@@ -4839,7 +5017,7 @@
           <a:p>
             <a:fld id="{D593BFD4-0FCF-43E5-A2D8-CD91912F7966}" type="datetime1">
               <a:rPr lang="es-ES" smtClean="0"/>
-              <a:t>02/11/2021</a:t>
+              <a:t>03/11/2021</a:t>
             </a:fld>
             <a:endParaRPr lang="es-ES"/>
           </a:p>
@@ -5804,7 +5982,7 @@
               <a:rPr lang="es-ES" sz="2800" dirty="0">
                 <a:latin typeface="Tw Cen MT" panose="020B0602020104020603" pitchFamily="34" charset="0"/>
               </a:rPr>
-              <a:t> con una mejora de soluciones mayor al 0%</a:t>
+              <a:t> con una mejora de soluciones del 0%</a:t>
             </a:r>
           </a:p>
           <a:p>
@@ -8115,7 +8293,7 @@
               <a:rPr lang="es-ES" dirty="0">
                 <a:latin typeface="Tw Cen MT" panose="020B0602020104020603" pitchFamily="34" charset="0"/>
               </a:rPr>
-              <a:t>Establecer una buena codificación del problema</a:t>
+              <a:t>La codificación del problema afecta significativamente al rendimiento.</a:t>
             </a:r>
           </a:p>
           <a:p>
@@ -8124,7 +8302,16 @@
               <a:rPr lang="es-ES" dirty="0">
                 <a:latin typeface="Tw Cen MT" panose="020B0602020104020603" pitchFamily="34" charset="0"/>
               </a:rPr>
-              <a:t>Realizar una búsqueda de </a:t>
+              <a:t>La elección de la función de evaluación afecta a la elección de la temperatura.</a:t>
+            </a:r>
+          </a:p>
+          <a:p>
+            <a:pPr algn="just"/>
+            <a:r>
+              <a:rPr lang="es-ES" dirty="0">
+                <a:latin typeface="Tw Cen MT" panose="020B0602020104020603" pitchFamily="34" charset="0"/>
+              </a:rPr>
+              <a:t>La metaheurística es muy sensible a la elección de los </a:t>
             </a:r>
             <a:r>
               <a:rPr lang="es-ES" dirty="0" err="1">
@@ -8132,9 +8319,27 @@
               </a:rPr>
               <a:t>hiperparámetros</a:t>
             </a:r>
+            <a:r>
+              <a:rPr lang="es-ES" dirty="0">
+                <a:latin typeface="Tw Cen MT" panose="020B0602020104020603" pitchFamily="34" charset="0"/>
+              </a:rPr>
+              <a:t>.</a:t>
+            </a:r>
+          </a:p>
+          <a:p>
+            <a:pPr algn="just"/>
             <a:endParaRPr lang="es-ES" dirty="0">
               <a:latin typeface="Tw Cen MT" panose="020B0602020104020603" pitchFamily="34" charset="0"/>
             </a:endParaRPr>
+          </a:p>
+          <a:p>
+            <a:pPr algn="just"/>
+            <a:r>
+              <a:rPr lang="es-ES" dirty="0">
+                <a:latin typeface="Tw Cen MT" panose="020B0602020104020603" pitchFamily="34" charset="0"/>
+              </a:rPr>
+              <a:t>El problema de las 7-Reinas es fácilmente resoluble con cualquier configuración, mientras que para un número de reinas mayor, es imprescindible la realización de un ajuste inicial.</a:t>
+            </a:r>
           </a:p>
         </p:txBody>
       </p:sp>
@@ -8236,8 +8441,8 @@
           </a:p>
         </p:txBody>
       </p:sp>
-      <mc:AlternateContent xmlns:mc="http://schemas.openxmlformats.org/markup-compatibility/2006" xmlns:a14="http://schemas.microsoft.com/office/drawing/2010/main">
-        <mc:Choice Requires="a14">
+      <mc:AlternateContent xmlns:mc="http://schemas.openxmlformats.org/markup-compatibility/2006">
+        <mc:Choice xmlns:a14="http://schemas.microsoft.com/office/drawing/2010/main" Requires="a14">
           <p:sp>
             <p:nvSpPr>
               <p:cNvPr id="3" name="Marcador de contenido 2">
@@ -8480,6 +8685,39 @@
                   <a:rPr lang="es-ES" dirty="0" err="1">
                     <a:latin typeface="Tw Cen MT" panose="020B0602020104020603" pitchFamily="34" charset="0"/>
                   </a:rPr>
+                  <a:t>r.j</a:t>
+                </a:r>
+                <a:r>
+                  <a:rPr lang="es-ES" dirty="0">
+                    <a:latin typeface="Tw Cen MT" panose="020B0602020104020603" pitchFamily="34" charset="0"/>
+                  </a:rPr>
+                  <a:t> – </a:t>
+                </a:r>
+                <a:r>
+                  <a:rPr lang="es-ES" dirty="0" err="1">
+                    <a:latin typeface="Tw Cen MT" panose="020B0602020104020603" pitchFamily="34" charset="0"/>
+                  </a:rPr>
+                  <a:t>r.i</a:t>
+                </a:r>
+                <a:r>
+                  <a:rPr lang="es-ES" dirty="0">
+                    <a:latin typeface="Tw Cen MT" panose="020B0602020104020603" pitchFamily="34" charset="0"/>
+                  </a:rPr>
+                  <a:t>] += 1</a:t>
+                </a:r>
+              </a:p>
+              <a:p>
+                <a:pPr lvl="3" algn="just"/>
+                <a:r>
+                  <a:rPr lang="es-ES" dirty="0">
+                    <a:latin typeface="Tw Cen MT" panose="020B0602020104020603" pitchFamily="34" charset="0"/>
+                  </a:rPr>
+                  <a:t>d_2[</a:t>
+                </a:r>
+                <a:r>
+                  <a:rPr lang="es-ES" dirty="0" err="1">
+                    <a:latin typeface="Tw Cen MT" panose="020B0602020104020603" pitchFamily="34" charset="0"/>
+                  </a:rPr>
                   <a:t>r.i</a:t>
                 </a:r>
                 <a:r>
@@ -8502,39 +8740,6 @@
                 </a:r>
               </a:p>
               <a:p>
-                <a:pPr lvl="3" algn="just"/>
-                <a:r>
-                  <a:rPr lang="es-ES" dirty="0">
-                    <a:latin typeface="Tw Cen MT" panose="020B0602020104020603" pitchFamily="34" charset="0"/>
-                  </a:rPr>
-                  <a:t>d_2[</a:t>
-                </a:r>
-                <a:r>
-                  <a:rPr lang="es-ES" dirty="0" err="1">
-                    <a:latin typeface="Tw Cen MT" panose="020B0602020104020603" pitchFamily="34" charset="0"/>
-                  </a:rPr>
-                  <a:t>r.j</a:t>
-                </a:r>
-                <a:r>
-                  <a:rPr lang="es-ES" dirty="0">
-                    <a:latin typeface="Tw Cen MT" panose="020B0602020104020603" pitchFamily="34" charset="0"/>
-                  </a:rPr>
-                  <a:t> – </a:t>
-                </a:r>
-                <a:r>
-                  <a:rPr lang="es-ES" dirty="0" err="1">
-                    <a:latin typeface="Tw Cen MT" panose="020B0602020104020603" pitchFamily="34" charset="0"/>
-                  </a:rPr>
-                  <a:t>r.i</a:t>
-                </a:r>
-                <a:r>
-                  <a:rPr lang="es-ES" dirty="0">
-                    <a:latin typeface="Tw Cen MT" panose="020B0602020104020603" pitchFamily="34" charset="0"/>
-                  </a:rPr>
-                  <a:t>] += 1</a:t>
-                </a:r>
-              </a:p>
-              <a:p>
                 <a:pPr lvl="2" algn="just"/>
                 <a:r>
                   <a:rPr lang="es-ES" dirty="0">
@@ -8546,7 +8751,7 @@
             </p:txBody>
           </p:sp>
         </mc:Choice>
-        <mc:Fallback xmlns="">
+        <mc:Fallback>
           <p:sp>
             <p:nvSpPr>
               <p:cNvPr id="3" name="Marcador de contenido 2">
@@ -8908,6 +9113,14 @@
               <a:t>Conclusiones</a:t>
             </a:r>
           </a:p>
+          <a:p>
+            <a:r>
+              <a:rPr lang="es-ES" dirty="0">
+                <a:latin typeface="Tw Cen MT"/>
+              </a:rPr>
+              <a:t>Trabajo Futuro</a:t>
+            </a:r>
+          </a:p>
         </p:txBody>
       </p:sp>
       <p:sp>
@@ -8966,7 +9179,7 @@
           <a:lstStyle/>
           <a:p>
             <a:r>
-              <a:rPr lang="es-ES" b="1">
+              <a:rPr lang="es-ES" b="1" dirty="0">
                 <a:solidFill>
                   <a:srgbClr val="00B050"/>
                 </a:solidFill>
@@ -9814,7 +10027,7 @@
               <a:rPr lang="es-ES" sz="2400" dirty="0">
                 <a:latin typeface="Tw Cen MT" panose="020B0602020104020603" pitchFamily="34" charset="0"/>
               </a:rPr>
-              <a:t> que la actual con una probabilidad que decrece con respecto al número de iteraciones trascurridas y el empeoramiento que supone la nueva solución.</a:t>
+              <a:t> que la actual con una probabilidad que decrece con respecto al número de iteraciones trascurridas (y por tanto la temperatura) y el empeoramiento que supone la nueva solución.</a:t>
             </a:r>
           </a:p>
           <a:p>
@@ -9854,8 +10067,8 @@
           </a:p>
         </p:txBody>
       </p:sp>
-      <mc:AlternateContent xmlns:mc="http://schemas.openxmlformats.org/markup-compatibility/2006" xmlns:a14="http://schemas.microsoft.com/office/drawing/2010/main">
-        <mc:Choice Requires="a14">
+      <mc:AlternateContent xmlns:mc="http://schemas.openxmlformats.org/markup-compatibility/2006">
+        <mc:Choice xmlns:a14="http://schemas.microsoft.com/office/drawing/2010/main" Requires="a14">
           <p:graphicFrame>
             <p:nvGraphicFramePr>
               <p:cNvPr id="8" name="Tabla 7">
@@ -9871,13 +10084,13 @@
               <p:nvPr>
                 <p:extLst>
                   <p:ext uri="{D42A27DB-BD31-4B8C-83A1-F6EECF244321}">
-                    <p14:modId xmlns:p14="http://schemas.microsoft.com/office/powerpoint/2010/main" val="2822759415"/>
+                    <p14:modId xmlns:p14="http://schemas.microsoft.com/office/powerpoint/2010/main" val="1577147407"/>
                   </p:ext>
                 </p:extLst>
               </p:nvPr>
             </p:nvGraphicFramePr>
             <p:xfrm>
-              <a:off x="2229184" y="4124416"/>
+              <a:off x="2229184" y="4195440"/>
               <a:ext cx="7605696" cy="2519306"/>
             </p:xfrm>
             <a:graphic>
@@ -11382,7 +11595,7 @@
             </a:graphic>
           </p:graphicFrame>
         </mc:Choice>
-        <mc:Fallback xmlns="">
+        <mc:Fallback>
           <p:graphicFrame>
             <p:nvGraphicFramePr>
               <p:cNvPr id="8" name="Tabla 7">
@@ -11398,13 +11611,13 @@
               <p:nvPr>
                 <p:extLst>
                   <p:ext uri="{D42A27DB-BD31-4B8C-83A1-F6EECF244321}">
-                    <p14:modId xmlns:p14="http://schemas.microsoft.com/office/powerpoint/2010/main" val="2822759415"/>
+                    <p14:modId xmlns:p14="http://schemas.microsoft.com/office/powerpoint/2010/main" val="1577147407"/>
                   </p:ext>
                 </p:extLst>
               </p:nvPr>
             </p:nvGraphicFramePr>
             <p:xfrm>
-              <a:off x="2229184" y="4124416"/>
+              <a:off x="2229184" y="4195440"/>
               <a:ext cx="7605696" cy="2519306"/>
             </p:xfrm>
             <a:graphic>
@@ -11725,7 +11938,7 @@
                         <a:blipFill>
                           <a:blip r:embed="rId2"/>
                           <a:stretch>
-                            <a:fillRect l="-893" t="-285000" r="-1016964" b="-355000"/>
+                            <a:fillRect l="-893" t="-285000" r="-1016964" b="-353333"/>
                           </a:stretch>
                         </a:blipFill>
                       </a:tcPr>
@@ -11836,7 +12049,7 @@
                         <a:blipFill>
                           <a:blip r:embed="rId2"/>
                           <a:stretch>
-                            <a:fillRect l="-580734" t="-285000" r="-467890" b="-355000"/>
+                            <a:fillRect l="-580734" t="-285000" r="-467890" b="-353333"/>
                           </a:stretch>
                         </a:blipFill>
                       </a:tcPr>
@@ -11953,7 +12166,7 @@
                         <a:blipFill>
                           <a:blip r:embed="rId2"/>
                           <a:stretch>
-                            <a:fillRect l="-893" t="-385000" r="-1016964" b="-255000"/>
+                            <a:fillRect l="-893" t="-385000" r="-1016964" b="-253333"/>
                           </a:stretch>
                         </a:blipFill>
                       </a:tcPr>
@@ -12185,7 +12398,7 @@
                         <a:blipFill>
                           <a:blip r:embed="rId2"/>
                           <a:stretch>
-                            <a:fillRect l="-893" t="-469355" r="-1016964" b="-146774"/>
+                            <a:fillRect l="-893" t="-469355" r="-1016964" b="-145161"/>
                           </a:stretch>
                         </a:blipFill>
                       </a:tcPr>
@@ -12353,7 +12566,7 @@
                         <a:blipFill>
                           <a:blip r:embed="rId2"/>
                           <a:stretch>
-                            <a:fillRect l="-146063" t="-469355" r="-394" b="-146774"/>
+                            <a:fillRect l="-146063" t="-469355" r="-394" b="-145161"/>
                           </a:stretch>
                         </a:blipFill>
                       </a:tcPr>
@@ -20043,13 +20256,51 @@
         <p:spPr>
           <a:xfrm>
             <a:off x="268941" y="2848093"/>
-            <a:ext cx="3687111" cy="3694320"/>
+            <a:ext cx="3501411" cy="3508257"/>
           </a:xfrm>
           <a:prstGeom prst="rect">
             <a:avLst/>
           </a:prstGeom>
         </p:spPr>
       </p:pic>
+      <p:sp>
+        <p:nvSpPr>
+          <p:cNvPr id="8" name="CuadroTexto 7">
+            <a:extLst>
+              <a:ext uri="{FF2B5EF4-FFF2-40B4-BE49-F238E27FC236}">
+                <a16:creationId xmlns:a16="http://schemas.microsoft.com/office/drawing/2014/main" id="{976A150C-A5C3-47C8-A026-FE95A291D6EB}"/>
+              </a:ext>
+            </a:extLst>
+          </p:cNvPr>
+          <p:cNvSpPr txBox="1"/>
+          <p:nvPr/>
+        </p:nvSpPr>
+        <p:spPr>
+          <a:xfrm>
+            <a:off x="23475" y="6223180"/>
+            <a:ext cx="3992341" cy="646331"/>
+          </a:xfrm>
+          <a:prstGeom prst="rect">
+            <a:avLst/>
+          </a:prstGeom>
+          <a:noFill/>
+        </p:spPr>
+        <p:txBody>
+          <a:bodyPr wrap="square" rtlCol="0">
+            <a:spAutoFit/>
+          </a:bodyPr>
+          <a:lstStyle/>
+          <a:p>
+            <a:pPr algn="ctr"/>
+            <a:r>
+              <a:rPr lang="es-ES" sz="3600" dirty="0">
+                <a:latin typeface="Tw Cen MT" panose="020B0602020104020603" pitchFamily="34" charset="0"/>
+              </a:rPr>
+              <a:t>0  4  1  5  2  6  3</a:t>
+            </a:r>
+          </a:p>
+        </p:txBody>
+      </p:sp>
     </p:spTree>
     <p:extLst>
       <p:ext uri="{BB962C8B-B14F-4D97-AF65-F5344CB8AC3E}">
@@ -23229,7 +23480,7 @@
         </p:blipFill>
         <p:spPr>
           <a:xfrm>
-            <a:off x="268941" y="2848093"/>
+            <a:off x="268941" y="2856971"/>
             <a:ext cx="3687111" cy="3694320"/>
           </a:xfrm>
           <a:prstGeom prst="rect">
